--- a/github_workshop.pptx
+++ b/github_workshop.pptx
@@ -6,13 +6,14 @@
   </p:sldMasterIdLst>
   <p:sldIdLst>
     <p:sldId id="257" r:id="rId2"/>
-    <p:sldId id="258" r:id="rId3"/>
-    <p:sldId id="259" r:id="rId4"/>
-    <p:sldId id="260" r:id="rId5"/>
-    <p:sldId id="261" r:id="rId6"/>
-    <p:sldId id="262" r:id="rId7"/>
-    <p:sldId id="256" r:id="rId8"/>
-    <p:sldId id="263" r:id="rId9"/>
+    <p:sldId id="264" r:id="rId3"/>
+    <p:sldId id="258" r:id="rId4"/>
+    <p:sldId id="259" r:id="rId5"/>
+    <p:sldId id="260" r:id="rId6"/>
+    <p:sldId id="261" r:id="rId7"/>
+    <p:sldId id="262" r:id="rId8"/>
+    <p:sldId id="256" r:id="rId9"/>
+    <p:sldId id="263" r:id="rId10"/>
   </p:sldIdLst>
   <p:sldSz cx="12192000" cy="6858000"/>
   <p:notesSz cx="6858000" cy="9144000"/>
@@ -3335,6 +3336,122 @@
       </p:grpSpPr>
       <p:sp>
         <p:nvSpPr>
+          <p:cNvPr id="2" name="Titel 1">
+            <a:extLst>
+              <a:ext uri="{FF2B5EF4-FFF2-40B4-BE49-F238E27FC236}">
+                <a16:creationId xmlns:a16="http://schemas.microsoft.com/office/drawing/2014/main" id="{CB7FEEDD-CC1C-43AA-BFD3-2FA3F0CA9F57}"/>
+              </a:ext>
+            </a:extLst>
+          </p:cNvPr>
+          <p:cNvSpPr>
+            <a:spLocks noGrp="1"/>
+          </p:cNvSpPr>
+          <p:nvPr>
+            <p:ph type="title"/>
+          </p:nvPr>
+        </p:nvSpPr>
+        <p:spPr>
+          <a:xfrm>
+            <a:off x="838199" y="1234240"/>
+            <a:ext cx="10515600" cy="1325563"/>
+          </a:xfrm>
+        </p:spPr>
+        <p:txBody>
+          <a:bodyPr/>
+          <a:lstStyle/>
+          <a:p>
+            <a:pPr algn="ctr"/>
+            <a:r>
+              <a:rPr lang="de-DE" dirty="0"/>
+              <a:t>The </a:t>
+            </a:r>
+            <a:r>
+              <a:rPr lang="de-DE" dirty="0" err="1"/>
+              <a:t>Buschlab</a:t>
+            </a:r>
+            <a:r>
+              <a:rPr lang="de-DE" dirty="0"/>
+              <a:t> </a:t>
+            </a:r>
+            <a:r>
+              <a:rPr lang="de-DE" dirty="0" err="1"/>
+              <a:t>Github</a:t>
+            </a:r>
+            <a:r>
+              <a:rPr lang="de-DE" dirty="0"/>
+              <a:t> Tutorial</a:t>
+            </a:r>
+          </a:p>
+        </p:txBody>
+      </p:sp>
+      <p:pic>
+        <p:nvPicPr>
+          <p:cNvPr id="13" name="Grafik 12">
+            <a:extLst>
+              <a:ext uri="{FF2B5EF4-FFF2-40B4-BE49-F238E27FC236}">
+                <a16:creationId xmlns:a16="http://schemas.microsoft.com/office/drawing/2014/main" id="{33C599A8-1DFD-4180-81BC-4BEE2541698E}"/>
+              </a:ext>
+            </a:extLst>
+          </p:cNvPr>
+          <p:cNvPicPr>
+            <a:picLocks noChangeAspect="1"/>
+          </p:cNvPicPr>
+          <p:nvPr/>
+        </p:nvPicPr>
+        <p:blipFill>
+          <a:blip r:embed="rId2">
+            <a:extLst>
+              <a:ext uri="{28A0092B-C50C-407E-A947-70E740481C1C}">
+                <a14:useLocalDpi xmlns:a14="http://schemas.microsoft.com/office/drawing/2010/main" val="0"/>
+              </a:ext>
+            </a:extLst>
+          </a:blip>
+          <a:stretch>
+            <a:fillRect/>
+          </a:stretch>
+        </p:blipFill>
+        <p:spPr>
+          <a:xfrm>
+            <a:off x="5226803" y="2559803"/>
+            <a:ext cx="1738393" cy="1738393"/>
+          </a:xfrm>
+          <a:prstGeom prst="rect">
+            <a:avLst/>
+          </a:prstGeom>
+        </p:spPr>
+      </p:pic>
+    </p:spTree>
+    <p:extLst>
+      <p:ext uri="{BB962C8B-B14F-4D97-AF65-F5344CB8AC3E}">
+        <p14:creationId xmlns:p14="http://schemas.microsoft.com/office/powerpoint/2010/main" val="1806494675"/>
+      </p:ext>
+    </p:extLst>
+  </p:cSld>
+  <p:clrMapOvr>
+    <a:masterClrMapping/>
+  </p:clrMapOvr>
+</p:sld>
+</file>
+
+<file path=ppt/slides/slide2.xml><?xml version="1.0" encoding="utf-8"?>
+<p:sld xmlns:a="http://schemas.openxmlformats.org/drawingml/2006/main" xmlns:r="http://schemas.openxmlformats.org/officeDocument/2006/relationships" xmlns:p="http://schemas.openxmlformats.org/presentationml/2006/main">
+  <p:cSld>
+    <p:spTree>
+      <p:nvGrpSpPr>
+        <p:cNvPr id="1" name=""/>
+        <p:cNvGrpSpPr/>
+        <p:nvPr/>
+      </p:nvGrpSpPr>
+      <p:grpSpPr>
+        <a:xfrm>
+          <a:off x="0" y="0"/>
+          <a:ext cx="0" cy="0"/>
+          <a:chOff x="0" y="0"/>
+          <a:chExt cx="0" cy="0"/>
+        </a:xfrm>
+      </p:grpSpPr>
+      <p:sp>
+        <p:nvSpPr>
           <p:cNvPr id="15" name="Rechteck 14">
             <a:extLst>
               <a:ext uri="{FF2B5EF4-FFF2-40B4-BE49-F238E27FC236}">
@@ -4459,13 +4576,15 @@
               </a:ext>
             </a:extLst>
           </p:cNvPr>
-          <p:cNvCxnSpPr/>
+          <p:cNvCxnSpPr>
+            <a:cxnSpLocks/>
+          </p:cNvCxnSpPr>
           <p:nvPr/>
         </p:nvCxnSpPr>
         <p:spPr>
           <a:xfrm>
             <a:off x="3210572" y="2410718"/>
-            <a:ext cx="2818268" cy="0"/>
+            <a:ext cx="2877679" cy="0"/>
           </a:xfrm>
           <a:prstGeom prst="line">
             <a:avLst/>
@@ -4685,7 +4804,7 @@
     </p:spTree>
     <p:extLst>
       <p:ext uri="{BB962C8B-B14F-4D97-AF65-F5344CB8AC3E}">
-        <p14:creationId xmlns:p14="http://schemas.microsoft.com/office/powerpoint/2010/main" val="1806494675"/>
+        <p14:creationId xmlns:p14="http://schemas.microsoft.com/office/powerpoint/2010/main" val="195712585"/>
       </p:ext>
     </p:extLst>
   </p:cSld>
@@ -5559,7 +5678,7 @@
 </p:sld>
 </file>
 
-<file path=ppt/slides/slide2.xml><?xml version="1.0" encoding="utf-8"?>
+<file path=ppt/slides/slide3.xml><?xml version="1.0" encoding="utf-8"?>
 <p:sld xmlns:a="http://schemas.openxmlformats.org/drawingml/2006/main" xmlns:r="http://schemas.openxmlformats.org/officeDocument/2006/relationships" xmlns:p="http://schemas.openxmlformats.org/presentationml/2006/main">
   <p:cSld>
     <p:spTree>
@@ -9891,7 +10010,7 @@
 </p:sld>
 </file>
 
-<file path=ppt/slides/slide3.xml><?xml version="1.0" encoding="utf-8"?>
+<file path=ppt/slides/slide4.xml><?xml version="1.0" encoding="utf-8"?>
 <p:sld xmlns:a="http://schemas.openxmlformats.org/drawingml/2006/main" xmlns:r="http://schemas.openxmlformats.org/officeDocument/2006/relationships" xmlns:p="http://schemas.openxmlformats.org/presentationml/2006/main">
   <p:cSld>
     <p:spTree>
@@ -10046,7 +10165,7 @@
             <a:pPr algn="ctr"/>
             <a:r>
               <a:rPr lang="de-DE" dirty="0"/>
-              <a:t>The Basics</a:t>
+              <a:t>The Cherry-Pick</a:t>
             </a:r>
           </a:p>
         </p:txBody>
@@ -11389,7 +11508,7 @@
 </p:sld>
 </file>
 
-<file path=ppt/slides/slide4.xml><?xml version="1.0" encoding="utf-8"?>
+<file path=ppt/slides/slide5.xml><?xml version="1.0" encoding="utf-8"?>
 <p:sld xmlns:a="http://schemas.openxmlformats.org/drawingml/2006/main" xmlns:r="http://schemas.openxmlformats.org/officeDocument/2006/relationships" xmlns:p="http://schemas.openxmlformats.org/presentationml/2006/main">
   <p:cSld>
     <p:spTree>
@@ -11544,7 +11663,7 @@
             <a:pPr algn="ctr"/>
             <a:r>
               <a:rPr lang="de-DE" dirty="0"/>
-              <a:t>The Basics</a:t>
+              <a:t>The Fork</a:t>
             </a:r>
           </a:p>
         </p:txBody>
@@ -11893,8 +12012,8 @@
         </p:nvSpPr>
         <p:spPr>
           <a:xfrm>
-            <a:off x="7020439" y="2557221"/>
-            <a:ext cx="1685270" cy="584775"/>
+            <a:off x="7172051" y="2557221"/>
+            <a:ext cx="1382045" cy="584775"/>
           </a:xfrm>
           <a:prstGeom prst="rect">
             <a:avLst/>
@@ -11909,12 +12028,8 @@
           <a:p>
             <a:pPr algn="ctr"/>
             <a:r>
-              <a:rPr lang="de-DE" b="1" dirty="0"/>
-              <a:t>remote / </a:t>
-            </a:r>
-            <a:r>
               <a:rPr lang="de-DE" b="1" dirty="0" err="1"/>
-              <a:t>origin</a:t>
+              <a:t>upstream</a:t>
             </a:r>
             <a:endParaRPr lang="de-DE" b="1" dirty="0"/>
           </a:p>
@@ -15084,7 +15199,7 @@
 </p:sld>
 </file>
 
-<file path=ppt/slides/slide5.xml><?xml version="1.0" encoding="utf-8"?>
+<file path=ppt/slides/slide6.xml><?xml version="1.0" encoding="utf-8"?>
 <p:sld xmlns:a="http://schemas.openxmlformats.org/drawingml/2006/main" xmlns:r="http://schemas.openxmlformats.org/officeDocument/2006/relationships" xmlns:p="http://schemas.openxmlformats.org/presentationml/2006/main">
   <p:cSld>
     <p:spTree>
@@ -15238,12 +15353,56 @@
           <a:p>
             <a:pPr algn="ctr"/>
             <a:r>
+              <a:rPr lang="de-DE" dirty="0" err="1"/>
+              <a:t>Why</a:t>
+            </a:r>
+            <a:r>
               <a:rPr lang="de-DE" dirty="0"/>
-              <a:t>The </a:t>
+              <a:t> </a:t>
             </a:r>
             <a:r>
               <a:rPr lang="de-DE" dirty="0" err="1"/>
-              <a:t>problem</a:t>
+              <a:t>we</a:t>
+            </a:r>
+            <a:r>
+              <a:rPr lang="de-DE" dirty="0"/>
+              <a:t> </a:t>
+            </a:r>
+            <a:r>
+              <a:rPr lang="de-DE" dirty="0" err="1"/>
+              <a:t>don‘t</a:t>
+            </a:r>
+            <a:r>
+              <a:rPr lang="de-DE" dirty="0"/>
+              <a:t> </a:t>
+            </a:r>
+            <a:r>
+              <a:rPr lang="de-DE" dirty="0" err="1"/>
+              <a:t>want</a:t>
+            </a:r>
+            <a:r>
+              <a:rPr lang="de-DE" dirty="0"/>
+              <a:t> </a:t>
+            </a:r>
+            <a:r>
+              <a:rPr lang="de-DE" dirty="0" err="1"/>
+              <a:t>the</a:t>
+            </a:r>
+            <a:r>
+              <a:rPr lang="de-DE" dirty="0"/>
+              <a:t> </a:t>
+            </a:r>
+            <a:r>
+              <a:rPr lang="de-DE" dirty="0" err="1"/>
+              <a:t>standard</a:t>
+            </a:r>
+            <a:r>
+              <a:rPr lang="de-DE" dirty="0"/>
+              <a:t> </a:t>
+            </a:r>
+            <a:r>
+              <a:rPr lang="de-DE" dirty="0" err="1"/>
+              <a:t>workflow</a:t>
             </a:r>
             <a:endParaRPr lang="de-DE" dirty="0"/>
           </a:p>
@@ -15358,8 +15517,8 @@
         </p:nvSpPr>
         <p:spPr>
           <a:xfrm>
-            <a:off x="7020439" y="2557221"/>
-            <a:ext cx="1685270" cy="584775"/>
+            <a:off x="7172051" y="2557221"/>
+            <a:ext cx="1382045" cy="584775"/>
           </a:xfrm>
           <a:prstGeom prst="rect">
             <a:avLst/>
@@ -15374,12 +15533,8 @@
           <a:p>
             <a:pPr algn="ctr"/>
             <a:r>
-              <a:rPr lang="de-DE" b="1" dirty="0"/>
-              <a:t>remote / </a:t>
-            </a:r>
-            <a:r>
               <a:rPr lang="de-DE" b="1" dirty="0" err="1"/>
-              <a:t>origin</a:t>
+              <a:t>upstream</a:t>
             </a:r>
             <a:endParaRPr lang="de-DE" b="1" dirty="0"/>
           </a:p>
@@ -17169,7 +17324,7 @@
 </p:sld>
 </file>
 
-<file path=ppt/slides/slide6.xml><?xml version="1.0" encoding="utf-8"?>
+<file path=ppt/slides/slide7.xml><?xml version="1.0" encoding="utf-8"?>
 <p:sld xmlns:a="http://schemas.openxmlformats.org/drawingml/2006/main" xmlns:r="http://schemas.openxmlformats.org/officeDocument/2006/relationships" xmlns:p="http://schemas.openxmlformats.org/presentationml/2006/main">
   <p:cSld>
     <p:spTree>
@@ -17324,7 +17479,7 @@
             <a:pPr algn="ctr"/>
             <a:r>
               <a:rPr lang="de-DE" dirty="0" err="1"/>
-              <a:t>Our</a:t>
+              <a:t>What</a:t>
             </a:r>
             <a:r>
               <a:rPr lang="de-DE" dirty="0"/>
@@ -17332,7 +17487,23 @@
             </a:r>
             <a:r>
               <a:rPr lang="de-DE" dirty="0" err="1"/>
-              <a:t>solution</a:t>
+              <a:t>we</a:t>
+            </a:r>
+            <a:r>
+              <a:rPr lang="de-DE" dirty="0"/>
+              <a:t> </a:t>
+            </a:r>
+            <a:r>
+              <a:rPr lang="de-DE" dirty="0" err="1"/>
+              <a:t>actually</a:t>
+            </a:r>
+            <a:r>
+              <a:rPr lang="de-DE" dirty="0"/>
+              <a:t> </a:t>
+            </a:r>
+            <a:r>
+              <a:rPr lang="de-DE" dirty="0" err="1"/>
+              <a:t>want</a:t>
             </a:r>
             <a:endParaRPr lang="de-DE" dirty="0"/>
           </a:p>
@@ -17447,8 +17618,8 @@
         </p:nvSpPr>
         <p:spPr>
           <a:xfrm>
-            <a:off x="7020439" y="2557221"/>
-            <a:ext cx="1685270" cy="584775"/>
+            <a:off x="7172051" y="2557221"/>
+            <a:ext cx="1382045" cy="584775"/>
           </a:xfrm>
           <a:prstGeom prst="rect">
             <a:avLst/>
@@ -17463,12 +17634,8 @@
           <a:p>
             <a:pPr algn="ctr"/>
             <a:r>
-              <a:rPr lang="de-DE" b="1" dirty="0"/>
-              <a:t>remote / </a:t>
-            </a:r>
-            <a:r>
               <a:rPr lang="de-DE" b="1" dirty="0" err="1"/>
-              <a:t>origin</a:t>
+              <a:t>upstream</a:t>
             </a:r>
             <a:endParaRPr lang="de-DE" b="1" dirty="0"/>
           </a:p>
@@ -20122,7 +20289,7 @@
 </p:sld>
 </file>
 
-<file path=ppt/slides/slide7.xml><?xml version="1.0" encoding="utf-8"?>
+<file path=ppt/slides/slide8.xml><?xml version="1.0" encoding="utf-8"?>
 <p:sld xmlns:a="http://schemas.openxmlformats.org/drawingml/2006/main" xmlns:r="http://schemas.openxmlformats.org/officeDocument/2006/relationships" xmlns:p="http://schemas.openxmlformats.org/presentationml/2006/main">
   <p:cSld>
     <p:spTree>
@@ -26912,7 +27079,7 @@
 </p:sld>
 </file>
 
-<file path=ppt/slides/slide8.xml><?xml version="1.0" encoding="utf-8"?>
+<file path=ppt/slides/slide9.xml><?xml version="1.0" encoding="utf-8"?>
 <p:sld xmlns:a="http://schemas.openxmlformats.org/drawingml/2006/main" xmlns:r="http://schemas.openxmlformats.org/officeDocument/2006/relationships" xmlns:p="http://schemas.openxmlformats.org/presentationml/2006/main">
   <p:cSld>
     <p:spTree>
@@ -26980,8 +27147,44 @@
         </p:blipFill>
         <p:spPr>
           <a:xfrm>
-            <a:off x="2224087" y="2705827"/>
+            <a:off x="2224085" y="4476023"/>
             <a:ext cx="7743825" cy="1819275"/>
+          </a:xfrm>
+          <a:prstGeom prst="rect">
+            <a:avLst/>
+          </a:prstGeom>
+        </p:spPr>
+      </p:pic>
+      <p:pic>
+        <p:nvPicPr>
+          <p:cNvPr id="4" name="Grafik 3">
+            <a:extLst>
+              <a:ext uri="{FF2B5EF4-FFF2-40B4-BE49-F238E27FC236}">
+                <a16:creationId xmlns:a16="http://schemas.microsoft.com/office/drawing/2014/main" id="{AD20252C-FB57-465A-ADDB-7E905D832B29}"/>
+              </a:ext>
+            </a:extLst>
+          </p:cNvPr>
+          <p:cNvPicPr>
+            <a:picLocks noChangeAspect="1"/>
+          </p:cNvPicPr>
+          <p:nvPr/>
+        </p:nvPicPr>
+        <p:blipFill>
+          <a:blip r:embed="rId3">
+            <a:extLst>
+              <a:ext uri="{28A0092B-C50C-407E-A947-70E740481C1C}">
+                <a14:useLocalDpi xmlns:a14="http://schemas.microsoft.com/office/drawing/2010/main" val="0"/>
+              </a:ext>
+            </a:extLst>
+          </a:blip>
+          <a:stretch>
+            <a:fillRect/>
+          </a:stretch>
+        </p:blipFill>
+        <p:spPr>
+          <a:xfrm>
+            <a:off x="5024434" y="1797803"/>
+            <a:ext cx="2143125" cy="2143125"/>
           </a:xfrm>
           <a:prstGeom prst="rect">
             <a:avLst/>

--- a/github_workshop.pptx
+++ b/github_workshop.pptx
@@ -13,7 +13,8 @@
     <p:sldId id="261" r:id="rId7"/>
     <p:sldId id="262" r:id="rId8"/>
     <p:sldId id="256" r:id="rId9"/>
-    <p:sldId id="263" r:id="rId10"/>
+    <p:sldId id="265" r:id="rId10"/>
+    <p:sldId id="263" r:id="rId11"/>
   </p:sldIdLst>
   <p:sldSz cx="12192000" cy="6858000"/>
   <p:notesSz cx="6858000" cy="9144000"/>
@@ -267,7 +268,7 @@
           <a:p>
             <a:fld id="{B20B002A-08C6-4477-89A6-2518FA80013A}" type="datetimeFigureOut">
               <a:rPr lang="de-DE" smtClean="0"/>
-              <a:t>19.07.2022</a:t>
+              <a:t>20.07.2022</a:t>
             </a:fld>
             <a:endParaRPr lang="de-DE"/>
           </a:p>
@@ -465,7 +466,7 @@
           <a:p>
             <a:fld id="{B20B002A-08C6-4477-89A6-2518FA80013A}" type="datetimeFigureOut">
               <a:rPr lang="de-DE" smtClean="0"/>
-              <a:t>19.07.2022</a:t>
+              <a:t>20.07.2022</a:t>
             </a:fld>
             <a:endParaRPr lang="de-DE"/>
           </a:p>
@@ -673,7 +674,7 @@
           <a:p>
             <a:fld id="{B20B002A-08C6-4477-89A6-2518FA80013A}" type="datetimeFigureOut">
               <a:rPr lang="de-DE" smtClean="0"/>
-              <a:t>19.07.2022</a:t>
+              <a:t>20.07.2022</a:t>
             </a:fld>
             <a:endParaRPr lang="de-DE"/>
           </a:p>
@@ -871,7 +872,7 @@
           <a:p>
             <a:fld id="{B20B002A-08C6-4477-89A6-2518FA80013A}" type="datetimeFigureOut">
               <a:rPr lang="de-DE" smtClean="0"/>
-              <a:t>19.07.2022</a:t>
+              <a:t>20.07.2022</a:t>
             </a:fld>
             <a:endParaRPr lang="de-DE"/>
           </a:p>
@@ -1146,7 +1147,7 @@
           <a:p>
             <a:fld id="{B20B002A-08C6-4477-89A6-2518FA80013A}" type="datetimeFigureOut">
               <a:rPr lang="de-DE" smtClean="0"/>
-              <a:t>19.07.2022</a:t>
+              <a:t>20.07.2022</a:t>
             </a:fld>
             <a:endParaRPr lang="de-DE"/>
           </a:p>
@@ -1411,7 +1412,7 @@
           <a:p>
             <a:fld id="{B20B002A-08C6-4477-89A6-2518FA80013A}" type="datetimeFigureOut">
               <a:rPr lang="de-DE" smtClean="0"/>
-              <a:t>19.07.2022</a:t>
+              <a:t>20.07.2022</a:t>
             </a:fld>
             <a:endParaRPr lang="de-DE"/>
           </a:p>
@@ -1823,7 +1824,7 @@
           <a:p>
             <a:fld id="{B20B002A-08C6-4477-89A6-2518FA80013A}" type="datetimeFigureOut">
               <a:rPr lang="de-DE" smtClean="0"/>
-              <a:t>19.07.2022</a:t>
+              <a:t>20.07.2022</a:t>
             </a:fld>
             <a:endParaRPr lang="de-DE"/>
           </a:p>
@@ -1964,7 +1965,7 @@
           <a:p>
             <a:fld id="{B20B002A-08C6-4477-89A6-2518FA80013A}" type="datetimeFigureOut">
               <a:rPr lang="de-DE" smtClean="0"/>
-              <a:t>19.07.2022</a:t>
+              <a:t>20.07.2022</a:t>
             </a:fld>
             <a:endParaRPr lang="de-DE"/>
           </a:p>
@@ -2077,7 +2078,7 @@
           <a:p>
             <a:fld id="{B20B002A-08C6-4477-89A6-2518FA80013A}" type="datetimeFigureOut">
               <a:rPr lang="de-DE" smtClean="0"/>
-              <a:t>19.07.2022</a:t>
+              <a:t>20.07.2022</a:t>
             </a:fld>
             <a:endParaRPr lang="de-DE"/>
           </a:p>
@@ -2388,7 +2389,7 @@
           <a:p>
             <a:fld id="{B20B002A-08C6-4477-89A6-2518FA80013A}" type="datetimeFigureOut">
               <a:rPr lang="de-DE" smtClean="0"/>
-              <a:t>19.07.2022</a:t>
+              <a:t>20.07.2022</a:t>
             </a:fld>
             <a:endParaRPr lang="de-DE"/>
           </a:p>
@@ -2676,7 +2677,7 @@
           <a:p>
             <a:fld id="{B20B002A-08C6-4477-89A6-2518FA80013A}" type="datetimeFigureOut">
               <a:rPr lang="de-DE" smtClean="0"/>
-              <a:t>19.07.2022</a:t>
+              <a:t>20.07.2022</a:t>
             </a:fld>
             <a:endParaRPr lang="de-DE"/>
           </a:p>
@@ -2917,7 +2918,7 @@
           <a:p>
             <a:fld id="{B20B002A-08C6-4477-89A6-2518FA80013A}" type="datetimeFigureOut">
               <a:rPr lang="de-DE" smtClean="0"/>
-              <a:t>19.07.2022</a:t>
+              <a:t>20.07.2022</a:t>
             </a:fld>
             <a:endParaRPr lang="de-DE"/>
           </a:p>
@@ -3424,6 +3425,131 @@
     <p:extLst>
       <p:ext uri="{BB962C8B-B14F-4D97-AF65-F5344CB8AC3E}">
         <p14:creationId xmlns:p14="http://schemas.microsoft.com/office/powerpoint/2010/main" val="1806494675"/>
+      </p:ext>
+    </p:extLst>
+  </p:cSld>
+  <p:clrMapOvr>
+    <a:masterClrMapping/>
+  </p:clrMapOvr>
+</p:sld>
+</file>
+
+<file path=ppt/slides/slide10.xml><?xml version="1.0" encoding="utf-8"?>
+<p:sld xmlns:a="http://schemas.openxmlformats.org/drawingml/2006/main" xmlns:r="http://schemas.openxmlformats.org/officeDocument/2006/relationships" xmlns:p="http://schemas.openxmlformats.org/presentationml/2006/main">
+  <p:cSld>
+    <p:spTree>
+      <p:nvGrpSpPr>
+        <p:cNvPr id="1" name=""/>
+        <p:cNvGrpSpPr/>
+        <p:nvPr/>
+      </p:nvGrpSpPr>
+      <p:grpSpPr>
+        <a:xfrm>
+          <a:off x="0" y="0"/>
+          <a:ext cx="0" cy="0"/>
+          <a:chOff x="0" y="0"/>
+          <a:chExt cx="0" cy="0"/>
+        </a:xfrm>
+      </p:grpSpPr>
+      <p:sp>
+        <p:nvSpPr>
+          <p:cNvPr id="2" name="Titel 1">
+            <a:extLst>
+              <a:ext uri="{FF2B5EF4-FFF2-40B4-BE49-F238E27FC236}">
+                <a16:creationId xmlns:a16="http://schemas.microsoft.com/office/drawing/2014/main" id="{E22E3B27-615A-4221-BFE7-450D563FEC17}"/>
+              </a:ext>
+            </a:extLst>
+          </p:cNvPr>
+          <p:cNvSpPr>
+            <a:spLocks noGrp="1"/>
+          </p:cNvSpPr>
+          <p:nvPr>
+            <p:ph type="title"/>
+          </p:nvPr>
+        </p:nvSpPr>
+        <p:spPr/>
+        <p:txBody>
+          <a:bodyPr/>
+          <a:lstStyle/>
+          <a:p>
+            <a:pPr algn="ctr"/>
+            <a:r>
+              <a:rPr lang="de-DE" dirty="0"/>
+              <a:t>Hands on</a:t>
+            </a:r>
+          </a:p>
+        </p:txBody>
+      </p:sp>
+      <p:pic>
+        <p:nvPicPr>
+          <p:cNvPr id="6" name="Grafik 5">
+            <a:extLst>
+              <a:ext uri="{FF2B5EF4-FFF2-40B4-BE49-F238E27FC236}">
+                <a16:creationId xmlns:a16="http://schemas.microsoft.com/office/drawing/2014/main" id="{B28AA8C1-22F6-4F07-B138-419B79429575}"/>
+              </a:ext>
+            </a:extLst>
+          </p:cNvPr>
+          <p:cNvPicPr>
+            <a:picLocks noChangeAspect="1"/>
+          </p:cNvPicPr>
+          <p:nvPr/>
+        </p:nvPicPr>
+        <p:blipFill>
+          <a:blip r:embed="rId2"/>
+          <a:stretch>
+            <a:fillRect/>
+          </a:stretch>
+        </p:blipFill>
+        <p:spPr>
+          <a:xfrm>
+            <a:off x="2224085" y="4476023"/>
+            <a:ext cx="7743825" cy="1819275"/>
+          </a:xfrm>
+          <a:prstGeom prst="rect">
+            <a:avLst/>
+          </a:prstGeom>
+        </p:spPr>
+      </p:pic>
+      <p:pic>
+        <p:nvPicPr>
+          <p:cNvPr id="4" name="Grafik 3">
+            <a:extLst>
+              <a:ext uri="{FF2B5EF4-FFF2-40B4-BE49-F238E27FC236}">
+                <a16:creationId xmlns:a16="http://schemas.microsoft.com/office/drawing/2014/main" id="{AD20252C-FB57-465A-ADDB-7E905D832B29}"/>
+              </a:ext>
+            </a:extLst>
+          </p:cNvPr>
+          <p:cNvPicPr>
+            <a:picLocks noChangeAspect="1"/>
+          </p:cNvPicPr>
+          <p:nvPr/>
+        </p:nvPicPr>
+        <p:blipFill>
+          <a:blip r:embed="rId3">
+            <a:extLst>
+              <a:ext uri="{28A0092B-C50C-407E-A947-70E740481C1C}">
+                <a14:useLocalDpi xmlns:a14="http://schemas.microsoft.com/office/drawing/2010/main" val="0"/>
+              </a:ext>
+            </a:extLst>
+          </a:blip>
+          <a:stretch>
+            <a:fillRect/>
+          </a:stretch>
+        </p:blipFill>
+        <p:spPr>
+          <a:xfrm>
+            <a:off x="5024434" y="1797803"/>
+            <a:ext cx="2143125" cy="2143125"/>
+          </a:xfrm>
+          <a:prstGeom prst="rect">
+            <a:avLst/>
+          </a:prstGeom>
+        </p:spPr>
+      </p:pic>
+    </p:spTree>
+    <p:extLst>
+      <p:ext uri="{BB962C8B-B14F-4D97-AF65-F5344CB8AC3E}">
+        <p14:creationId xmlns:p14="http://schemas.microsoft.com/office/powerpoint/2010/main" val="2502894247"/>
       </p:ext>
     </p:extLst>
   </p:cSld>
@@ -10041,8 +10167,8 @@
         </p:nvSpPr>
         <p:spPr>
           <a:xfrm>
-            <a:off x="1890793" y="1690688"/>
-            <a:ext cx="8276094" cy="4314907"/>
+            <a:off x="4390845" y="1690688"/>
+            <a:ext cx="3338423" cy="4314907"/>
           </a:xfrm>
           <a:prstGeom prst="rect">
             <a:avLst/>
@@ -13933,6 +14059,306 @@
           </a:prstGeom>
         </p:spPr>
       </p:pic>
+      <p:cxnSp>
+        <p:nvCxnSpPr>
+          <p:cNvPr id="84" name="Gerade Verbindung mit Pfeil 83">
+            <a:extLst>
+              <a:ext uri="{FF2B5EF4-FFF2-40B4-BE49-F238E27FC236}">
+                <a16:creationId xmlns:a16="http://schemas.microsoft.com/office/drawing/2014/main" id="{4AE2711A-69DC-4D84-9AC6-DE80235B1FBB}"/>
+              </a:ext>
+            </a:extLst>
+          </p:cNvPr>
+          <p:cNvCxnSpPr>
+            <a:cxnSpLocks/>
+          </p:cNvCxnSpPr>
+          <p:nvPr/>
+        </p:nvCxnSpPr>
+        <p:spPr>
+          <a:xfrm flipV="1">
+            <a:off x="10410434" y="5138532"/>
+            <a:ext cx="0" cy="230145"/>
+          </a:xfrm>
+          <a:prstGeom prst="straightConnector1">
+            <a:avLst/>
+          </a:prstGeom>
+          <a:ln>
+            <a:tailEnd type="triangle"/>
+          </a:ln>
+        </p:spPr>
+        <p:style>
+          <a:lnRef idx="3">
+            <a:schemeClr val="dk1"/>
+          </a:lnRef>
+          <a:fillRef idx="0">
+            <a:schemeClr val="dk1"/>
+          </a:fillRef>
+          <a:effectRef idx="2">
+            <a:schemeClr val="dk1"/>
+          </a:effectRef>
+          <a:fontRef idx="minor">
+            <a:schemeClr val="tx1"/>
+          </a:fontRef>
+        </p:style>
+      </p:cxnSp>
+      <p:sp>
+        <p:nvSpPr>
+          <p:cNvPr id="88" name="Textfeld 87">
+            <a:extLst>
+              <a:ext uri="{FF2B5EF4-FFF2-40B4-BE49-F238E27FC236}">
+                <a16:creationId xmlns:a16="http://schemas.microsoft.com/office/drawing/2014/main" id="{92933BCB-2C22-FA87-A19E-C4680A5773A6}"/>
+              </a:ext>
+            </a:extLst>
+          </p:cNvPr>
+          <p:cNvSpPr txBox="1"/>
+          <p:nvPr/>
+        </p:nvSpPr>
+        <p:spPr>
+          <a:xfrm>
+            <a:off x="9787988" y="5354075"/>
+            <a:ext cx="1235275" cy="307777"/>
+          </a:xfrm>
+          <a:prstGeom prst="rect">
+            <a:avLst/>
+          </a:prstGeom>
+          <a:noFill/>
+        </p:spPr>
+        <p:txBody>
+          <a:bodyPr wrap="none" rtlCol="0">
+            <a:spAutoFit/>
+          </a:bodyPr>
+          <a:lstStyle/>
+          <a:p>
+            <a:r>
+              <a:rPr lang="de-DE" sz="1400" b="1" dirty="0" err="1"/>
+              <a:t>master</a:t>
+            </a:r>
+            <a:r>
+              <a:rPr lang="de-DE" sz="1400" b="1" dirty="0"/>
+              <a:t> / </a:t>
+            </a:r>
+            <a:r>
+              <a:rPr lang="de-DE" sz="1400" b="1" dirty="0" err="1"/>
+              <a:t>main</a:t>
+            </a:r>
+            <a:endParaRPr lang="de-DE" sz="1400" b="1" dirty="0"/>
+          </a:p>
+        </p:txBody>
+      </p:sp>
+      <p:cxnSp>
+        <p:nvCxnSpPr>
+          <p:cNvPr id="89" name="Gerade Verbindung mit Pfeil 88">
+            <a:extLst>
+              <a:ext uri="{FF2B5EF4-FFF2-40B4-BE49-F238E27FC236}">
+                <a16:creationId xmlns:a16="http://schemas.microsoft.com/office/drawing/2014/main" id="{604FBDB7-BE99-E343-68D1-E9963D8C6240}"/>
+              </a:ext>
+            </a:extLst>
+          </p:cNvPr>
+          <p:cNvCxnSpPr>
+            <a:cxnSpLocks/>
+          </p:cNvCxnSpPr>
+          <p:nvPr/>
+        </p:nvCxnSpPr>
+        <p:spPr>
+          <a:xfrm flipV="1">
+            <a:off x="10413733" y="4862144"/>
+            <a:ext cx="0" cy="230145"/>
+          </a:xfrm>
+          <a:prstGeom prst="straightConnector1">
+            <a:avLst/>
+          </a:prstGeom>
+          <a:ln>
+            <a:tailEnd type="triangle"/>
+          </a:ln>
+        </p:spPr>
+        <p:style>
+          <a:lnRef idx="3">
+            <a:schemeClr val="dk1"/>
+          </a:lnRef>
+          <a:fillRef idx="0">
+            <a:schemeClr val="dk1"/>
+          </a:fillRef>
+          <a:effectRef idx="2">
+            <a:schemeClr val="dk1"/>
+          </a:effectRef>
+          <a:fontRef idx="minor">
+            <a:schemeClr val="tx1"/>
+          </a:fontRef>
+        </p:style>
+      </p:cxnSp>
+      <p:cxnSp>
+        <p:nvCxnSpPr>
+          <p:cNvPr id="91" name="Gerade Verbindung mit Pfeil 90">
+            <a:extLst>
+              <a:ext uri="{FF2B5EF4-FFF2-40B4-BE49-F238E27FC236}">
+                <a16:creationId xmlns:a16="http://schemas.microsoft.com/office/drawing/2014/main" id="{9EDA331E-968E-3E62-E24C-A7BC8099FF56}"/>
+              </a:ext>
+            </a:extLst>
+          </p:cNvPr>
+          <p:cNvCxnSpPr>
+            <a:cxnSpLocks/>
+          </p:cNvCxnSpPr>
+          <p:nvPr/>
+        </p:nvCxnSpPr>
+        <p:spPr>
+          <a:xfrm flipV="1">
+            <a:off x="10402237" y="4608752"/>
+            <a:ext cx="0" cy="230145"/>
+          </a:xfrm>
+          <a:prstGeom prst="straightConnector1">
+            <a:avLst/>
+          </a:prstGeom>
+          <a:ln>
+            <a:solidFill>
+              <a:schemeClr val="bg1">
+                <a:lumMod val="65000"/>
+              </a:schemeClr>
+            </a:solidFill>
+            <a:tailEnd type="triangle"/>
+          </a:ln>
+        </p:spPr>
+        <p:style>
+          <a:lnRef idx="3">
+            <a:schemeClr val="dk1"/>
+          </a:lnRef>
+          <a:fillRef idx="0">
+            <a:schemeClr val="dk1"/>
+          </a:fillRef>
+          <a:effectRef idx="2">
+            <a:schemeClr val="dk1"/>
+          </a:effectRef>
+          <a:fontRef idx="minor">
+            <a:schemeClr val="tx1"/>
+          </a:fontRef>
+        </p:style>
+      </p:cxnSp>
+      <p:cxnSp>
+        <p:nvCxnSpPr>
+          <p:cNvPr id="92" name="Gerade Verbindung mit Pfeil 91">
+            <a:extLst>
+              <a:ext uri="{FF2B5EF4-FFF2-40B4-BE49-F238E27FC236}">
+                <a16:creationId xmlns:a16="http://schemas.microsoft.com/office/drawing/2014/main" id="{2AD096AF-778E-1072-CD49-60F741E8B95E}"/>
+              </a:ext>
+            </a:extLst>
+          </p:cNvPr>
+          <p:cNvCxnSpPr>
+            <a:cxnSpLocks/>
+          </p:cNvCxnSpPr>
+          <p:nvPr/>
+        </p:nvCxnSpPr>
+        <p:spPr>
+          <a:xfrm flipV="1">
+            <a:off x="10401878" y="4355360"/>
+            <a:ext cx="0" cy="230145"/>
+          </a:xfrm>
+          <a:prstGeom prst="straightConnector1">
+            <a:avLst/>
+          </a:prstGeom>
+          <a:ln>
+            <a:solidFill>
+              <a:schemeClr val="bg1">
+                <a:lumMod val="65000"/>
+              </a:schemeClr>
+            </a:solidFill>
+            <a:tailEnd type="triangle"/>
+          </a:ln>
+        </p:spPr>
+        <p:style>
+          <a:lnRef idx="3">
+            <a:schemeClr val="dk1"/>
+          </a:lnRef>
+          <a:fillRef idx="0">
+            <a:schemeClr val="dk1"/>
+          </a:fillRef>
+          <a:effectRef idx="2">
+            <a:schemeClr val="dk1"/>
+          </a:effectRef>
+          <a:fontRef idx="minor">
+            <a:schemeClr val="tx1"/>
+          </a:fontRef>
+        </p:style>
+      </p:cxnSp>
+      <p:cxnSp>
+        <p:nvCxnSpPr>
+          <p:cNvPr id="93" name="Gerade Verbindung mit Pfeil 92">
+            <a:extLst>
+              <a:ext uri="{FF2B5EF4-FFF2-40B4-BE49-F238E27FC236}">
+                <a16:creationId xmlns:a16="http://schemas.microsoft.com/office/drawing/2014/main" id="{15C691FE-FA5E-D129-E9F5-D4EA7C3CF195}"/>
+              </a:ext>
+            </a:extLst>
+          </p:cNvPr>
+          <p:cNvCxnSpPr>
+            <a:cxnSpLocks/>
+          </p:cNvCxnSpPr>
+          <p:nvPr/>
+        </p:nvCxnSpPr>
+        <p:spPr>
+          <a:xfrm flipV="1">
+            <a:off x="10401878" y="3915510"/>
+            <a:ext cx="0" cy="230145"/>
+          </a:xfrm>
+          <a:prstGeom prst="straightConnector1">
+            <a:avLst/>
+          </a:prstGeom>
+          <a:ln>
+            <a:tailEnd type="triangle"/>
+          </a:ln>
+        </p:spPr>
+        <p:style>
+          <a:lnRef idx="3">
+            <a:schemeClr val="dk1"/>
+          </a:lnRef>
+          <a:fillRef idx="0">
+            <a:schemeClr val="dk1"/>
+          </a:fillRef>
+          <a:effectRef idx="2">
+            <a:schemeClr val="dk1"/>
+          </a:effectRef>
+          <a:fontRef idx="minor">
+            <a:schemeClr val="tx1"/>
+          </a:fontRef>
+        </p:style>
+      </p:cxnSp>
+      <p:cxnSp>
+        <p:nvCxnSpPr>
+          <p:cNvPr id="94" name="Gerade Verbindung mit Pfeil 93">
+            <a:extLst>
+              <a:ext uri="{FF2B5EF4-FFF2-40B4-BE49-F238E27FC236}">
+                <a16:creationId xmlns:a16="http://schemas.microsoft.com/office/drawing/2014/main" id="{E9335AEB-2659-A4F2-7C33-BEF40B9295A9}"/>
+              </a:ext>
+            </a:extLst>
+          </p:cNvPr>
+          <p:cNvCxnSpPr>
+            <a:cxnSpLocks/>
+          </p:cNvCxnSpPr>
+          <p:nvPr/>
+        </p:nvCxnSpPr>
+        <p:spPr>
+          <a:xfrm flipV="1">
+            <a:off x="10401878" y="3631943"/>
+            <a:ext cx="0" cy="230145"/>
+          </a:xfrm>
+          <a:prstGeom prst="straightConnector1">
+            <a:avLst/>
+          </a:prstGeom>
+          <a:ln>
+            <a:tailEnd type="triangle"/>
+          </a:ln>
+        </p:spPr>
+        <p:style>
+          <a:lnRef idx="3">
+            <a:schemeClr val="dk1"/>
+          </a:lnRef>
+          <a:fillRef idx="0">
+            <a:schemeClr val="dk1"/>
+          </a:fillRef>
+          <a:effectRef idx="2">
+            <a:schemeClr val="dk1"/>
+          </a:effectRef>
+          <a:fontRef idx="minor">
+            <a:schemeClr val="tx1"/>
+          </a:fontRef>
+        </p:style>
+      </p:cxnSp>
     </p:spTree>
     <p:extLst>
       <p:ext uri="{BB962C8B-B14F-4D97-AF65-F5344CB8AC3E}">
@@ -15157,6 +15583,150 @@
                       </p:childTnLst>
                     </p:cTn>
                   </p:par>
+                  <p:par>
+                    <p:cTn id="101" fill="hold">
+                      <p:stCondLst>
+                        <p:cond delay="indefinite"/>
+                      </p:stCondLst>
+                      <p:childTnLst>
+                        <p:par>
+                          <p:cTn id="102" fill="hold">
+                            <p:stCondLst>
+                              <p:cond delay="0"/>
+                            </p:stCondLst>
+                            <p:childTnLst>
+                              <p:par>
+                                <p:cTn id="103" presetID="1" presetClass="entr" presetSubtype="0" fill="hold" nodeType="clickEffect">
+                                  <p:stCondLst>
+                                    <p:cond delay="0"/>
+                                  </p:stCondLst>
+                                  <p:childTnLst>
+                                    <p:set>
+                                      <p:cBhvr>
+                                        <p:cTn id="104" dur="1" fill="hold">
+                                          <p:stCondLst>
+                                            <p:cond delay="0"/>
+                                          </p:stCondLst>
+                                        </p:cTn>
+                                        <p:tgtEl>
+                                          <p:spTgt spid="92"/>
+                                        </p:tgtEl>
+                                        <p:attrNameLst>
+                                          <p:attrName>style.visibility</p:attrName>
+                                        </p:attrNameLst>
+                                      </p:cBhvr>
+                                      <p:to>
+                                        <p:strVal val="visible"/>
+                                      </p:to>
+                                    </p:set>
+                                  </p:childTnLst>
+                                </p:cTn>
+                              </p:par>
+                              <p:par>
+                                <p:cTn id="105" presetID="1" presetClass="entr" presetSubtype="0" fill="hold" nodeType="withEffect">
+                                  <p:stCondLst>
+                                    <p:cond delay="0"/>
+                                  </p:stCondLst>
+                                  <p:childTnLst>
+                                    <p:set>
+                                      <p:cBhvr>
+                                        <p:cTn id="106" dur="1" fill="hold">
+                                          <p:stCondLst>
+                                            <p:cond delay="0"/>
+                                          </p:stCondLst>
+                                        </p:cTn>
+                                        <p:tgtEl>
+                                          <p:spTgt spid="91"/>
+                                        </p:tgtEl>
+                                        <p:attrNameLst>
+                                          <p:attrName>style.visibility</p:attrName>
+                                        </p:attrNameLst>
+                                      </p:cBhvr>
+                                      <p:to>
+                                        <p:strVal val="visible"/>
+                                      </p:to>
+                                    </p:set>
+                                  </p:childTnLst>
+                                </p:cTn>
+                              </p:par>
+                            </p:childTnLst>
+                          </p:cTn>
+                        </p:par>
+                      </p:childTnLst>
+                    </p:cTn>
+                  </p:par>
+                  <p:par>
+                    <p:cTn id="107" fill="hold">
+                      <p:stCondLst>
+                        <p:cond delay="indefinite"/>
+                      </p:stCondLst>
+                      <p:childTnLst>
+                        <p:par>
+                          <p:cTn id="108" fill="hold">
+                            <p:stCondLst>
+                              <p:cond delay="0"/>
+                            </p:stCondLst>
+                            <p:childTnLst>
+                              <p:par>
+                                <p:cTn id="109" presetID="1" presetClass="entr" presetSubtype="0" fill="hold" nodeType="clickEffect">
+                                  <p:stCondLst>
+                                    <p:cond delay="0"/>
+                                  </p:stCondLst>
+                                  <p:childTnLst>
+                                    <p:set>
+                                      <p:cBhvr>
+                                        <p:cTn id="110" dur="1" fill="hold">
+                                          <p:stCondLst>
+                                            <p:cond delay="0"/>
+                                          </p:stCondLst>
+                                        </p:cTn>
+                                        <p:tgtEl>
+                                          <p:spTgt spid="93"/>
+                                        </p:tgtEl>
+                                        <p:attrNameLst>
+                                          <p:attrName>style.visibility</p:attrName>
+                                        </p:attrNameLst>
+                                      </p:cBhvr>
+                                      <p:to>
+                                        <p:strVal val="visible"/>
+                                      </p:to>
+                                    </p:set>
+                                  </p:childTnLst>
+                                </p:cTn>
+                              </p:par>
+                              <p:par>
+                                <p:cTn id="111" presetID="1" presetClass="entr" presetSubtype="0" fill="hold" nodeType="withEffect">
+                                  <p:stCondLst>
+                                    <p:cond delay="0"/>
+                                  </p:stCondLst>
+                                  <p:childTnLst>
+                                    <p:set>
+                                      <p:cBhvr>
+                                        <p:cTn id="112" dur="1" fill="hold">
+                                          <p:stCondLst>
+                                            <p:cond delay="0"/>
+                                          </p:stCondLst>
+                                        </p:cTn>
+                                        <p:tgtEl>
+                                          <p:spTgt spid="94"/>
+                                        </p:tgtEl>
+                                        <p:attrNameLst>
+                                          <p:attrName>style.visibility</p:attrName>
+                                        </p:attrNameLst>
+                                      </p:cBhvr>
+                                      <p:to>
+                                        <p:strVal val="visible"/>
+                                      </p:to>
+                                    </p:set>
+                                  </p:childTnLst>
+                                </p:cTn>
+                              </p:par>
+                            </p:childTnLst>
+                          </p:cTn>
+                        </p:par>
+                      </p:childTnLst>
+                    </p:cTn>
+                  </p:par>
                 </p:childTnLst>
               </p:cTn>
               <p:prevCondLst>
@@ -20988,12 +21558,8 @@
           <a:p>
             <a:pPr algn="ctr"/>
             <a:r>
-              <a:rPr lang="de-DE" sz="1400" b="1" dirty="0" err="1"/>
-              <a:t>ecesnaite</a:t>
-            </a:r>
-            <a:r>
               <a:rPr lang="de-DE" sz="1400" b="1" dirty="0"/>
-              <a:t>/</a:t>
+              <a:t>user1/</a:t>
             </a:r>
             <a:r>
               <a:rPr lang="de-DE" sz="1400" b="1" dirty="0" err="1"/>
@@ -21035,13 +21601,10 @@
           </a:bodyPr>
           <a:lstStyle/>
           <a:p>
-            <a:r>
-              <a:rPr lang="de-DE" sz="1300" b="1" dirty="0" err="1"/>
-              <a:t>annalenabiel</a:t>
-            </a:r>
+            <a:pPr algn="ctr"/>
             <a:r>
               <a:rPr lang="de-DE" sz="1300" b="1" dirty="0"/>
-              <a:t>/ROSA4</a:t>
+              <a:t>user3/ROSA4</a:t>
             </a:r>
           </a:p>
         </p:txBody>
@@ -21697,7 +22260,7 @@
         </p:nvSpPr>
         <p:spPr>
           <a:xfrm>
-            <a:off x="5718850" y="4537806"/>
+            <a:off x="6479148" y="4537125"/>
             <a:ext cx="415498" cy="261610"/>
           </a:xfrm>
           <a:prstGeom prst="rect">
@@ -21733,7 +22296,7 @@
         </p:nvSpPr>
         <p:spPr>
           <a:xfrm>
-            <a:off x="8461604" y="2882139"/>
+            <a:off x="7715279" y="2804300"/>
             <a:ext cx="415498" cy="261610"/>
           </a:xfrm>
           <a:prstGeom prst="rect">
@@ -21843,7 +22406,7 @@
         </p:nvSpPr>
         <p:spPr>
           <a:xfrm>
-            <a:off x="5245205" y="2519201"/>
+            <a:off x="5192833" y="2857447"/>
             <a:ext cx="1798890" cy="261610"/>
           </a:xfrm>
           <a:prstGeom prst="rect">
@@ -22628,7 +23191,7 @@
         </p:nvSpPr>
         <p:spPr>
           <a:xfrm>
-            <a:off x="5780526" y="1972006"/>
+            <a:off x="6511713" y="1977606"/>
             <a:ext cx="415498" cy="261610"/>
           </a:xfrm>
           <a:prstGeom prst="rect">
@@ -22684,12 +23247,8 @@
           <a:p>
             <a:pPr algn="ctr"/>
             <a:r>
-              <a:rPr lang="de-DE" sz="1400" b="1" dirty="0" err="1"/>
-              <a:t>nabusch</a:t>
-            </a:r>
-            <a:r>
               <a:rPr lang="de-DE" sz="1400" b="1" dirty="0"/>
-              <a:t>/</a:t>
+              <a:t>user2/</a:t>
             </a:r>
             <a:r>
               <a:rPr lang="de-DE" sz="1400" b="1" dirty="0" err="1"/>
@@ -23204,7 +23763,7 @@
         </p:nvSpPr>
         <p:spPr>
           <a:xfrm>
-            <a:off x="5294907" y="829601"/>
+            <a:off x="5294272" y="709586"/>
             <a:ext cx="553357" cy="261610"/>
           </a:xfrm>
           <a:prstGeom prst="rect">
@@ -24346,40 +24905,6 @@
             <a:r>
               <a:rPr lang="de-DE" sz="1100" dirty="0"/>
               <a:t>push</a:t>
-            </a:r>
-          </a:p>
-        </p:txBody>
-      </p:sp>
-      <p:sp>
-        <p:nvSpPr>
-          <p:cNvPr id="2" name="Rechteck 1">
-            <a:extLst>
-              <a:ext uri="{FF2B5EF4-FFF2-40B4-BE49-F238E27FC236}">
-                <a16:creationId xmlns:a16="http://schemas.microsoft.com/office/drawing/2014/main" id="{0125F9A3-0B21-4AB3-8F20-39DACF84429C}"/>
-              </a:ext>
-            </a:extLst>
-          </p:cNvPr>
-          <p:cNvSpPr/>
-          <p:nvPr/>
-        </p:nvSpPr>
-        <p:spPr>
-          <a:xfrm>
-            <a:off x="689605" y="5879301"/>
-            <a:ext cx="3102644" cy="707886"/>
-          </a:xfrm>
-          <a:prstGeom prst="rect">
-            <a:avLst/>
-          </a:prstGeom>
-        </p:spPr>
-        <p:txBody>
-          <a:bodyPr wrap="none">
-            <a:spAutoFit/>
-          </a:bodyPr>
-          <a:lstStyle/>
-          <a:p>
-            <a:r>
-              <a:rPr lang="de-DE" sz="4000" dirty="0"/>
-              <a:t>The Workflow</a:t>
             </a:r>
           </a:p>
         </p:txBody>
@@ -27098,109 +27623,3716 @@
       </p:grpSpPr>
       <p:sp>
         <p:nvSpPr>
-          <p:cNvPr id="2" name="Titel 1">
-            <a:extLst>
-              <a:ext uri="{FF2B5EF4-FFF2-40B4-BE49-F238E27FC236}">
-                <a16:creationId xmlns:a16="http://schemas.microsoft.com/office/drawing/2014/main" id="{E22E3B27-615A-4221-BFE7-450D563FEC17}"/>
-              </a:ext>
-            </a:extLst>
-          </p:cNvPr>
-          <p:cNvSpPr>
-            <a:spLocks noGrp="1"/>
-          </p:cNvSpPr>
-          <p:nvPr>
-            <p:ph type="title"/>
-          </p:nvPr>
+          <p:cNvPr id="59" name="Rechteck 58">
+            <a:extLst>
+              <a:ext uri="{FF2B5EF4-FFF2-40B4-BE49-F238E27FC236}">
+                <a16:creationId xmlns:a16="http://schemas.microsoft.com/office/drawing/2014/main" id="{E34E26B7-2C16-20A0-E73E-AD1CF9350B67}"/>
+              </a:ext>
+            </a:extLst>
+          </p:cNvPr>
+          <p:cNvSpPr/>
+          <p:nvPr/>
         </p:nvSpPr>
-        <p:spPr/>
+        <p:spPr>
+          <a:xfrm>
+            <a:off x="4770408" y="275076"/>
+            <a:ext cx="1826141" cy="6497629"/>
+          </a:xfrm>
+          <a:prstGeom prst="rect">
+            <a:avLst/>
+          </a:prstGeom>
+          <a:solidFill>
+            <a:schemeClr val="accent1">
+              <a:lumMod val="20000"/>
+              <a:lumOff val="80000"/>
+            </a:schemeClr>
+          </a:solidFill>
+          <a:ln>
+            <a:noFill/>
+          </a:ln>
+        </p:spPr>
+        <p:style>
+          <a:lnRef idx="2">
+            <a:schemeClr val="accent1">
+              <a:shade val="50000"/>
+            </a:schemeClr>
+          </a:lnRef>
+          <a:fillRef idx="1">
+            <a:schemeClr val="accent1"/>
+          </a:fillRef>
+          <a:effectRef idx="0">
+            <a:schemeClr val="accent1"/>
+          </a:effectRef>
+          <a:fontRef idx="minor">
+            <a:schemeClr val="lt1"/>
+          </a:fontRef>
+        </p:style>
         <p:txBody>
-          <a:bodyPr/>
+          <a:bodyPr rtlCol="0" anchor="ctr"/>
           <a:lstStyle/>
           <a:p>
             <a:pPr algn="ctr"/>
-            <a:r>
-              <a:rPr lang="de-DE" dirty="0"/>
-              <a:t>Hands on</a:t>
-            </a:r>
+            <a:endParaRPr lang="de-DE"/>
           </a:p>
         </p:txBody>
       </p:sp>
-      <p:pic>
-        <p:nvPicPr>
-          <p:cNvPr id="6" name="Grafik 5">
-            <a:extLst>
-              <a:ext uri="{FF2B5EF4-FFF2-40B4-BE49-F238E27FC236}">
-                <a16:creationId xmlns:a16="http://schemas.microsoft.com/office/drawing/2014/main" id="{B28AA8C1-22F6-4F07-B138-419B79429575}"/>
-              </a:ext>
-            </a:extLst>
-          </p:cNvPr>
-          <p:cNvPicPr>
-            <a:picLocks noChangeAspect="1"/>
-          </p:cNvPicPr>
-          <p:nvPr/>
-        </p:nvPicPr>
-        <p:blipFill>
-          <a:blip r:embed="rId2"/>
-          <a:stretch>
-            <a:fillRect/>
-          </a:stretch>
-        </p:blipFill>
+      <p:sp>
+        <p:nvSpPr>
+          <p:cNvPr id="70" name="Textfeld 69">
+            <a:extLst>
+              <a:ext uri="{FF2B5EF4-FFF2-40B4-BE49-F238E27FC236}">
+                <a16:creationId xmlns:a16="http://schemas.microsoft.com/office/drawing/2014/main" id="{BD997A6E-18DD-608C-1D7F-94B988FF7158}"/>
+              </a:ext>
+            </a:extLst>
+          </p:cNvPr>
+          <p:cNvSpPr txBox="1"/>
+          <p:nvPr/>
+        </p:nvSpPr>
         <p:spPr>
           <a:xfrm>
-            <a:off x="2224085" y="4476023"/>
-            <a:ext cx="7743825" cy="1819275"/>
+            <a:off x="4770408" y="6249485"/>
+            <a:ext cx="1826141" cy="523220"/>
           </a:xfrm>
           <a:prstGeom prst="rect">
             <a:avLst/>
           </a:prstGeom>
-        </p:spPr>
-      </p:pic>
-      <p:pic>
-        <p:nvPicPr>
-          <p:cNvPr id="4" name="Grafik 3">
-            <a:extLst>
-              <a:ext uri="{FF2B5EF4-FFF2-40B4-BE49-F238E27FC236}">
-                <a16:creationId xmlns:a16="http://schemas.microsoft.com/office/drawing/2014/main" id="{AD20252C-FB57-465A-ADDB-7E905D832B29}"/>
-              </a:ext>
-            </a:extLst>
-          </p:cNvPr>
-          <p:cNvPicPr>
-            <a:picLocks noChangeAspect="1"/>
-          </p:cNvPicPr>
-          <p:nvPr/>
-        </p:nvPicPr>
-        <p:blipFill>
-          <a:blip r:embed="rId3">
-            <a:extLst>
-              <a:ext uri="{28A0092B-C50C-407E-A947-70E740481C1C}">
-                <a14:useLocalDpi xmlns:a14="http://schemas.microsoft.com/office/drawing/2010/main" val="0"/>
-              </a:ext>
-            </a:extLst>
-          </a:blip>
-          <a:stretch>
-            <a:fillRect/>
-          </a:stretch>
-        </p:blipFill>
+          <a:solidFill>
+            <a:schemeClr val="bg1">
+              <a:lumMod val="65000"/>
+            </a:schemeClr>
+          </a:solidFill>
+        </p:spPr>
+        <p:txBody>
+          <a:bodyPr wrap="none" rtlCol="0">
+            <a:spAutoFit/>
+          </a:bodyPr>
+          <a:lstStyle/>
+          <a:p>
+            <a:pPr algn="ctr"/>
+            <a:r>
+              <a:rPr lang="de-DE" sz="1400" b="1" dirty="0"/>
+              <a:t>buschlab-</a:t>
+            </a:r>
+            <a:r>
+              <a:rPr lang="de-DE" sz="1400" b="1" dirty="0" err="1"/>
+              <a:t>muenster</a:t>
+            </a:r>
+            <a:r>
+              <a:rPr lang="de-DE" sz="1400" b="1" dirty="0"/>
+              <a:t>/</a:t>
+            </a:r>
+          </a:p>
+          <a:p>
+            <a:pPr algn="ctr"/>
+            <a:r>
+              <a:rPr lang="de-DE" sz="1400" b="1" dirty="0"/>
+              <a:t>buschlab-</a:t>
+            </a:r>
+            <a:r>
+              <a:rPr lang="de-DE" sz="1400" b="1" dirty="0" err="1"/>
+              <a:t>eeg</a:t>
+            </a:r>
+            <a:r>
+              <a:rPr lang="de-DE" sz="1400" b="1" dirty="0"/>
+              <a:t>-pipeline</a:t>
+            </a:r>
+          </a:p>
+        </p:txBody>
+      </p:sp>
+      <p:sp>
+        <p:nvSpPr>
+          <p:cNvPr id="72" name="Rechteck 71">
+            <a:extLst>
+              <a:ext uri="{FF2B5EF4-FFF2-40B4-BE49-F238E27FC236}">
+                <a16:creationId xmlns:a16="http://schemas.microsoft.com/office/drawing/2014/main" id="{E5FDD9FE-1DD6-2DE8-C21C-D9ACFC291A90}"/>
+              </a:ext>
+            </a:extLst>
+          </p:cNvPr>
+          <p:cNvSpPr/>
+          <p:nvPr/>
+        </p:nvSpPr>
         <p:spPr>
           <a:xfrm>
-            <a:off x="5024434" y="1797803"/>
-            <a:ext cx="2143125" cy="2143125"/>
+            <a:off x="990902" y="275076"/>
+            <a:ext cx="3292115" cy="5475805"/>
           </a:xfrm>
           <a:prstGeom prst="rect">
             <a:avLst/>
           </a:prstGeom>
-        </p:spPr>
-      </p:pic>
+          <a:solidFill>
+            <a:schemeClr val="accent4">
+              <a:lumMod val="20000"/>
+              <a:lumOff val="80000"/>
+            </a:schemeClr>
+          </a:solidFill>
+          <a:ln>
+            <a:noFill/>
+          </a:ln>
+        </p:spPr>
+        <p:style>
+          <a:lnRef idx="2">
+            <a:schemeClr val="accent1">
+              <a:shade val="50000"/>
+            </a:schemeClr>
+          </a:lnRef>
+          <a:fillRef idx="1">
+            <a:schemeClr val="accent1"/>
+          </a:fillRef>
+          <a:effectRef idx="0">
+            <a:schemeClr val="accent1"/>
+          </a:effectRef>
+          <a:fontRef idx="minor">
+            <a:schemeClr val="lt1"/>
+          </a:fontRef>
+        </p:style>
+        <p:txBody>
+          <a:bodyPr rtlCol="0" anchor="ctr"/>
+          <a:lstStyle/>
+          <a:p>
+            <a:pPr algn="ctr"/>
+            <a:endParaRPr lang="de-DE"/>
+          </a:p>
+        </p:txBody>
+      </p:sp>
+      <p:sp>
+        <p:nvSpPr>
+          <p:cNvPr id="132" name="Rechteck 131">
+            <a:extLst>
+              <a:ext uri="{FF2B5EF4-FFF2-40B4-BE49-F238E27FC236}">
+                <a16:creationId xmlns:a16="http://schemas.microsoft.com/office/drawing/2014/main" id="{1E3E726C-F9DD-7C94-0EEB-5DC4ACD68CC7}"/>
+              </a:ext>
+            </a:extLst>
+          </p:cNvPr>
+          <p:cNvSpPr/>
+          <p:nvPr/>
+        </p:nvSpPr>
+        <p:spPr>
+          <a:xfrm>
+            <a:off x="3223432" y="292933"/>
+            <a:ext cx="710227" cy="4704768"/>
+          </a:xfrm>
+          <a:prstGeom prst="rect">
+            <a:avLst/>
+          </a:prstGeom>
+          <a:solidFill>
+            <a:schemeClr val="accent4">
+              <a:lumMod val="75000"/>
+            </a:schemeClr>
+          </a:solidFill>
+          <a:ln>
+            <a:noFill/>
+          </a:ln>
+        </p:spPr>
+        <p:style>
+          <a:lnRef idx="2">
+            <a:schemeClr val="accent1">
+              <a:shade val="50000"/>
+            </a:schemeClr>
+          </a:lnRef>
+          <a:fillRef idx="1">
+            <a:schemeClr val="accent1"/>
+          </a:fillRef>
+          <a:effectRef idx="0">
+            <a:schemeClr val="accent1"/>
+          </a:effectRef>
+          <a:fontRef idx="minor">
+            <a:schemeClr val="lt1"/>
+          </a:fontRef>
+        </p:style>
+        <p:txBody>
+          <a:bodyPr rtlCol="0" anchor="ctr"/>
+          <a:lstStyle/>
+          <a:p>
+            <a:pPr algn="ctr"/>
+            <a:endParaRPr lang="de-DE"/>
+          </a:p>
+        </p:txBody>
+      </p:sp>
+      <p:sp>
+        <p:nvSpPr>
+          <p:cNvPr id="131" name="Rechteck 130">
+            <a:extLst>
+              <a:ext uri="{FF2B5EF4-FFF2-40B4-BE49-F238E27FC236}">
+                <a16:creationId xmlns:a16="http://schemas.microsoft.com/office/drawing/2014/main" id="{90737A69-8E55-60CB-01B3-4AAD622E5F0F}"/>
+              </a:ext>
+            </a:extLst>
+          </p:cNvPr>
+          <p:cNvSpPr/>
+          <p:nvPr/>
+        </p:nvSpPr>
+        <p:spPr>
+          <a:xfrm>
+            <a:off x="2182385" y="296606"/>
+            <a:ext cx="917351" cy="4269433"/>
+          </a:xfrm>
+          <a:prstGeom prst="rect">
+            <a:avLst/>
+          </a:prstGeom>
+          <a:solidFill>
+            <a:schemeClr val="accent4">
+              <a:lumMod val="60000"/>
+              <a:lumOff val="40000"/>
+            </a:schemeClr>
+          </a:solidFill>
+          <a:ln>
+            <a:noFill/>
+          </a:ln>
+        </p:spPr>
+        <p:style>
+          <a:lnRef idx="2">
+            <a:schemeClr val="accent1">
+              <a:shade val="50000"/>
+            </a:schemeClr>
+          </a:lnRef>
+          <a:fillRef idx="1">
+            <a:schemeClr val="accent1"/>
+          </a:fillRef>
+          <a:effectRef idx="0">
+            <a:schemeClr val="accent1"/>
+          </a:effectRef>
+          <a:fontRef idx="minor">
+            <a:schemeClr val="lt1"/>
+          </a:fontRef>
+        </p:style>
+        <p:txBody>
+          <a:bodyPr rtlCol="0" anchor="ctr"/>
+          <a:lstStyle/>
+          <a:p>
+            <a:pPr algn="ctr"/>
+            <a:endParaRPr lang="de-DE"/>
+          </a:p>
+        </p:txBody>
+      </p:sp>
+      <p:sp>
+        <p:nvSpPr>
+          <p:cNvPr id="34" name="Rechteck 33">
+            <a:extLst>
+              <a:ext uri="{FF2B5EF4-FFF2-40B4-BE49-F238E27FC236}">
+                <a16:creationId xmlns:a16="http://schemas.microsoft.com/office/drawing/2014/main" id="{C4A67ECE-20BE-46ED-C754-8EEB478379F7}"/>
+              </a:ext>
+            </a:extLst>
+          </p:cNvPr>
+          <p:cNvSpPr/>
+          <p:nvPr/>
+        </p:nvSpPr>
+        <p:spPr>
+          <a:xfrm>
+            <a:off x="1234424" y="275076"/>
+            <a:ext cx="824265" cy="1876929"/>
+          </a:xfrm>
+          <a:prstGeom prst="rect">
+            <a:avLst/>
+          </a:prstGeom>
+          <a:solidFill>
+            <a:schemeClr val="accent4">
+              <a:lumMod val="40000"/>
+              <a:lumOff val="60000"/>
+            </a:schemeClr>
+          </a:solidFill>
+          <a:ln>
+            <a:noFill/>
+          </a:ln>
+        </p:spPr>
+        <p:style>
+          <a:lnRef idx="2">
+            <a:schemeClr val="accent1">
+              <a:shade val="50000"/>
+            </a:schemeClr>
+          </a:lnRef>
+          <a:fillRef idx="1">
+            <a:schemeClr val="accent1"/>
+          </a:fillRef>
+          <a:effectRef idx="0">
+            <a:schemeClr val="accent1"/>
+          </a:effectRef>
+          <a:fontRef idx="minor">
+            <a:schemeClr val="lt1"/>
+          </a:fontRef>
+        </p:style>
+        <p:txBody>
+          <a:bodyPr rtlCol="0" anchor="ctr"/>
+          <a:lstStyle/>
+          <a:p>
+            <a:pPr algn="ctr"/>
+            <a:endParaRPr lang="de-DE"/>
+          </a:p>
+        </p:txBody>
+      </p:sp>
+      <p:sp>
+        <p:nvSpPr>
+          <p:cNvPr id="73" name="Textfeld 72">
+            <a:extLst>
+              <a:ext uri="{FF2B5EF4-FFF2-40B4-BE49-F238E27FC236}">
+                <a16:creationId xmlns:a16="http://schemas.microsoft.com/office/drawing/2014/main" id="{A8E473F7-AB76-6F50-69D1-A5BB6C3CF35D}"/>
+              </a:ext>
+            </a:extLst>
+          </p:cNvPr>
+          <p:cNvSpPr txBox="1"/>
+          <p:nvPr/>
+        </p:nvSpPr>
+        <p:spPr>
+          <a:xfrm>
+            <a:off x="897147" y="5216822"/>
+            <a:ext cx="3385870" cy="523220"/>
+          </a:xfrm>
+          <a:prstGeom prst="rect">
+            <a:avLst/>
+          </a:prstGeom>
+          <a:solidFill>
+            <a:schemeClr val="bg1">
+              <a:lumMod val="65000"/>
+            </a:schemeClr>
+          </a:solidFill>
+        </p:spPr>
+        <p:txBody>
+          <a:bodyPr wrap="square" rtlCol="0">
+            <a:spAutoFit/>
+          </a:bodyPr>
+          <a:lstStyle/>
+          <a:p>
+            <a:pPr algn="ctr"/>
+            <a:r>
+              <a:rPr lang="de-DE" sz="1400" b="1" dirty="0"/>
+              <a:t>user1/</a:t>
+            </a:r>
+          </a:p>
+          <a:p>
+            <a:pPr algn="ctr"/>
+            <a:r>
+              <a:rPr lang="de-DE" sz="1400" b="1" dirty="0"/>
+              <a:t>buschlab-</a:t>
+            </a:r>
+            <a:r>
+              <a:rPr lang="de-DE" sz="1400" b="1" dirty="0" err="1"/>
+              <a:t>eeg</a:t>
+            </a:r>
+            <a:r>
+              <a:rPr lang="de-DE" sz="1400" b="1" dirty="0"/>
+              <a:t>-pipeline</a:t>
+            </a:r>
+          </a:p>
+        </p:txBody>
+      </p:sp>
+      <p:cxnSp>
+        <p:nvCxnSpPr>
+          <p:cNvPr id="89" name="Gerade Verbindung mit Pfeil 88">
+            <a:extLst>
+              <a:ext uri="{FF2B5EF4-FFF2-40B4-BE49-F238E27FC236}">
+                <a16:creationId xmlns:a16="http://schemas.microsoft.com/office/drawing/2014/main" id="{32D9819F-8460-6223-A4CF-CFCF710AC8DF}"/>
+              </a:ext>
+            </a:extLst>
+          </p:cNvPr>
+          <p:cNvCxnSpPr>
+            <a:cxnSpLocks/>
+          </p:cNvCxnSpPr>
+          <p:nvPr/>
+        </p:nvCxnSpPr>
+        <p:spPr>
+          <a:xfrm flipV="1">
+            <a:off x="5715298" y="5502385"/>
+            <a:ext cx="0" cy="747100"/>
+          </a:xfrm>
+          <a:prstGeom prst="straightConnector1">
+            <a:avLst/>
+          </a:prstGeom>
+          <a:ln>
+            <a:tailEnd type="triangle"/>
+          </a:ln>
+        </p:spPr>
+        <p:style>
+          <a:lnRef idx="3">
+            <a:schemeClr val="dk1"/>
+          </a:lnRef>
+          <a:fillRef idx="0">
+            <a:schemeClr val="dk1"/>
+          </a:fillRef>
+          <a:effectRef idx="2">
+            <a:schemeClr val="dk1"/>
+          </a:effectRef>
+          <a:fontRef idx="minor">
+            <a:schemeClr val="tx1"/>
+          </a:fontRef>
+        </p:style>
+      </p:cxnSp>
+      <p:cxnSp>
+        <p:nvCxnSpPr>
+          <p:cNvPr id="92" name="Gerade Verbindung mit Pfeil 91">
+            <a:extLst>
+              <a:ext uri="{FF2B5EF4-FFF2-40B4-BE49-F238E27FC236}">
+                <a16:creationId xmlns:a16="http://schemas.microsoft.com/office/drawing/2014/main" id="{91CEF41A-27E5-60FA-36BD-377693ECDB02}"/>
+              </a:ext>
+            </a:extLst>
+          </p:cNvPr>
+          <p:cNvCxnSpPr>
+            <a:cxnSpLocks/>
+          </p:cNvCxnSpPr>
+          <p:nvPr/>
+        </p:nvCxnSpPr>
+        <p:spPr>
+          <a:xfrm flipV="1">
+            <a:off x="5715298" y="4688626"/>
+            <a:ext cx="0" cy="747100"/>
+          </a:xfrm>
+          <a:prstGeom prst="straightConnector1">
+            <a:avLst/>
+          </a:prstGeom>
+          <a:ln>
+            <a:tailEnd type="triangle"/>
+          </a:ln>
+        </p:spPr>
+        <p:style>
+          <a:lnRef idx="3">
+            <a:schemeClr val="dk1"/>
+          </a:lnRef>
+          <a:fillRef idx="0">
+            <a:schemeClr val="dk1"/>
+          </a:fillRef>
+          <a:effectRef idx="2">
+            <a:schemeClr val="dk1"/>
+          </a:effectRef>
+          <a:fontRef idx="minor">
+            <a:schemeClr val="tx1"/>
+          </a:fontRef>
+        </p:style>
+      </p:cxnSp>
+      <p:cxnSp>
+        <p:nvCxnSpPr>
+          <p:cNvPr id="94" name="Gerade Verbindung mit Pfeil 93">
+            <a:extLst>
+              <a:ext uri="{FF2B5EF4-FFF2-40B4-BE49-F238E27FC236}">
+                <a16:creationId xmlns:a16="http://schemas.microsoft.com/office/drawing/2014/main" id="{5B5ACF1C-5A89-D15D-822E-752B926581E3}"/>
+              </a:ext>
+            </a:extLst>
+          </p:cNvPr>
+          <p:cNvCxnSpPr>
+            <a:cxnSpLocks/>
+          </p:cNvCxnSpPr>
+          <p:nvPr/>
+        </p:nvCxnSpPr>
+        <p:spPr>
+          <a:xfrm flipH="1">
+            <a:off x="3519577" y="4551097"/>
+            <a:ext cx="2190730" cy="0"/>
+          </a:xfrm>
+          <a:prstGeom prst="straightConnector1">
+            <a:avLst/>
+          </a:prstGeom>
+          <a:ln>
+            <a:tailEnd type="triangle"/>
+          </a:ln>
+        </p:spPr>
+        <p:style>
+          <a:lnRef idx="3">
+            <a:schemeClr val="dk1"/>
+          </a:lnRef>
+          <a:fillRef idx="0">
+            <a:schemeClr val="dk1"/>
+          </a:fillRef>
+          <a:effectRef idx="2">
+            <a:schemeClr val="dk1"/>
+          </a:effectRef>
+          <a:fontRef idx="minor">
+            <a:schemeClr val="tx1"/>
+          </a:fontRef>
+        </p:style>
+      </p:cxnSp>
+      <p:sp>
+        <p:nvSpPr>
+          <p:cNvPr id="95" name="Textfeld 94">
+            <a:extLst>
+              <a:ext uri="{FF2B5EF4-FFF2-40B4-BE49-F238E27FC236}">
+                <a16:creationId xmlns:a16="http://schemas.microsoft.com/office/drawing/2014/main" id="{A290A1BB-D0D5-86F6-F94E-CB3E09722ADE}"/>
+              </a:ext>
+            </a:extLst>
+          </p:cNvPr>
+          <p:cNvSpPr txBox="1"/>
+          <p:nvPr/>
+        </p:nvSpPr>
+        <p:spPr>
+          <a:xfrm>
+            <a:off x="4266323" y="4582203"/>
+            <a:ext cx="415498" cy="261610"/>
+          </a:xfrm>
+          <a:prstGeom prst="rect">
+            <a:avLst/>
+          </a:prstGeom>
+          <a:noFill/>
+        </p:spPr>
+        <p:txBody>
+          <a:bodyPr wrap="square" rtlCol="0">
+            <a:spAutoFit/>
+          </a:bodyPr>
+          <a:lstStyle/>
+          <a:p>
+            <a:r>
+              <a:rPr lang="de-DE" sz="1100" dirty="0" err="1"/>
+              <a:t>fork</a:t>
+            </a:r>
+            <a:endParaRPr lang="de-DE" sz="1100" dirty="0"/>
+          </a:p>
+        </p:txBody>
+      </p:sp>
+      <p:sp>
+        <p:nvSpPr>
+          <p:cNvPr id="96" name="Textfeld 95">
+            <a:extLst>
+              <a:ext uri="{FF2B5EF4-FFF2-40B4-BE49-F238E27FC236}">
+                <a16:creationId xmlns:a16="http://schemas.microsoft.com/office/drawing/2014/main" id="{FCC4A771-C018-8725-7197-CFE87605C785}"/>
+              </a:ext>
+            </a:extLst>
+          </p:cNvPr>
+          <p:cNvSpPr txBox="1"/>
+          <p:nvPr/>
+        </p:nvSpPr>
+        <p:spPr>
+          <a:xfrm>
+            <a:off x="3215682" y="4689924"/>
+            <a:ext cx="703078" cy="307777"/>
+          </a:xfrm>
+          <a:prstGeom prst="rect">
+            <a:avLst/>
+          </a:prstGeom>
+          <a:noFill/>
+        </p:spPr>
+        <p:txBody>
+          <a:bodyPr wrap="none" rtlCol="0">
+            <a:spAutoFit/>
+          </a:bodyPr>
+          <a:lstStyle/>
+          <a:p>
+            <a:r>
+              <a:rPr lang="de-DE" sz="1400" b="1" dirty="0" err="1"/>
+              <a:t>master</a:t>
+            </a:r>
+            <a:endParaRPr lang="de-DE" sz="1400" b="1" dirty="0"/>
+          </a:p>
+        </p:txBody>
+      </p:sp>
+      <p:cxnSp>
+        <p:nvCxnSpPr>
+          <p:cNvPr id="97" name="Gerade Verbindung mit Pfeil 96">
+            <a:extLst>
+              <a:ext uri="{FF2B5EF4-FFF2-40B4-BE49-F238E27FC236}">
+                <a16:creationId xmlns:a16="http://schemas.microsoft.com/office/drawing/2014/main" id="{14B0DD4E-49F7-46E3-9123-DFC523A36C46}"/>
+              </a:ext>
+            </a:extLst>
+          </p:cNvPr>
+          <p:cNvCxnSpPr>
+            <a:cxnSpLocks/>
+          </p:cNvCxnSpPr>
+          <p:nvPr/>
+        </p:nvCxnSpPr>
+        <p:spPr>
+          <a:xfrm flipH="1" flipV="1">
+            <a:off x="2579226" y="3864634"/>
+            <a:ext cx="896088" cy="594124"/>
+          </a:xfrm>
+          <a:prstGeom prst="straightConnector1">
+            <a:avLst/>
+          </a:prstGeom>
+          <a:ln>
+            <a:tailEnd type="triangle"/>
+          </a:ln>
+        </p:spPr>
+        <p:style>
+          <a:lnRef idx="3">
+            <a:schemeClr val="dk1"/>
+          </a:lnRef>
+          <a:fillRef idx="0">
+            <a:schemeClr val="dk1"/>
+          </a:fillRef>
+          <a:effectRef idx="2">
+            <a:schemeClr val="dk1"/>
+          </a:effectRef>
+          <a:fontRef idx="minor">
+            <a:schemeClr val="tx1"/>
+          </a:fontRef>
+        </p:style>
+      </p:cxnSp>
+      <p:sp>
+        <p:nvSpPr>
+          <p:cNvPr id="98" name="Textfeld 97">
+            <a:extLst>
+              <a:ext uri="{FF2B5EF4-FFF2-40B4-BE49-F238E27FC236}">
+                <a16:creationId xmlns:a16="http://schemas.microsoft.com/office/drawing/2014/main" id="{86E46838-A87E-76B1-7447-88CC428AD8A7}"/>
+              </a:ext>
+            </a:extLst>
+          </p:cNvPr>
+          <p:cNvSpPr txBox="1"/>
+          <p:nvPr/>
+        </p:nvSpPr>
+        <p:spPr>
+          <a:xfrm>
+            <a:off x="2225004" y="4002020"/>
+            <a:ext cx="836447" cy="523220"/>
+          </a:xfrm>
+          <a:prstGeom prst="rect">
+            <a:avLst/>
+          </a:prstGeom>
+          <a:noFill/>
+        </p:spPr>
+        <p:txBody>
+          <a:bodyPr wrap="none" rtlCol="0">
+            <a:spAutoFit/>
+          </a:bodyPr>
+          <a:lstStyle/>
+          <a:p>
+            <a:pPr algn="ctr"/>
+            <a:r>
+              <a:rPr lang="de-DE" sz="1400" b="1" dirty="0"/>
+              <a:t>Alpha</a:t>
+            </a:r>
+          </a:p>
+          <a:p>
+            <a:pPr algn="ctr"/>
+            <a:r>
+              <a:rPr lang="de-DE" sz="1400" b="1" dirty="0"/>
+              <a:t>Ultimate</a:t>
+            </a:r>
+          </a:p>
+        </p:txBody>
+      </p:sp>
+      <p:sp>
+        <p:nvSpPr>
+          <p:cNvPr id="99" name="Textfeld 98">
+            <a:extLst>
+              <a:ext uri="{FF2B5EF4-FFF2-40B4-BE49-F238E27FC236}">
+                <a16:creationId xmlns:a16="http://schemas.microsoft.com/office/drawing/2014/main" id="{78E7A83C-1DB0-8375-5BF4-1FA14492A2A1}"/>
+              </a:ext>
+            </a:extLst>
+          </p:cNvPr>
+          <p:cNvSpPr txBox="1"/>
+          <p:nvPr/>
+        </p:nvSpPr>
+        <p:spPr>
+          <a:xfrm rot="2123970">
+            <a:off x="2883830" y="3882573"/>
+            <a:ext cx="610661" cy="261610"/>
+          </a:xfrm>
+          <a:prstGeom prst="rect">
+            <a:avLst/>
+          </a:prstGeom>
+          <a:noFill/>
+        </p:spPr>
+        <p:txBody>
+          <a:bodyPr wrap="square" rtlCol="0">
+            <a:spAutoFit/>
+          </a:bodyPr>
+          <a:lstStyle/>
+          <a:p>
+            <a:r>
+              <a:rPr lang="de-DE" sz="1100" dirty="0" err="1"/>
+              <a:t>branch</a:t>
+            </a:r>
+            <a:endParaRPr lang="de-DE" sz="1100" dirty="0"/>
+          </a:p>
+        </p:txBody>
+      </p:sp>
+      <p:cxnSp>
+        <p:nvCxnSpPr>
+          <p:cNvPr id="100" name="Gerade Verbindung mit Pfeil 99">
+            <a:extLst>
+              <a:ext uri="{FF2B5EF4-FFF2-40B4-BE49-F238E27FC236}">
+                <a16:creationId xmlns:a16="http://schemas.microsoft.com/office/drawing/2014/main" id="{E3D946E3-EB3F-471E-203C-C59920A023CF}"/>
+              </a:ext>
+            </a:extLst>
+          </p:cNvPr>
+          <p:cNvCxnSpPr>
+            <a:cxnSpLocks/>
+          </p:cNvCxnSpPr>
+          <p:nvPr/>
+        </p:nvCxnSpPr>
+        <p:spPr>
+          <a:xfrm flipV="1">
+            <a:off x="2600743" y="3080207"/>
+            <a:ext cx="0" cy="747100"/>
+          </a:xfrm>
+          <a:prstGeom prst="straightConnector1">
+            <a:avLst/>
+          </a:prstGeom>
+          <a:ln>
+            <a:tailEnd type="triangle"/>
+          </a:ln>
+        </p:spPr>
+        <p:style>
+          <a:lnRef idx="3">
+            <a:schemeClr val="dk1"/>
+          </a:lnRef>
+          <a:fillRef idx="0">
+            <a:schemeClr val="dk1"/>
+          </a:fillRef>
+          <a:effectRef idx="2">
+            <a:schemeClr val="dk1"/>
+          </a:effectRef>
+          <a:fontRef idx="minor">
+            <a:schemeClr val="tx1"/>
+          </a:fontRef>
+        </p:style>
+      </p:cxnSp>
+      <p:cxnSp>
+        <p:nvCxnSpPr>
+          <p:cNvPr id="101" name="Gerade Verbindung mit Pfeil 100">
+            <a:extLst>
+              <a:ext uri="{FF2B5EF4-FFF2-40B4-BE49-F238E27FC236}">
+                <a16:creationId xmlns:a16="http://schemas.microsoft.com/office/drawing/2014/main" id="{234C624A-14DA-333D-7231-DAF1B49AAF0A}"/>
+              </a:ext>
+            </a:extLst>
+          </p:cNvPr>
+          <p:cNvCxnSpPr>
+            <a:cxnSpLocks/>
+          </p:cNvCxnSpPr>
+          <p:nvPr/>
+        </p:nvCxnSpPr>
+        <p:spPr>
+          <a:xfrm flipH="1" flipV="1">
+            <a:off x="2598128" y="2511373"/>
+            <a:ext cx="1480" cy="472766"/>
+          </a:xfrm>
+          <a:prstGeom prst="straightConnector1">
+            <a:avLst/>
+          </a:prstGeom>
+          <a:ln>
+            <a:tailEnd type="triangle"/>
+          </a:ln>
+        </p:spPr>
+        <p:style>
+          <a:lnRef idx="3">
+            <a:schemeClr val="dk1"/>
+          </a:lnRef>
+          <a:fillRef idx="0">
+            <a:schemeClr val="dk1"/>
+          </a:fillRef>
+          <a:effectRef idx="2">
+            <a:schemeClr val="dk1"/>
+          </a:effectRef>
+          <a:fontRef idx="minor">
+            <a:schemeClr val="tx1"/>
+          </a:fontRef>
+        </p:style>
+      </p:cxnSp>
+      <p:cxnSp>
+        <p:nvCxnSpPr>
+          <p:cNvPr id="102" name="Gerade Verbindung mit Pfeil 101">
+            <a:extLst>
+              <a:ext uri="{FF2B5EF4-FFF2-40B4-BE49-F238E27FC236}">
+                <a16:creationId xmlns:a16="http://schemas.microsoft.com/office/drawing/2014/main" id="{F6428D56-E5DA-890B-D261-440B1D774A2E}"/>
+              </a:ext>
+            </a:extLst>
+          </p:cNvPr>
+          <p:cNvCxnSpPr>
+            <a:cxnSpLocks/>
+          </p:cNvCxnSpPr>
+          <p:nvPr/>
+        </p:nvCxnSpPr>
+        <p:spPr>
+          <a:xfrm flipV="1">
+            <a:off x="2649587" y="2237039"/>
+            <a:ext cx="753680" cy="795134"/>
+          </a:xfrm>
+          <a:prstGeom prst="straightConnector1">
+            <a:avLst/>
+          </a:prstGeom>
+          <a:ln>
+            <a:tailEnd type="triangle"/>
+          </a:ln>
+        </p:spPr>
+        <p:style>
+          <a:lnRef idx="3">
+            <a:schemeClr val="dk1"/>
+          </a:lnRef>
+          <a:fillRef idx="0">
+            <a:schemeClr val="dk1"/>
+          </a:fillRef>
+          <a:effectRef idx="2">
+            <a:schemeClr val="dk1"/>
+          </a:effectRef>
+          <a:fontRef idx="minor">
+            <a:schemeClr val="tx1"/>
+          </a:fontRef>
+        </p:style>
+      </p:cxnSp>
+      <p:cxnSp>
+        <p:nvCxnSpPr>
+          <p:cNvPr id="103" name="Gerade Verbindung mit Pfeil 102">
+            <a:extLst>
+              <a:ext uri="{FF2B5EF4-FFF2-40B4-BE49-F238E27FC236}">
+                <a16:creationId xmlns:a16="http://schemas.microsoft.com/office/drawing/2014/main" id="{9F09AFA7-38E6-714F-D212-FE64AC5CC1DC}"/>
+              </a:ext>
+            </a:extLst>
+          </p:cNvPr>
+          <p:cNvCxnSpPr>
+            <a:cxnSpLocks/>
+          </p:cNvCxnSpPr>
+          <p:nvPr/>
+        </p:nvCxnSpPr>
+        <p:spPr>
+          <a:xfrm flipV="1">
+            <a:off x="3513818" y="2237039"/>
+            <a:ext cx="19196" cy="2221719"/>
+          </a:xfrm>
+          <a:prstGeom prst="straightConnector1">
+            <a:avLst/>
+          </a:prstGeom>
+          <a:ln>
+            <a:solidFill>
+              <a:schemeClr val="bg1">
+                <a:lumMod val="50000"/>
+              </a:schemeClr>
+            </a:solidFill>
+            <a:tailEnd type="triangle"/>
+          </a:ln>
+        </p:spPr>
+        <p:style>
+          <a:lnRef idx="3">
+            <a:schemeClr val="dk1"/>
+          </a:lnRef>
+          <a:fillRef idx="0">
+            <a:schemeClr val="dk1"/>
+          </a:fillRef>
+          <a:effectRef idx="2">
+            <a:schemeClr val="dk1"/>
+          </a:effectRef>
+          <a:fontRef idx="minor">
+            <a:schemeClr val="tx1"/>
+          </a:fontRef>
+        </p:style>
+      </p:cxnSp>
+      <p:cxnSp>
+        <p:nvCxnSpPr>
+          <p:cNvPr id="107" name="Gerade Verbindung mit Pfeil 106">
+            <a:extLst>
+              <a:ext uri="{FF2B5EF4-FFF2-40B4-BE49-F238E27FC236}">
+                <a16:creationId xmlns:a16="http://schemas.microsoft.com/office/drawing/2014/main" id="{D6D59B88-D13A-A540-240C-24C03ED591FE}"/>
+              </a:ext>
+            </a:extLst>
+          </p:cNvPr>
+          <p:cNvCxnSpPr>
+            <a:cxnSpLocks/>
+          </p:cNvCxnSpPr>
+          <p:nvPr/>
+        </p:nvCxnSpPr>
+        <p:spPr>
+          <a:xfrm>
+            <a:off x="3475314" y="2172844"/>
+            <a:ext cx="2234993" cy="1"/>
+          </a:xfrm>
+          <a:prstGeom prst="straightConnector1">
+            <a:avLst/>
+          </a:prstGeom>
+          <a:ln>
+            <a:tailEnd type="triangle"/>
+          </a:ln>
+        </p:spPr>
+        <p:style>
+          <a:lnRef idx="3">
+            <a:schemeClr val="dk1"/>
+          </a:lnRef>
+          <a:fillRef idx="0">
+            <a:schemeClr val="dk1"/>
+          </a:fillRef>
+          <a:effectRef idx="2">
+            <a:schemeClr val="dk1"/>
+          </a:effectRef>
+          <a:fontRef idx="minor">
+            <a:schemeClr val="tx1"/>
+          </a:fontRef>
+        </p:style>
+      </p:cxnSp>
+      <p:sp>
+        <p:nvSpPr>
+          <p:cNvPr id="108" name="Textfeld 107">
+            <a:extLst>
+              <a:ext uri="{FF2B5EF4-FFF2-40B4-BE49-F238E27FC236}">
+                <a16:creationId xmlns:a16="http://schemas.microsoft.com/office/drawing/2014/main" id="{48AB13DE-2F62-5540-5E21-8D73A2C87F68}"/>
+              </a:ext>
+            </a:extLst>
+          </p:cNvPr>
+          <p:cNvSpPr txBox="1"/>
+          <p:nvPr/>
+        </p:nvSpPr>
+        <p:spPr>
+          <a:xfrm>
+            <a:off x="3573856" y="1855535"/>
+            <a:ext cx="2207993" cy="261610"/>
+          </a:xfrm>
+          <a:prstGeom prst="rect">
+            <a:avLst/>
+          </a:prstGeom>
+          <a:noFill/>
+        </p:spPr>
+        <p:txBody>
+          <a:bodyPr wrap="square" rtlCol="0">
+            <a:spAutoFit/>
+          </a:bodyPr>
+          <a:lstStyle/>
+          <a:p>
+            <a:r>
+              <a:rPr lang="de-DE" sz="1100" dirty="0"/>
+              <a:t>pull </a:t>
+            </a:r>
+            <a:r>
+              <a:rPr lang="de-DE" sz="1100" dirty="0" err="1"/>
+              <a:t>request</a:t>
+            </a:r>
+            <a:r>
+              <a:rPr lang="de-DE" sz="1100" dirty="0"/>
+              <a:t> (</a:t>
+            </a:r>
+            <a:r>
+              <a:rPr lang="de-DE" sz="1100" dirty="0" err="1"/>
+              <a:t>master</a:t>
+            </a:r>
+            <a:r>
+              <a:rPr lang="de-DE" sz="1100" dirty="0"/>
+              <a:t> </a:t>
+            </a:r>
+            <a:r>
+              <a:rPr lang="de-DE" sz="1100" dirty="0" err="1"/>
+              <a:t>into</a:t>
+            </a:r>
+            <a:r>
+              <a:rPr lang="de-DE" sz="1100" dirty="0"/>
+              <a:t> </a:t>
+            </a:r>
+            <a:r>
+              <a:rPr lang="de-DE" sz="1100" dirty="0" err="1"/>
+              <a:t>master</a:t>
+            </a:r>
+            <a:r>
+              <a:rPr lang="de-DE" sz="1100" dirty="0"/>
+              <a:t>)</a:t>
+            </a:r>
+          </a:p>
+        </p:txBody>
+      </p:sp>
+      <p:cxnSp>
+        <p:nvCxnSpPr>
+          <p:cNvPr id="113" name="Gerade Verbindung mit Pfeil 112">
+            <a:extLst>
+              <a:ext uri="{FF2B5EF4-FFF2-40B4-BE49-F238E27FC236}">
+                <a16:creationId xmlns:a16="http://schemas.microsoft.com/office/drawing/2014/main" id="{EC31D548-E361-E496-51B0-6BA98DC88B95}"/>
+              </a:ext>
+            </a:extLst>
+          </p:cNvPr>
+          <p:cNvCxnSpPr>
+            <a:cxnSpLocks/>
+          </p:cNvCxnSpPr>
+          <p:nvPr/>
+        </p:nvCxnSpPr>
+        <p:spPr>
+          <a:xfrm flipV="1">
+            <a:off x="5710307" y="2346212"/>
+            <a:ext cx="0" cy="2112546"/>
+          </a:xfrm>
+          <a:prstGeom prst="straightConnector1">
+            <a:avLst/>
+          </a:prstGeom>
+          <a:ln>
+            <a:solidFill>
+              <a:schemeClr val="bg1">
+                <a:lumMod val="50000"/>
+              </a:schemeClr>
+            </a:solidFill>
+            <a:tailEnd type="triangle"/>
+          </a:ln>
+        </p:spPr>
+        <p:style>
+          <a:lnRef idx="3">
+            <a:schemeClr val="dk1"/>
+          </a:lnRef>
+          <a:fillRef idx="0">
+            <a:schemeClr val="dk1"/>
+          </a:fillRef>
+          <a:effectRef idx="2">
+            <a:schemeClr val="dk1"/>
+          </a:effectRef>
+          <a:fontRef idx="minor">
+            <a:schemeClr val="tx1"/>
+          </a:fontRef>
+        </p:style>
+      </p:cxnSp>
+      <p:cxnSp>
+        <p:nvCxnSpPr>
+          <p:cNvPr id="115" name="Gerade Verbindung mit Pfeil 114">
+            <a:extLst>
+              <a:ext uri="{FF2B5EF4-FFF2-40B4-BE49-F238E27FC236}">
+                <a16:creationId xmlns:a16="http://schemas.microsoft.com/office/drawing/2014/main" id="{AFFE4F44-44D8-D6C8-7107-F7F8635CC5B3}"/>
+              </a:ext>
+            </a:extLst>
+          </p:cNvPr>
+          <p:cNvCxnSpPr>
+            <a:cxnSpLocks/>
+          </p:cNvCxnSpPr>
+          <p:nvPr/>
+        </p:nvCxnSpPr>
+        <p:spPr>
+          <a:xfrm flipH="1" flipV="1">
+            <a:off x="1684504" y="1463706"/>
+            <a:ext cx="1712919" cy="688299"/>
+          </a:xfrm>
+          <a:prstGeom prst="straightConnector1">
+            <a:avLst/>
+          </a:prstGeom>
+          <a:ln>
+            <a:tailEnd type="triangle"/>
+          </a:ln>
+        </p:spPr>
+        <p:style>
+          <a:lnRef idx="3">
+            <a:schemeClr val="dk1"/>
+          </a:lnRef>
+          <a:fillRef idx="0">
+            <a:schemeClr val="dk1"/>
+          </a:fillRef>
+          <a:effectRef idx="2">
+            <a:schemeClr val="dk1"/>
+          </a:effectRef>
+          <a:fontRef idx="minor">
+            <a:schemeClr val="tx1"/>
+          </a:fontRef>
+        </p:style>
+      </p:cxnSp>
+      <p:sp>
+        <p:nvSpPr>
+          <p:cNvPr id="116" name="Textfeld 115">
+            <a:extLst>
+              <a:ext uri="{FF2B5EF4-FFF2-40B4-BE49-F238E27FC236}">
+                <a16:creationId xmlns:a16="http://schemas.microsoft.com/office/drawing/2014/main" id="{52B1E5AA-3EFF-687A-DA5F-63F41AAD02F8}"/>
+              </a:ext>
+            </a:extLst>
+          </p:cNvPr>
+          <p:cNvSpPr txBox="1"/>
+          <p:nvPr/>
+        </p:nvSpPr>
+        <p:spPr>
+          <a:xfrm>
+            <a:off x="1234424" y="1597497"/>
+            <a:ext cx="804644" cy="523220"/>
+          </a:xfrm>
+          <a:prstGeom prst="rect">
+            <a:avLst/>
+          </a:prstGeom>
+          <a:noFill/>
+        </p:spPr>
+        <p:txBody>
+          <a:bodyPr wrap="none" rtlCol="0">
+            <a:spAutoFit/>
+          </a:bodyPr>
+          <a:lstStyle/>
+          <a:p>
+            <a:pPr algn="ctr"/>
+            <a:r>
+              <a:rPr lang="de-DE" sz="1400" b="1" dirty="0"/>
+              <a:t>Alpha</a:t>
+            </a:r>
+          </a:p>
+          <a:p>
+            <a:pPr algn="ctr"/>
+            <a:r>
+              <a:rPr lang="de-DE" sz="1400" b="1" dirty="0"/>
+              <a:t>Extreme</a:t>
+            </a:r>
+          </a:p>
+        </p:txBody>
+      </p:sp>
+      <p:sp>
+        <p:nvSpPr>
+          <p:cNvPr id="117" name="Textfeld 116">
+            <a:extLst>
+              <a:ext uri="{FF2B5EF4-FFF2-40B4-BE49-F238E27FC236}">
+                <a16:creationId xmlns:a16="http://schemas.microsoft.com/office/drawing/2014/main" id="{0DD80E1F-91D3-42C5-CF81-7EFD94575CFB}"/>
+              </a:ext>
+            </a:extLst>
+          </p:cNvPr>
+          <p:cNvSpPr txBox="1"/>
+          <p:nvPr/>
+        </p:nvSpPr>
+        <p:spPr>
+          <a:xfrm rot="1272693">
+            <a:off x="2352819" y="1565316"/>
+            <a:ext cx="610661" cy="261610"/>
+          </a:xfrm>
+          <a:prstGeom prst="rect">
+            <a:avLst/>
+          </a:prstGeom>
+          <a:noFill/>
+        </p:spPr>
+        <p:txBody>
+          <a:bodyPr wrap="square" rtlCol="0">
+            <a:spAutoFit/>
+          </a:bodyPr>
+          <a:lstStyle/>
+          <a:p>
+            <a:r>
+              <a:rPr lang="de-DE" sz="1100" dirty="0" err="1"/>
+              <a:t>branch</a:t>
+            </a:r>
+            <a:endParaRPr lang="de-DE" sz="1100" dirty="0"/>
+          </a:p>
+        </p:txBody>
+      </p:sp>
+      <p:cxnSp>
+        <p:nvCxnSpPr>
+          <p:cNvPr id="118" name="Gerade Verbindung mit Pfeil 117">
+            <a:extLst>
+              <a:ext uri="{FF2B5EF4-FFF2-40B4-BE49-F238E27FC236}">
+                <a16:creationId xmlns:a16="http://schemas.microsoft.com/office/drawing/2014/main" id="{9EEF8A55-EBD2-67B0-9FAA-C7ABCCD00A68}"/>
+              </a:ext>
+            </a:extLst>
+          </p:cNvPr>
+          <p:cNvCxnSpPr>
+            <a:cxnSpLocks/>
+          </p:cNvCxnSpPr>
+          <p:nvPr/>
+        </p:nvCxnSpPr>
+        <p:spPr>
+          <a:xfrm flipV="1">
+            <a:off x="1656752" y="1117958"/>
+            <a:ext cx="0" cy="282356"/>
+          </a:xfrm>
+          <a:prstGeom prst="straightConnector1">
+            <a:avLst/>
+          </a:prstGeom>
+          <a:ln>
+            <a:tailEnd type="triangle"/>
+          </a:ln>
+        </p:spPr>
+        <p:style>
+          <a:lnRef idx="3">
+            <a:schemeClr val="dk1"/>
+          </a:lnRef>
+          <a:fillRef idx="0">
+            <a:schemeClr val="dk1"/>
+          </a:fillRef>
+          <a:effectRef idx="2">
+            <a:schemeClr val="dk1"/>
+          </a:effectRef>
+          <a:fontRef idx="minor">
+            <a:schemeClr val="tx1"/>
+          </a:fontRef>
+        </p:style>
+      </p:cxnSp>
+      <p:cxnSp>
+        <p:nvCxnSpPr>
+          <p:cNvPr id="120" name="Gerade Verbindung mit Pfeil 119">
+            <a:extLst>
+              <a:ext uri="{FF2B5EF4-FFF2-40B4-BE49-F238E27FC236}">
+                <a16:creationId xmlns:a16="http://schemas.microsoft.com/office/drawing/2014/main" id="{924F242F-3680-381A-76BA-02F4897B448B}"/>
+              </a:ext>
+            </a:extLst>
+          </p:cNvPr>
+          <p:cNvCxnSpPr>
+            <a:cxnSpLocks/>
+          </p:cNvCxnSpPr>
+          <p:nvPr/>
+        </p:nvCxnSpPr>
+        <p:spPr>
+          <a:xfrm flipV="1">
+            <a:off x="1656770" y="770026"/>
+            <a:ext cx="0" cy="282356"/>
+          </a:xfrm>
+          <a:prstGeom prst="straightConnector1">
+            <a:avLst/>
+          </a:prstGeom>
+          <a:ln>
+            <a:tailEnd type="triangle"/>
+          </a:ln>
+        </p:spPr>
+        <p:style>
+          <a:lnRef idx="3">
+            <a:schemeClr val="dk1"/>
+          </a:lnRef>
+          <a:fillRef idx="0">
+            <a:schemeClr val="dk1"/>
+          </a:fillRef>
+          <a:effectRef idx="2">
+            <a:schemeClr val="dk1"/>
+          </a:effectRef>
+          <a:fontRef idx="minor">
+            <a:schemeClr val="tx1"/>
+          </a:fontRef>
+        </p:style>
+      </p:cxnSp>
+      <p:sp>
+        <p:nvSpPr>
+          <p:cNvPr id="121" name="Textfeld 120">
+            <a:extLst>
+              <a:ext uri="{FF2B5EF4-FFF2-40B4-BE49-F238E27FC236}">
+                <a16:creationId xmlns:a16="http://schemas.microsoft.com/office/drawing/2014/main" id="{40FE8FEE-FD0F-A63B-2A2C-6BE0CAEEB5C7}"/>
+              </a:ext>
+            </a:extLst>
+          </p:cNvPr>
+          <p:cNvSpPr txBox="1"/>
+          <p:nvPr/>
+        </p:nvSpPr>
+        <p:spPr>
+          <a:xfrm rot="18827057">
+            <a:off x="2565604" y="2383551"/>
+            <a:ext cx="824265" cy="261610"/>
+          </a:xfrm>
+          <a:prstGeom prst="rect">
+            <a:avLst/>
+          </a:prstGeom>
+          <a:noFill/>
+        </p:spPr>
+        <p:txBody>
+          <a:bodyPr wrap="none" rtlCol="0">
+            <a:spAutoFit/>
+          </a:bodyPr>
+          <a:lstStyle/>
+          <a:p>
+            <a:r>
+              <a:rPr lang="de-DE" sz="1100" dirty="0" err="1"/>
+              <a:t>cherry</a:t>
+            </a:r>
+            <a:r>
+              <a:rPr lang="de-DE" sz="1100" dirty="0"/>
+              <a:t>-pick</a:t>
+            </a:r>
+          </a:p>
+        </p:txBody>
+      </p:sp>
+      <p:cxnSp>
+        <p:nvCxnSpPr>
+          <p:cNvPr id="122" name="Gerade Verbindung mit Pfeil 121">
+            <a:extLst>
+              <a:ext uri="{FF2B5EF4-FFF2-40B4-BE49-F238E27FC236}">
+                <a16:creationId xmlns:a16="http://schemas.microsoft.com/office/drawing/2014/main" id="{B230DBD2-FE0C-7A77-B598-FC22C455F072}"/>
+              </a:ext>
+            </a:extLst>
+          </p:cNvPr>
+          <p:cNvCxnSpPr>
+            <a:cxnSpLocks/>
+          </p:cNvCxnSpPr>
+          <p:nvPr/>
+        </p:nvCxnSpPr>
+        <p:spPr>
+          <a:xfrm>
+            <a:off x="1691410" y="770026"/>
+            <a:ext cx="1761503" cy="9084"/>
+          </a:xfrm>
+          <a:prstGeom prst="straightConnector1">
+            <a:avLst/>
+          </a:prstGeom>
+          <a:ln>
+            <a:tailEnd type="triangle"/>
+          </a:ln>
+        </p:spPr>
+        <p:style>
+          <a:lnRef idx="3">
+            <a:schemeClr val="dk1"/>
+          </a:lnRef>
+          <a:fillRef idx="0">
+            <a:schemeClr val="dk1"/>
+          </a:fillRef>
+          <a:effectRef idx="2">
+            <a:schemeClr val="dk1"/>
+          </a:effectRef>
+          <a:fontRef idx="minor">
+            <a:schemeClr val="tx1"/>
+          </a:fontRef>
+        </p:style>
+      </p:cxnSp>
+      <p:sp>
+        <p:nvSpPr>
+          <p:cNvPr id="123" name="Textfeld 122">
+            <a:extLst>
+              <a:ext uri="{FF2B5EF4-FFF2-40B4-BE49-F238E27FC236}">
+                <a16:creationId xmlns:a16="http://schemas.microsoft.com/office/drawing/2014/main" id="{D8D43088-854C-F10A-9046-891AB213BD62}"/>
+              </a:ext>
+            </a:extLst>
+          </p:cNvPr>
+          <p:cNvSpPr txBox="1"/>
+          <p:nvPr/>
+        </p:nvSpPr>
+        <p:spPr>
+          <a:xfrm rot="47949">
+            <a:off x="1650418" y="492747"/>
+            <a:ext cx="824265" cy="261610"/>
+          </a:xfrm>
+          <a:prstGeom prst="rect">
+            <a:avLst/>
+          </a:prstGeom>
+          <a:noFill/>
+        </p:spPr>
+        <p:txBody>
+          <a:bodyPr wrap="none" rtlCol="0">
+            <a:spAutoFit/>
+          </a:bodyPr>
+          <a:lstStyle/>
+          <a:p>
+            <a:r>
+              <a:rPr lang="de-DE" sz="1100" dirty="0" err="1"/>
+              <a:t>cherry</a:t>
+            </a:r>
+            <a:r>
+              <a:rPr lang="de-DE" sz="1100" dirty="0"/>
+              <a:t>-pick</a:t>
+            </a:r>
+          </a:p>
+        </p:txBody>
+      </p:sp>
+      <p:cxnSp>
+        <p:nvCxnSpPr>
+          <p:cNvPr id="124" name="Gerade Verbindung mit Pfeil 123">
+            <a:extLst>
+              <a:ext uri="{FF2B5EF4-FFF2-40B4-BE49-F238E27FC236}">
+                <a16:creationId xmlns:a16="http://schemas.microsoft.com/office/drawing/2014/main" id="{EA43D08E-45EF-AD9E-1EE4-0FFBC8C6A0EF}"/>
+              </a:ext>
+            </a:extLst>
+          </p:cNvPr>
+          <p:cNvCxnSpPr>
+            <a:cxnSpLocks/>
+          </p:cNvCxnSpPr>
+          <p:nvPr/>
+        </p:nvCxnSpPr>
+        <p:spPr>
+          <a:xfrm flipV="1">
+            <a:off x="3512683" y="839487"/>
+            <a:ext cx="18151" cy="1236916"/>
+          </a:xfrm>
+          <a:prstGeom prst="straightConnector1">
+            <a:avLst/>
+          </a:prstGeom>
+          <a:ln>
+            <a:solidFill>
+              <a:schemeClr val="bg1">
+                <a:lumMod val="50000"/>
+              </a:schemeClr>
+            </a:solidFill>
+            <a:tailEnd type="triangle"/>
+          </a:ln>
+        </p:spPr>
+        <p:style>
+          <a:lnRef idx="3">
+            <a:schemeClr val="dk1"/>
+          </a:lnRef>
+          <a:fillRef idx="0">
+            <a:schemeClr val="dk1"/>
+          </a:fillRef>
+          <a:effectRef idx="2">
+            <a:schemeClr val="dk1"/>
+          </a:effectRef>
+          <a:fontRef idx="minor">
+            <a:schemeClr val="tx1"/>
+          </a:fontRef>
+        </p:style>
+      </p:cxnSp>
+      <p:cxnSp>
+        <p:nvCxnSpPr>
+          <p:cNvPr id="126" name="Gerade Verbindung mit Pfeil 125">
+            <a:extLst>
+              <a:ext uri="{FF2B5EF4-FFF2-40B4-BE49-F238E27FC236}">
+                <a16:creationId xmlns:a16="http://schemas.microsoft.com/office/drawing/2014/main" id="{960258D7-DB78-EBB0-0F21-CAB1569F2DE2}"/>
+              </a:ext>
+            </a:extLst>
+          </p:cNvPr>
+          <p:cNvCxnSpPr>
+            <a:cxnSpLocks/>
+          </p:cNvCxnSpPr>
+          <p:nvPr/>
+        </p:nvCxnSpPr>
+        <p:spPr>
+          <a:xfrm flipV="1">
+            <a:off x="1636746" y="459445"/>
+            <a:ext cx="0" cy="282356"/>
+          </a:xfrm>
+          <a:prstGeom prst="straightConnector1">
+            <a:avLst/>
+          </a:prstGeom>
+          <a:ln>
+            <a:tailEnd type="triangle"/>
+          </a:ln>
+        </p:spPr>
+        <p:style>
+          <a:lnRef idx="3">
+            <a:schemeClr val="dk1"/>
+          </a:lnRef>
+          <a:fillRef idx="0">
+            <a:schemeClr val="dk1"/>
+          </a:fillRef>
+          <a:effectRef idx="2">
+            <a:schemeClr val="dk1"/>
+          </a:effectRef>
+          <a:fontRef idx="minor">
+            <a:schemeClr val="tx1"/>
+          </a:fontRef>
+        </p:style>
+      </p:cxnSp>
+      <p:cxnSp>
+        <p:nvCxnSpPr>
+          <p:cNvPr id="128" name="Gerade Verbindung mit Pfeil 127">
+            <a:extLst>
+              <a:ext uri="{FF2B5EF4-FFF2-40B4-BE49-F238E27FC236}">
+                <a16:creationId xmlns:a16="http://schemas.microsoft.com/office/drawing/2014/main" id="{278C38A9-9056-8AC8-B90F-938F7DA4FB02}"/>
+              </a:ext>
+            </a:extLst>
+          </p:cNvPr>
+          <p:cNvCxnSpPr>
+            <a:cxnSpLocks/>
+          </p:cNvCxnSpPr>
+          <p:nvPr/>
+        </p:nvCxnSpPr>
+        <p:spPr>
+          <a:xfrm>
+            <a:off x="3496384" y="780763"/>
+            <a:ext cx="2234993" cy="1"/>
+          </a:xfrm>
+          <a:prstGeom prst="straightConnector1">
+            <a:avLst/>
+          </a:prstGeom>
+          <a:ln>
+            <a:tailEnd type="triangle"/>
+          </a:ln>
+        </p:spPr>
+        <p:style>
+          <a:lnRef idx="3">
+            <a:schemeClr val="dk1"/>
+          </a:lnRef>
+          <a:fillRef idx="0">
+            <a:schemeClr val="dk1"/>
+          </a:fillRef>
+          <a:effectRef idx="2">
+            <a:schemeClr val="dk1"/>
+          </a:effectRef>
+          <a:fontRef idx="minor">
+            <a:schemeClr val="tx1"/>
+          </a:fontRef>
+        </p:style>
+      </p:cxnSp>
+      <p:sp>
+        <p:nvSpPr>
+          <p:cNvPr id="129" name="Textfeld 128">
+            <a:extLst>
+              <a:ext uri="{FF2B5EF4-FFF2-40B4-BE49-F238E27FC236}">
+                <a16:creationId xmlns:a16="http://schemas.microsoft.com/office/drawing/2014/main" id="{4D8B7F02-1B22-FDF8-465D-DF77A4C39CF6}"/>
+              </a:ext>
+            </a:extLst>
+          </p:cNvPr>
+          <p:cNvSpPr txBox="1"/>
+          <p:nvPr/>
+        </p:nvSpPr>
+        <p:spPr>
+          <a:xfrm>
+            <a:off x="3594926" y="463454"/>
+            <a:ext cx="2207993" cy="261610"/>
+          </a:xfrm>
+          <a:prstGeom prst="rect">
+            <a:avLst/>
+          </a:prstGeom>
+          <a:noFill/>
+        </p:spPr>
+        <p:txBody>
+          <a:bodyPr wrap="square" rtlCol="0">
+            <a:spAutoFit/>
+          </a:bodyPr>
+          <a:lstStyle/>
+          <a:p>
+            <a:r>
+              <a:rPr lang="de-DE" sz="1100" dirty="0"/>
+              <a:t>pull </a:t>
+            </a:r>
+            <a:r>
+              <a:rPr lang="de-DE" sz="1100" dirty="0" err="1"/>
+              <a:t>request</a:t>
+            </a:r>
+            <a:r>
+              <a:rPr lang="de-DE" sz="1100" dirty="0"/>
+              <a:t> (</a:t>
+            </a:r>
+            <a:r>
+              <a:rPr lang="de-DE" sz="1100" dirty="0" err="1"/>
+              <a:t>master</a:t>
+            </a:r>
+            <a:r>
+              <a:rPr lang="de-DE" sz="1100" dirty="0"/>
+              <a:t> </a:t>
+            </a:r>
+            <a:r>
+              <a:rPr lang="de-DE" sz="1100" dirty="0" err="1"/>
+              <a:t>into</a:t>
+            </a:r>
+            <a:r>
+              <a:rPr lang="de-DE" sz="1100" dirty="0"/>
+              <a:t> </a:t>
+            </a:r>
+            <a:r>
+              <a:rPr lang="de-DE" sz="1100" dirty="0" err="1"/>
+              <a:t>master</a:t>
+            </a:r>
+            <a:r>
+              <a:rPr lang="de-DE" sz="1100" dirty="0"/>
+              <a:t>)</a:t>
+            </a:r>
+          </a:p>
+        </p:txBody>
+      </p:sp>
+      <p:cxnSp>
+        <p:nvCxnSpPr>
+          <p:cNvPr id="130" name="Gerade Verbindung mit Pfeil 129">
+            <a:extLst>
+              <a:ext uri="{FF2B5EF4-FFF2-40B4-BE49-F238E27FC236}">
+                <a16:creationId xmlns:a16="http://schemas.microsoft.com/office/drawing/2014/main" id="{25A58AFF-3BCF-EEDD-DA6B-D73E07EB75B9}"/>
+              </a:ext>
+            </a:extLst>
+          </p:cNvPr>
+          <p:cNvCxnSpPr>
+            <a:cxnSpLocks/>
+          </p:cNvCxnSpPr>
+          <p:nvPr/>
+        </p:nvCxnSpPr>
+        <p:spPr>
+          <a:xfrm flipV="1">
+            <a:off x="5707052" y="967661"/>
+            <a:ext cx="0" cy="1108742"/>
+          </a:xfrm>
+          <a:prstGeom prst="straightConnector1">
+            <a:avLst/>
+          </a:prstGeom>
+          <a:ln>
+            <a:solidFill>
+              <a:schemeClr val="bg1">
+                <a:lumMod val="50000"/>
+              </a:schemeClr>
+            </a:solidFill>
+            <a:tailEnd type="triangle"/>
+          </a:ln>
+        </p:spPr>
+        <p:style>
+          <a:lnRef idx="3">
+            <a:schemeClr val="dk1"/>
+          </a:lnRef>
+          <a:fillRef idx="0">
+            <a:schemeClr val="dk1"/>
+          </a:fillRef>
+          <a:effectRef idx="2">
+            <a:schemeClr val="dk1"/>
+          </a:effectRef>
+          <a:fontRef idx="minor">
+            <a:schemeClr val="tx1"/>
+          </a:fontRef>
+        </p:style>
+      </p:cxnSp>
+      <p:sp>
+        <p:nvSpPr>
+          <p:cNvPr id="33" name="Textfeld 32">
+            <a:extLst>
+              <a:ext uri="{FF2B5EF4-FFF2-40B4-BE49-F238E27FC236}">
+                <a16:creationId xmlns:a16="http://schemas.microsoft.com/office/drawing/2014/main" id="{5243FE8E-5136-60B6-F3BE-8ABCB65282C0}"/>
+              </a:ext>
+            </a:extLst>
+          </p:cNvPr>
+          <p:cNvSpPr txBox="1"/>
+          <p:nvPr/>
+        </p:nvSpPr>
+        <p:spPr>
+          <a:xfrm>
+            <a:off x="7392838" y="792470"/>
+            <a:ext cx="4600753" cy="8125301"/>
+          </a:xfrm>
+          <a:prstGeom prst="rect">
+            <a:avLst/>
+          </a:prstGeom>
+          <a:noFill/>
+        </p:spPr>
+        <p:txBody>
+          <a:bodyPr wrap="square" rtlCol="0">
+            <a:spAutoFit/>
+          </a:bodyPr>
+          <a:lstStyle/>
+          <a:p>
+            <a:pPr marL="342900" indent="-342900">
+              <a:buAutoNum type="arabicPeriod"/>
+            </a:pPr>
+            <a:r>
+              <a:rPr lang="de-DE" dirty="0"/>
+              <a:t>Fork </a:t>
+            </a:r>
+            <a:r>
+              <a:rPr lang="de-DE" dirty="0" err="1"/>
+              <a:t>the</a:t>
+            </a:r>
+            <a:r>
+              <a:rPr lang="de-DE" dirty="0"/>
+              <a:t> buschlab-</a:t>
+            </a:r>
+            <a:r>
+              <a:rPr lang="de-DE" dirty="0" err="1"/>
+              <a:t>eeg</a:t>
+            </a:r>
+            <a:r>
+              <a:rPr lang="de-DE" dirty="0"/>
+              <a:t>-pipeline </a:t>
+            </a:r>
+            <a:r>
+              <a:rPr lang="de-DE" dirty="0" err="1"/>
+              <a:t>repository</a:t>
+            </a:r>
+            <a:r>
+              <a:rPr lang="de-DE" dirty="0"/>
+              <a:t>. </a:t>
+            </a:r>
+            <a:r>
+              <a:rPr lang="de-DE" dirty="0" err="1"/>
+              <a:t>Your</a:t>
+            </a:r>
+            <a:r>
+              <a:rPr lang="de-DE" dirty="0"/>
+              <a:t> </a:t>
+            </a:r>
+            <a:r>
+              <a:rPr lang="de-DE" dirty="0" err="1"/>
+              <a:t>forked</a:t>
+            </a:r>
+            <a:r>
+              <a:rPr lang="de-DE" dirty="0"/>
+              <a:t> </a:t>
+            </a:r>
+            <a:r>
+              <a:rPr lang="de-DE" dirty="0" err="1"/>
+              <a:t>repository</a:t>
+            </a:r>
+            <a:r>
+              <a:rPr lang="de-DE" dirty="0"/>
+              <a:t> will </a:t>
+            </a:r>
+            <a:r>
+              <a:rPr lang="de-DE" dirty="0" err="1"/>
+              <a:t>serve</a:t>
+            </a:r>
+            <a:r>
+              <a:rPr lang="de-DE" dirty="0"/>
+              <a:t> </a:t>
+            </a:r>
+            <a:r>
+              <a:rPr lang="de-DE" dirty="0" err="1"/>
+              <a:t>as</a:t>
+            </a:r>
+            <a:r>
+              <a:rPr lang="de-DE" dirty="0"/>
+              <a:t> a </a:t>
+            </a:r>
+            <a:r>
+              <a:rPr lang="de-DE" dirty="0" err="1"/>
+              <a:t>single</a:t>
+            </a:r>
+            <a:r>
+              <a:rPr lang="de-DE" dirty="0"/>
+              <a:t> </a:t>
+            </a:r>
+            <a:r>
+              <a:rPr lang="de-DE" dirty="0" err="1"/>
+              <a:t>repo</a:t>
+            </a:r>
+            <a:r>
+              <a:rPr lang="de-DE" dirty="0"/>
+              <a:t> </a:t>
+            </a:r>
+            <a:r>
+              <a:rPr lang="de-DE" dirty="0" err="1"/>
+              <a:t>organizing</a:t>
+            </a:r>
+            <a:r>
+              <a:rPr lang="de-DE" dirty="0"/>
+              <a:t> all </a:t>
+            </a:r>
+            <a:r>
+              <a:rPr lang="de-DE" dirty="0" err="1"/>
+              <a:t>your</a:t>
+            </a:r>
+            <a:r>
+              <a:rPr lang="de-DE" dirty="0"/>
+              <a:t> different </a:t>
+            </a:r>
+            <a:r>
+              <a:rPr lang="de-DE" dirty="0" err="1"/>
+              <a:t>projects</a:t>
+            </a:r>
+            <a:r>
+              <a:rPr lang="de-DE" dirty="0"/>
+              <a:t>‘ </a:t>
+            </a:r>
+            <a:r>
+              <a:rPr lang="de-DE" dirty="0" err="1"/>
+              <a:t>preprocessing</a:t>
+            </a:r>
+            <a:r>
+              <a:rPr lang="de-DE" dirty="0"/>
+              <a:t> </a:t>
+            </a:r>
+            <a:r>
+              <a:rPr lang="de-DE" dirty="0" err="1"/>
+              <a:t>pipelines</a:t>
+            </a:r>
+            <a:endParaRPr lang="de-DE" dirty="0"/>
+          </a:p>
+          <a:p>
+            <a:pPr marL="342900" indent="-342900">
+              <a:buAutoNum type="arabicPeriod"/>
+            </a:pPr>
+            <a:r>
+              <a:rPr lang="de-DE" dirty="0"/>
+              <a:t>Keep </a:t>
+            </a:r>
+            <a:r>
+              <a:rPr lang="de-DE" dirty="0" err="1"/>
+              <a:t>the</a:t>
+            </a:r>
+            <a:r>
+              <a:rPr lang="de-DE" dirty="0"/>
+              <a:t> </a:t>
+            </a:r>
+            <a:r>
+              <a:rPr lang="de-DE" dirty="0" err="1"/>
+              <a:t>master</a:t>
+            </a:r>
+            <a:r>
+              <a:rPr lang="de-DE" dirty="0"/>
+              <a:t> </a:t>
+            </a:r>
+            <a:r>
+              <a:rPr lang="de-DE" dirty="0" err="1"/>
+              <a:t>branch</a:t>
+            </a:r>
+            <a:r>
+              <a:rPr lang="de-DE" dirty="0"/>
+              <a:t> </a:t>
+            </a:r>
+            <a:r>
+              <a:rPr lang="de-DE" dirty="0" err="1"/>
+              <a:t>as</a:t>
+            </a:r>
+            <a:r>
+              <a:rPr lang="de-DE" dirty="0"/>
+              <a:t> </a:t>
+            </a:r>
+            <a:r>
+              <a:rPr lang="de-DE" dirty="0" err="1"/>
+              <a:t>your</a:t>
+            </a:r>
+            <a:r>
+              <a:rPr lang="de-DE" dirty="0"/>
+              <a:t> </a:t>
+            </a:r>
+            <a:r>
+              <a:rPr lang="de-DE" dirty="0" err="1"/>
+              <a:t>default</a:t>
+            </a:r>
+            <a:r>
+              <a:rPr lang="de-DE" dirty="0"/>
+              <a:t>, </a:t>
+            </a:r>
+            <a:r>
+              <a:rPr lang="de-DE" dirty="0" err="1"/>
+              <a:t>which</a:t>
+            </a:r>
+            <a:r>
+              <a:rPr lang="de-DE" dirty="0"/>
+              <a:t> </a:t>
+            </a:r>
+            <a:r>
+              <a:rPr lang="de-DE" dirty="0" err="1"/>
+              <a:t>you</a:t>
+            </a:r>
+            <a:r>
+              <a:rPr lang="de-DE" dirty="0"/>
+              <a:t> will </a:t>
+            </a:r>
+            <a:r>
+              <a:rPr lang="de-DE" dirty="0" err="1"/>
+              <a:t>only</a:t>
+            </a:r>
+            <a:r>
+              <a:rPr lang="de-DE" dirty="0"/>
+              <a:t> update </a:t>
+            </a:r>
+            <a:r>
+              <a:rPr lang="de-DE" dirty="0" err="1"/>
+              <a:t>with</a:t>
+            </a:r>
+            <a:r>
+              <a:rPr lang="de-DE" dirty="0"/>
+              <a:t> (1) </a:t>
+            </a:r>
+            <a:r>
+              <a:rPr lang="de-DE" dirty="0" err="1"/>
+              <a:t>features</a:t>
+            </a:r>
+            <a:r>
+              <a:rPr lang="de-DE" dirty="0"/>
+              <a:t> </a:t>
+            </a:r>
+            <a:r>
+              <a:rPr lang="de-DE" dirty="0" err="1"/>
+              <a:t>you</a:t>
+            </a:r>
+            <a:r>
+              <a:rPr lang="de-DE" dirty="0"/>
+              <a:t> </a:t>
+            </a:r>
+            <a:r>
+              <a:rPr lang="de-DE" dirty="0" err="1"/>
+              <a:t>want</a:t>
+            </a:r>
+            <a:r>
+              <a:rPr lang="de-DE" dirty="0"/>
+              <a:t> </a:t>
+            </a:r>
+            <a:r>
+              <a:rPr lang="de-DE" dirty="0" err="1"/>
+              <a:t>to</a:t>
+            </a:r>
+            <a:r>
+              <a:rPr lang="de-DE" dirty="0"/>
+              <a:t> send </a:t>
+            </a:r>
+            <a:r>
+              <a:rPr lang="de-DE" dirty="0" err="1"/>
+              <a:t>as</a:t>
+            </a:r>
+            <a:r>
+              <a:rPr lang="de-DE" dirty="0"/>
+              <a:t> pull </a:t>
+            </a:r>
+            <a:r>
+              <a:rPr lang="de-DE" dirty="0" err="1"/>
+              <a:t>requests</a:t>
+            </a:r>
+            <a:r>
+              <a:rPr lang="de-DE" dirty="0"/>
+              <a:t> </a:t>
+            </a:r>
+            <a:r>
+              <a:rPr lang="de-DE" dirty="0" err="1"/>
+              <a:t>to</a:t>
+            </a:r>
+            <a:r>
+              <a:rPr lang="de-DE" dirty="0"/>
+              <a:t> </a:t>
+            </a:r>
+            <a:r>
+              <a:rPr lang="de-DE" dirty="0" err="1"/>
+              <a:t>the</a:t>
+            </a:r>
+            <a:r>
+              <a:rPr lang="de-DE" dirty="0"/>
+              <a:t> </a:t>
+            </a:r>
+            <a:r>
+              <a:rPr lang="de-DE" dirty="0" err="1"/>
+              <a:t>buschlab</a:t>
+            </a:r>
+            <a:r>
+              <a:rPr lang="de-DE" dirty="0"/>
+              <a:t> </a:t>
+            </a:r>
+            <a:r>
+              <a:rPr lang="de-DE" dirty="0" err="1"/>
+              <a:t>repository</a:t>
+            </a:r>
+            <a:r>
+              <a:rPr lang="de-DE" dirty="0"/>
+              <a:t>, </a:t>
+            </a:r>
+            <a:r>
+              <a:rPr lang="de-DE" dirty="0" err="1"/>
+              <a:t>or</a:t>
+            </a:r>
+            <a:r>
+              <a:rPr lang="de-DE" dirty="0"/>
+              <a:t> (2) </a:t>
+            </a:r>
+            <a:r>
+              <a:rPr lang="de-DE" dirty="0" err="1"/>
+              <a:t>by</a:t>
+            </a:r>
+            <a:r>
+              <a:rPr lang="de-DE" dirty="0"/>
+              <a:t> </a:t>
+            </a:r>
+            <a:r>
+              <a:rPr lang="de-DE" dirty="0" err="1"/>
+              <a:t>merging</a:t>
+            </a:r>
+            <a:r>
+              <a:rPr lang="de-DE" dirty="0"/>
+              <a:t> </a:t>
+            </a:r>
+            <a:r>
+              <a:rPr lang="de-DE" dirty="0" err="1"/>
+              <a:t>updates</a:t>
+            </a:r>
+            <a:r>
+              <a:rPr lang="de-DE" dirty="0"/>
+              <a:t> </a:t>
+            </a:r>
+            <a:r>
+              <a:rPr lang="de-DE" dirty="0" err="1"/>
+              <a:t>from</a:t>
+            </a:r>
+            <a:r>
+              <a:rPr lang="de-DE" dirty="0"/>
+              <a:t> </a:t>
+            </a:r>
+            <a:r>
+              <a:rPr lang="de-DE" dirty="0" err="1"/>
+              <a:t>the</a:t>
+            </a:r>
+            <a:r>
+              <a:rPr lang="de-DE" dirty="0"/>
+              <a:t> </a:t>
+            </a:r>
+            <a:r>
+              <a:rPr lang="de-DE" dirty="0" err="1"/>
+              <a:t>buschlab</a:t>
+            </a:r>
+            <a:r>
+              <a:rPr lang="de-DE" dirty="0"/>
+              <a:t> </a:t>
+            </a:r>
+            <a:r>
+              <a:rPr lang="de-DE" dirty="0" err="1"/>
+              <a:t>repo</a:t>
+            </a:r>
+            <a:r>
+              <a:rPr lang="de-DE" dirty="0"/>
+              <a:t> </a:t>
+            </a:r>
+            <a:r>
+              <a:rPr lang="de-DE" dirty="0" err="1"/>
+              <a:t>into</a:t>
+            </a:r>
+            <a:r>
+              <a:rPr lang="de-DE" dirty="0"/>
+              <a:t> </a:t>
+            </a:r>
+            <a:r>
+              <a:rPr lang="de-DE" dirty="0" err="1"/>
+              <a:t>your</a:t>
+            </a:r>
+            <a:r>
+              <a:rPr lang="de-DE" dirty="0"/>
+              <a:t> </a:t>
+            </a:r>
+            <a:r>
+              <a:rPr lang="de-DE" dirty="0" err="1"/>
+              <a:t>master</a:t>
+            </a:r>
+            <a:r>
+              <a:rPr lang="de-DE" dirty="0"/>
+              <a:t> </a:t>
+            </a:r>
+            <a:r>
+              <a:rPr lang="de-DE" dirty="0" err="1"/>
+              <a:t>branch</a:t>
+            </a:r>
+            <a:r>
+              <a:rPr lang="de-DE" dirty="0"/>
+              <a:t> (and </a:t>
+            </a:r>
+            <a:r>
+              <a:rPr lang="de-DE" dirty="0" err="1"/>
+              <a:t>from</a:t>
+            </a:r>
+            <a:r>
+              <a:rPr lang="de-DE" dirty="0"/>
+              <a:t> </a:t>
+            </a:r>
+            <a:r>
+              <a:rPr lang="de-DE" dirty="0" err="1"/>
+              <a:t>here</a:t>
+            </a:r>
+            <a:r>
+              <a:rPr lang="de-DE" dirty="0"/>
+              <a:t>, </a:t>
+            </a:r>
+            <a:r>
+              <a:rPr lang="de-DE" dirty="0" err="1"/>
+              <a:t>you</a:t>
+            </a:r>
+            <a:r>
+              <a:rPr lang="de-DE" dirty="0"/>
+              <a:t> </a:t>
+            </a:r>
+            <a:r>
+              <a:rPr lang="de-DE" dirty="0" err="1"/>
+              <a:t>can</a:t>
+            </a:r>
+            <a:r>
+              <a:rPr lang="de-DE" dirty="0"/>
+              <a:t> </a:t>
+            </a:r>
+            <a:r>
+              <a:rPr lang="de-DE" dirty="0" err="1"/>
+              <a:t>merge</a:t>
+            </a:r>
+            <a:r>
+              <a:rPr lang="de-DE" dirty="0"/>
+              <a:t> </a:t>
+            </a:r>
+            <a:r>
+              <a:rPr lang="de-DE" dirty="0" err="1"/>
+              <a:t>the</a:t>
+            </a:r>
+            <a:r>
+              <a:rPr lang="de-DE" dirty="0"/>
+              <a:t> </a:t>
+            </a:r>
+            <a:r>
+              <a:rPr lang="de-DE" dirty="0" err="1"/>
+              <a:t>updates</a:t>
+            </a:r>
+            <a:r>
+              <a:rPr lang="de-DE" dirty="0"/>
+              <a:t> </a:t>
+            </a:r>
+            <a:r>
+              <a:rPr lang="de-DE" dirty="0" err="1"/>
+              <a:t>into</a:t>
+            </a:r>
+            <a:r>
+              <a:rPr lang="de-DE" dirty="0"/>
+              <a:t> </a:t>
+            </a:r>
+            <a:r>
+              <a:rPr lang="de-DE" dirty="0" err="1"/>
+              <a:t>your</a:t>
+            </a:r>
+            <a:r>
+              <a:rPr lang="de-DE" dirty="0"/>
+              <a:t> </a:t>
+            </a:r>
+            <a:r>
+              <a:rPr lang="de-DE" dirty="0" err="1"/>
+              <a:t>projects</a:t>
+            </a:r>
+            <a:r>
+              <a:rPr lang="de-DE" dirty="0"/>
+              <a:t>‘ </a:t>
+            </a:r>
+            <a:r>
+              <a:rPr lang="de-DE" dirty="0" err="1"/>
+              <a:t>branches</a:t>
+            </a:r>
+            <a:r>
+              <a:rPr lang="de-DE" dirty="0"/>
+              <a:t> </a:t>
+            </a:r>
+            <a:r>
+              <a:rPr lang="de-DE" dirty="0" err="1"/>
+              <a:t>if</a:t>
+            </a:r>
+            <a:r>
+              <a:rPr lang="de-DE" dirty="0"/>
+              <a:t> </a:t>
+            </a:r>
+            <a:r>
+              <a:rPr lang="de-DE" dirty="0" err="1"/>
+              <a:t>needed</a:t>
+            </a:r>
+            <a:r>
+              <a:rPr lang="de-DE" dirty="0"/>
+              <a:t>)</a:t>
+            </a:r>
+          </a:p>
+          <a:p>
+            <a:pPr marL="342900" indent="-342900">
+              <a:buAutoNum type="arabicPeriod"/>
+            </a:pPr>
+            <a:r>
+              <a:rPr lang="de-DE" dirty="0" err="1"/>
+              <a:t>You</a:t>
+            </a:r>
+            <a:r>
+              <a:rPr lang="de-DE" dirty="0"/>
+              <a:t> will </a:t>
+            </a:r>
+            <a:r>
+              <a:rPr lang="de-DE" dirty="0" err="1"/>
+              <a:t>work</a:t>
+            </a:r>
+            <a:r>
+              <a:rPr lang="de-DE" dirty="0"/>
+              <a:t> in </a:t>
+            </a:r>
+            <a:r>
+              <a:rPr lang="de-DE" dirty="0" err="1"/>
+              <a:t>your</a:t>
+            </a:r>
+            <a:r>
+              <a:rPr lang="de-DE" dirty="0"/>
+              <a:t> </a:t>
+            </a:r>
+            <a:r>
+              <a:rPr lang="de-DE" dirty="0" err="1"/>
+              <a:t>respective</a:t>
+            </a:r>
+            <a:r>
+              <a:rPr lang="de-DE" dirty="0"/>
+              <a:t> </a:t>
+            </a:r>
+            <a:r>
+              <a:rPr lang="de-DE" dirty="0" err="1"/>
+              <a:t>project‘s</a:t>
+            </a:r>
+            <a:r>
+              <a:rPr lang="de-DE" dirty="0"/>
+              <a:t> </a:t>
+            </a:r>
+            <a:r>
+              <a:rPr lang="de-DE" dirty="0" err="1"/>
+              <a:t>branch</a:t>
+            </a:r>
+            <a:r>
+              <a:rPr lang="de-DE" dirty="0"/>
+              <a:t>, and </a:t>
+            </a:r>
+            <a:r>
+              <a:rPr lang="de-DE" dirty="0" err="1"/>
+              <a:t>whenever</a:t>
+            </a:r>
+            <a:r>
+              <a:rPr lang="de-DE" dirty="0"/>
+              <a:t> </a:t>
+            </a:r>
+            <a:r>
+              <a:rPr lang="de-DE" dirty="0" err="1"/>
+              <a:t>you</a:t>
+            </a:r>
+            <a:r>
+              <a:rPr lang="de-DE" dirty="0"/>
+              <a:t> </a:t>
+            </a:r>
+            <a:r>
+              <a:rPr lang="de-DE" dirty="0" err="1"/>
+              <a:t>have</a:t>
+            </a:r>
+            <a:r>
+              <a:rPr lang="de-DE" dirty="0"/>
+              <a:t> </a:t>
+            </a:r>
+            <a:r>
+              <a:rPr lang="de-DE" dirty="0" err="1"/>
+              <a:t>committed</a:t>
+            </a:r>
+            <a:r>
+              <a:rPr lang="de-DE" dirty="0"/>
+              <a:t> a </a:t>
+            </a:r>
+            <a:r>
+              <a:rPr lang="de-DE" dirty="0" err="1"/>
+              <a:t>meaningful</a:t>
+            </a:r>
+            <a:r>
+              <a:rPr lang="de-DE" dirty="0"/>
+              <a:t> feature </a:t>
+            </a:r>
+            <a:r>
+              <a:rPr lang="de-DE" dirty="0" err="1"/>
+              <a:t>for</a:t>
+            </a:r>
+            <a:r>
+              <a:rPr lang="de-DE" dirty="0"/>
+              <a:t> </a:t>
+            </a:r>
+            <a:r>
+              <a:rPr lang="de-DE" dirty="0" err="1"/>
+              <a:t>the</a:t>
+            </a:r>
+            <a:r>
+              <a:rPr lang="de-DE" dirty="0"/>
+              <a:t> </a:t>
+            </a:r>
+            <a:r>
+              <a:rPr lang="de-DE" dirty="0" err="1"/>
+              <a:t>pipeline</a:t>
+            </a:r>
+            <a:r>
+              <a:rPr lang="de-DE" dirty="0"/>
+              <a:t>, </a:t>
+            </a:r>
+            <a:r>
+              <a:rPr lang="de-DE" dirty="0" err="1"/>
+              <a:t>you</a:t>
+            </a:r>
+            <a:r>
+              <a:rPr lang="de-DE" dirty="0"/>
+              <a:t> </a:t>
+            </a:r>
+            <a:r>
+              <a:rPr lang="de-DE" dirty="0" err="1"/>
+              <a:t>afterwards</a:t>
+            </a:r>
+            <a:r>
+              <a:rPr lang="de-DE" dirty="0"/>
+              <a:t> switch </a:t>
+            </a:r>
+            <a:r>
+              <a:rPr lang="de-DE" dirty="0" err="1"/>
+              <a:t>to</a:t>
+            </a:r>
+            <a:r>
+              <a:rPr lang="de-DE" dirty="0"/>
+              <a:t> </a:t>
+            </a:r>
+            <a:r>
+              <a:rPr lang="de-DE" dirty="0" err="1"/>
+              <a:t>the</a:t>
+            </a:r>
+            <a:r>
+              <a:rPr lang="de-DE" dirty="0"/>
+              <a:t> </a:t>
+            </a:r>
+            <a:r>
+              <a:rPr lang="de-DE" dirty="0" err="1"/>
+              <a:t>master</a:t>
+            </a:r>
+            <a:r>
+              <a:rPr lang="de-DE" dirty="0"/>
+              <a:t> </a:t>
+            </a:r>
+            <a:r>
+              <a:rPr lang="de-DE" dirty="0" err="1"/>
+              <a:t>branch</a:t>
+            </a:r>
+            <a:r>
+              <a:rPr lang="de-DE" dirty="0"/>
+              <a:t> and </a:t>
+            </a:r>
+            <a:r>
+              <a:rPr lang="de-DE" dirty="0" err="1"/>
+              <a:t>cherry</a:t>
+            </a:r>
+            <a:r>
+              <a:rPr lang="de-DE" dirty="0"/>
+              <a:t>-pick </a:t>
+            </a:r>
+            <a:r>
+              <a:rPr lang="de-DE" dirty="0" err="1"/>
+              <a:t>the</a:t>
+            </a:r>
+            <a:r>
+              <a:rPr lang="de-DE" dirty="0"/>
+              <a:t> </a:t>
+            </a:r>
+            <a:r>
+              <a:rPr lang="de-DE" dirty="0" err="1"/>
+              <a:t>commit</a:t>
+            </a:r>
+            <a:r>
+              <a:rPr lang="de-DE" dirty="0"/>
+              <a:t> </a:t>
+            </a:r>
+            <a:r>
+              <a:rPr lang="de-DE" dirty="0" err="1"/>
+              <a:t>of</a:t>
+            </a:r>
+            <a:r>
+              <a:rPr lang="de-DE" dirty="0"/>
+              <a:t> </a:t>
+            </a:r>
+            <a:r>
+              <a:rPr lang="de-DE" dirty="0" err="1"/>
+              <a:t>interest</a:t>
+            </a:r>
+            <a:r>
+              <a:rPr lang="de-DE" dirty="0"/>
+              <a:t> </a:t>
+            </a:r>
+            <a:r>
+              <a:rPr lang="de-DE" dirty="0" err="1"/>
+              <a:t>to</a:t>
+            </a:r>
+            <a:r>
+              <a:rPr lang="de-DE" dirty="0"/>
+              <a:t> </a:t>
+            </a:r>
+            <a:r>
+              <a:rPr lang="de-DE" dirty="0" err="1"/>
+              <a:t>incorporate</a:t>
+            </a:r>
+            <a:r>
+              <a:rPr lang="de-DE" dirty="0"/>
+              <a:t> </a:t>
+            </a:r>
+            <a:r>
+              <a:rPr lang="de-DE" dirty="0" err="1"/>
+              <a:t>it</a:t>
+            </a:r>
+            <a:r>
+              <a:rPr lang="de-DE" dirty="0"/>
+              <a:t> </a:t>
+            </a:r>
+            <a:r>
+              <a:rPr lang="de-DE" dirty="0" err="1"/>
+              <a:t>into</a:t>
+            </a:r>
+            <a:r>
+              <a:rPr lang="de-DE" dirty="0"/>
+              <a:t> </a:t>
+            </a:r>
+            <a:r>
+              <a:rPr lang="de-DE" dirty="0" err="1"/>
+              <a:t>the</a:t>
+            </a:r>
+            <a:r>
+              <a:rPr lang="de-DE" dirty="0"/>
+              <a:t> </a:t>
+            </a:r>
+            <a:r>
+              <a:rPr lang="de-DE" dirty="0" err="1"/>
+              <a:t>master</a:t>
+            </a:r>
+            <a:r>
+              <a:rPr lang="de-DE" dirty="0"/>
+              <a:t>. In a final </a:t>
+            </a:r>
+            <a:r>
+              <a:rPr lang="de-DE" dirty="0" err="1"/>
+              <a:t>step</a:t>
+            </a:r>
+            <a:r>
+              <a:rPr lang="de-DE" dirty="0"/>
+              <a:t>, </a:t>
+            </a:r>
+            <a:r>
+              <a:rPr lang="de-DE" dirty="0" err="1"/>
+              <a:t>you</a:t>
+            </a:r>
+            <a:r>
+              <a:rPr lang="de-DE" dirty="0"/>
+              <a:t> send a pull </a:t>
+            </a:r>
+            <a:r>
+              <a:rPr lang="de-DE" dirty="0" err="1"/>
+              <a:t>request</a:t>
+            </a:r>
+            <a:r>
+              <a:rPr lang="de-DE" dirty="0"/>
+              <a:t> </a:t>
+            </a:r>
+            <a:r>
+              <a:rPr lang="de-DE" dirty="0" err="1"/>
+              <a:t>to</a:t>
+            </a:r>
+            <a:r>
+              <a:rPr lang="de-DE" dirty="0"/>
+              <a:t> buschlab-</a:t>
+            </a:r>
+            <a:r>
+              <a:rPr lang="de-DE" dirty="0" err="1"/>
+              <a:t>muenster</a:t>
+            </a:r>
+            <a:r>
+              <a:rPr lang="de-DE" dirty="0"/>
+              <a:t> (</a:t>
+            </a:r>
+            <a:r>
+              <a:rPr lang="de-DE" dirty="0" err="1"/>
+              <a:t>master</a:t>
+            </a:r>
+            <a:r>
+              <a:rPr lang="de-DE" dirty="0"/>
+              <a:t> </a:t>
+            </a:r>
+            <a:r>
+              <a:rPr lang="de-DE" dirty="0" err="1"/>
+              <a:t>to</a:t>
+            </a:r>
+            <a:r>
+              <a:rPr lang="de-DE" dirty="0"/>
+              <a:t> </a:t>
+            </a:r>
+            <a:r>
+              <a:rPr lang="de-DE" dirty="0" err="1"/>
+              <a:t>master</a:t>
+            </a:r>
+            <a:r>
+              <a:rPr lang="de-DE" dirty="0"/>
+              <a:t>) </a:t>
+            </a:r>
+          </a:p>
+          <a:p>
+            <a:pPr marL="342900" indent="-342900">
+              <a:buAutoNum type="arabicPeriod"/>
+            </a:pPr>
+            <a:r>
+              <a:rPr lang="de-DE" dirty="0" err="1"/>
+              <a:t>If</a:t>
+            </a:r>
+            <a:r>
+              <a:rPr lang="de-DE" dirty="0"/>
+              <a:t> </a:t>
+            </a:r>
+            <a:r>
+              <a:rPr lang="de-DE" dirty="0" err="1"/>
+              <a:t>you</a:t>
+            </a:r>
+            <a:r>
+              <a:rPr lang="de-DE" dirty="0"/>
+              <a:t> </a:t>
+            </a:r>
+            <a:r>
+              <a:rPr lang="de-DE" dirty="0" err="1"/>
+              <a:t>want</a:t>
+            </a:r>
+            <a:r>
+              <a:rPr lang="de-DE" dirty="0"/>
+              <a:t> </a:t>
+            </a:r>
+            <a:r>
+              <a:rPr lang="de-DE" dirty="0" err="1"/>
+              <a:t>to</a:t>
+            </a:r>
+            <a:r>
+              <a:rPr lang="de-DE" dirty="0"/>
+              <a:t> „release“ </a:t>
+            </a:r>
+            <a:r>
+              <a:rPr lang="de-DE" dirty="0" err="1"/>
+              <a:t>the</a:t>
+            </a:r>
+            <a:r>
+              <a:rPr lang="de-DE" dirty="0"/>
+              <a:t> final </a:t>
+            </a:r>
+            <a:r>
+              <a:rPr lang="de-DE" dirty="0" err="1"/>
+              <a:t>preprocessing</a:t>
+            </a:r>
+            <a:r>
+              <a:rPr lang="de-DE" dirty="0"/>
+              <a:t> </a:t>
+            </a:r>
+            <a:r>
+              <a:rPr lang="de-DE" dirty="0" err="1"/>
+              <a:t>pipeline</a:t>
+            </a:r>
+            <a:r>
+              <a:rPr lang="de-DE" dirty="0"/>
+              <a:t>, e.g. </a:t>
+            </a:r>
+            <a:r>
+              <a:rPr lang="de-DE" dirty="0" err="1"/>
+              <a:t>for</a:t>
+            </a:r>
+            <a:r>
+              <a:rPr lang="de-DE" dirty="0"/>
+              <a:t> a </a:t>
+            </a:r>
+            <a:r>
+              <a:rPr lang="de-DE" dirty="0" err="1"/>
+              <a:t>publication</a:t>
+            </a:r>
+            <a:r>
+              <a:rPr lang="de-DE" dirty="0"/>
+              <a:t>, </a:t>
+            </a:r>
+            <a:r>
+              <a:rPr lang="de-DE" dirty="0" err="1"/>
+              <a:t>you</a:t>
+            </a:r>
+            <a:r>
+              <a:rPr lang="de-DE" dirty="0"/>
+              <a:t> </a:t>
+            </a:r>
+            <a:r>
+              <a:rPr lang="de-DE" dirty="0" err="1"/>
+              <a:t>could</a:t>
+            </a:r>
+            <a:r>
+              <a:rPr lang="de-DE" dirty="0"/>
+              <a:t> </a:t>
+            </a:r>
+            <a:r>
+              <a:rPr lang="de-DE" dirty="0" err="1"/>
+              <a:t>either</a:t>
+            </a:r>
+            <a:r>
+              <a:rPr lang="de-DE" dirty="0"/>
+              <a:t> </a:t>
+            </a:r>
+            <a:r>
+              <a:rPr lang="de-DE" dirty="0" err="1"/>
+              <a:t>think</a:t>
+            </a:r>
+            <a:r>
+              <a:rPr lang="de-DE" dirty="0"/>
+              <a:t> </a:t>
+            </a:r>
+            <a:r>
+              <a:rPr lang="de-DE" dirty="0" err="1"/>
+              <a:t>about</a:t>
+            </a:r>
+            <a:r>
+              <a:rPr lang="de-DE" dirty="0"/>
+              <a:t> a GitHub release </a:t>
+            </a:r>
+            <a:r>
+              <a:rPr lang="de-DE" dirty="0" err="1"/>
+              <a:t>of</a:t>
+            </a:r>
+            <a:r>
+              <a:rPr lang="de-DE" dirty="0"/>
+              <a:t> </a:t>
+            </a:r>
+            <a:r>
+              <a:rPr lang="de-DE" dirty="0" err="1"/>
+              <a:t>the</a:t>
+            </a:r>
+            <a:r>
+              <a:rPr lang="de-DE" dirty="0"/>
+              <a:t> </a:t>
+            </a:r>
+            <a:r>
+              <a:rPr lang="de-DE" dirty="0" err="1"/>
+              <a:t>respective</a:t>
+            </a:r>
+            <a:r>
+              <a:rPr lang="de-DE" dirty="0"/>
+              <a:t> </a:t>
+            </a:r>
+            <a:r>
+              <a:rPr lang="de-DE" dirty="0" err="1"/>
+              <a:t>branch</a:t>
+            </a:r>
+            <a:r>
+              <a:rPr lang="de-DE" dirty="0"/>
+              <a:t> (</a:t>
+            </a:r>
+            <a:r>
+              <a:rPr lang="de-DE" dirty="0" err="1"/>
+              <a:t>see</a:t>
+            </a:r>
+            <a:r>
+              <a:rPr lang="de-DE" dirty="0"/>
+              <a:t> </a:t>
+            </a:r>
+            <a:r>
+              <a:rPr lang="de-DE" dirty="0">
+                <a:hlinkClick r:id="rId2"/>
+              </a:rPr>
+              <a:t>https://docs.github.com/en/repositories/releasing-projects-on-github/managing-releases-in-a-repository</a:t>
+            </a:r>
+            <a:r>
+              <a:rPr lang="de-DE" dirty="0"/>
+              <a:t>) </a:t>
+            </a:r>
+            <a:r>
+              <a:rPr lang="de-DE" dirty="0" err="1"/>
+              <a:t>or</a:t>
+            </a:r>
+            <a:r>
+              <a:rPr lang="de-DE" dirty="0"/>
+              <a:t> </a:t>
+            </a:r>
+            <a:r>
+              <a:rPr lang="de-DE" dirty="0" err="1"/>
+              <a:t>paste</a:t>
+            </a:r>
+            <a:r>
+              <a:rPr lang="de-DE" dirty="0"/>
+              <a:t> </a:t>
+            </a:r>
+            <a:r>
+              <a:rPr lang="de-DE" dirty="0" err="1"/>
+              <a:t>the</a:t>
+            </a:r>
+            <a:r>
+              <a:rPr lang="de-DE" dirty="0"/>
+              <a:t> final </a:t>
+            </a:r>
+            <a:r>
+              <a:rPr lang="de-DE" dirty="0" err="1"/>
+              <a:t>version</a:t>
+            </a:r>
+            <a:r>
+              <a:rPr lang="de-DE" dirty="0"/>
+              <a:t> </a:t>
+            </a:r>
+            <a:r>
+              <a:rPr lang="de-DE" dirty="0" err="1"/>
+              <a:t>into</a:t>
+            </a:r>
+            <a:r>
+              <a:rPr lang="de-DE" dirty="0"/>
+              <a:t> a </a:t>
+            </a:r>
+            <a:r>
+              <a:rPr lang="de-DE" dirty="0" err="1"/>
+              <a:t>new</a:t>
+            </a:r>
+            <a:r>
+              <a:rPr lang="de-DE" dirty="0"/>
+              <a:t> stand-</a:t>
+            </a:r>
+            <a:r>
+              <a:rPr lang="de-DE" dirty="0" err="1"/>
+              <a:t>alone</a:t>
+            </a:r>
+            <a:r>
+              <a:rPr lang="de-DE" dirty="0"/>
+              <a:t> </a:t>
+            </a:r>
+            <a:r>
+              <a:rPr lang="de-DE" dirty="0" err="1"/>
+              <a:t>repository</a:t>
+            </a:r>
+            <a:endParaRPr lang="de-DE" dirty="0"/>
+          </a:p>
+        </p:txBody>
+      </p:sp>
     </p:spTree>
     <p:extLst>
       <p:ext uri="{BB962C8B-B14F-4D97-AF65-F5344CB8AC3E}">
-        <p14:creationId xmlns:p14="http://schemas.microsoft.com/office/powerpoint/2010/main" val="2502894247"/>
+        <p14:creationId xmlns:p14="http://schemas.microsoft.com/office/powerpoint/2010/main" val="1444364364"/>
       </p:ext>
     </p:extLst>
   </p:cSld>
   <p:clrMapOvr>
     <a:masterClrMapping/>
   </p:clrMapOvr>
+  <p:timing>
+    <p:tnLst>
+      <p:par>
+        <p:cTn id="1" dur="indefinite" restart="never" nodeType="tmRoot">
+          <p:childTnLst>
+            <p:seq concurrent="1" nextAc="seek">
+              <p:cTn id="2" dur="indefinite" nodeType="mainSeq">
+                <p:childTnLst>
+                  <p:par>
+                    <p:cTn id="3" fill="hold">
+                      <p:stCondLst>
+                        <p:cond delay="indefinite"/>
+                      </p:stCondLst>
+                      <p:childTnLst>
+                        <p:par>
+                          <p:cTn id="4" fill="hold">
+                            <p:stCondLst>
+                              <p:cond delay="0"/>
+                            </p:stCondLst>
+                            <p:childTnLst>
+                              <p:par>
+                                <p:cTn id="5" presetID="1" presetClass="entr" presetSubtype="0" fill="hold" nodeType="clickEffect">
+                                  <p:stCondLst>
+                                    <p:cond delay="0"/>
+                                  </p:stCondLst>
+                                  <p:childTnLst>
+                                    <p:set>
+                                      <p:cBhvr>
+                                        <p:cTn id="6" dur="1" fill="hold">
+                                          <p:stCondLst>
+                                            <p:cond delay="0"/>
+                                          </p:stCondLst>
+                                        </p:cTn>
+                                        <p:tgtEl>
+                                          <p:spTgt spid="89"/>
+                                        </p:tgtEl>
+                                        <p:attrNameLst>
+                                          <p:attrName>style.visibility</p:attrName>
+                                        </p:attrNameLst>
+                                      </p:cBhvr>
+                                      <p:to>
+                                        <p:strVal val="visible"/>
+                                      </p:to>
+                                    </p:set>
+                                  </p:childTnLst>
+                                </p:cTn>
+                              </p:par>
+                            </p:childTnLst>
+                          </p:cTn>
+                        </p:par>
+                      </p:childTnLst>
+                    </p:cTn>
+                  </p:par>
+                  <p:par>
+                    <p:cTn id="7" fill="hold">
+                      <p:stCondLst>
+                        <p:cond delay="indefinite"/>
+                      </p:stCondLst>
+                      <p:childTnLst>
+                        <p:par>
+                          <p:cTn id="8" fill="hold">
+                            <p:stCondLst>
+                              <p:cond delay="0"/>
+                            </p:stCondLst>
+                            <p:childTnLst>
+                              <p:par>
+                                <p:cTn id="9" presetID="1" presetClass="entr" presetSubtype="0" fill="hold" grpId="0" nodeType="clickEffect">
+                                  <p:stCondLst>
+                                    <p:cond delay="0"/>
+                                  </p:stCondLst>
+                                  <p:childTnLst>
+                                    <p:set>
+                                      <p:cBhvr>
+                                        <p:cTn id="10" dur="1" fill="hold">
+                                          <p:stCondLst>
+                                            <p:cond delay="0"/>
+                                          </p:stCondLst>
+                                        </p:cTn>
+                                        <p:tgtEl>
+                                          <p:spTgt spid="95"/>
+                                        </p:tgtEl>
+                                        <p:attrNameLst>
+                                          <p:attrName>style.visibility</p:attrName>
+                                        </p:attrNameLst>
+                                      </p:cBhvr>
+                                      <p:to>
+                                        <p:strVal val="visible"/>
+                                      </p:to>
+                                    </p:set>
+                                  </p:childTnLst>
+                                </p:cTn>
+                              </p:par>
+                              <p:par>
+                                <p:cTn id="11" presetID="1" presetClass="entr" presetSubtype="0" fill="hold" nodeType="withEffect">
+                                  <p:stCondLst>
+                                    <p:cond delay="0"/>
+                                  </p:stCondLst>
+                                  <p:childTnLst>
+                                    <p:set>
+                                      <p:cBhvr>
+                                        <p:cTn id="12" dur="1" fill="hold">
+                                          <p:stCondLst>
+                                            <p:cond delay="0"/>
+                                          </p:stCondLst>
+                                        </p:cTn>
+                                        <p:tgtEl>
+                                          <p:spTgt spid="94"/>
+                                        </p:tgtEl>
+                                        <p:attrNameLst>
+                                          <p:attrName>style.visibility</p:attrName>
+                                        </p:attrNameLst>
+                                      </p:cBhvr>
+                                      <p:to>
+                                        <p:strVal val="visible"/>
+                                      </p:to>
+                                    </p:set>
+                                  </p:childTnLst>
+                                </p:cTn>
+                              </p:par>
+                              <p:par>
+                                <p:cTn id="13" presetID="1" presetClass="entr" presetSubtype="0" fill="hold" grpId="0" nodeType="withEffect">
+                                  <p:stCondLst>
+                                    <p:cond delay="0"/>
+                                  </p:stCondLst>
+                                  <p:childTnLst>
+                                    <p:set>
+                                      <p:cBhvr>
+                                        <p:cTn id="14" dur="1" fill="hold">
+                                          <p:stCondLst>
+                                            <p:cond delay="0"/>
+                                          </p:stCondLst>
+                                        </p:cTn>
+                                        <p:tgtEl>
+                                          <p:spTgt spid="96"/>
+                                        </p:tgtEl>
+                                        <p:attrNameLst>
+                                          <p:attrName>style.visibility</p:attrName>
+                                        </p:attrNameLst>
+                                      </p:cBhvr>
+                                      <p:to>
+                                        <p:strVal val="visible"/>
+                                      </p:to>
+                                    </p:set>
+                                  </p:childTnLst>
+                                </p:cTn>
+                              </p:par>
+                              <p:par>
+                                <p:cTn id="15" presetID="1" presetClass="entr" presetSubtype="0" fill="hold" nodeType="withEffect">
+                                  <p:stCondLst>
+                                    <p:cond delay="0"/>
+                                  </p:stCondLst>
+                                  <p:childTnLst>
+                                    <p:set>
+                                      <p:cBhvr>
+                                        <p:cTn id="16" dur="1" fill="hold">
+                                          <p:stCondLst>
+                                            <p:cond delay="0"/>
+                                          </p:stCondLst>
+                                        </p:cTn>
+                                        <p:tgtEl>
+                                          <p:spTgt spid="97"/>
+                                        </p:tgtEl>
+                                        <p:attrNameLst>
+                                          <p:attrName>style.visibility</p:attrName>
+                                        </p:attrNameLst>
+                                      </p:cBhvr>
+                                      <p:to>
+                                        <p:strVal val="visible"/>
+                                      </p:to>
+                                    </p:set>
+                                  </p:childTnLst>
+                                </p:cTn>
+                              </p:par>
+                              <p:par>
+                                <p:cTn id="17" presetID="1" presetClass="entr" presetSubtype="0" fill="hold" grpId="0" nodeType="withEffect">
+                                  <p:stCondLst>
+                                    <p:cond delay="0"/>
+                                  </p:stCondLst>
+                                  <p:childTnLst>
+                                    <p:set>
+                                      <p:cBhvr>
+                                        <p:cTn id="18" dur="1" fill="hold">
+                                          <p:stCondLst>
+                                            <p:cond delay="0"/>
+                                          </p:stCondLst>
+                                        </p:cTn>
+                                        <p:tgtEl>
+                                          <p:spTgt spid="98"/>
+                                        </p:tgtEl>
+                                        <p:attrNameLst>
+                                          <p:attrName>style.visibility</p:attrName>
+                                        </p:attrNameLst>
+                                      </p:cBhvr>
+                                      <p:to>
+                                        <p:strVal val="visible"/>
+                                      </p:to>
+                                    </p:set>
+                                  </p:childTnLst>
+                                </p:cTn>
+                              </p:par>
+                            </p:childTnLst>
+                          </p:cTn>
+                        </p:par>
+                      </p:childTnLst>
+                    </p:cTn>
+                  </p:par>
+                  <p:par>
+                    <p:cTn id="19" fill="hold">
+                      <p:stCondLst>
+                        <p:cond delay="indefinite"/>
+                      </p:stCondLst>
+                      <p:childTnLst>
+                        <p:par>
+                          <p:cTn id="20" fill="hold">
+                            <p:stCondLst>
+                              <p:cond delay="0"/>
+                            </p:stCondLst>
+                            <p:childTnLst>
+                              <p:par>
+                                <p:cTn id="21" presetID="1" presetClass="entr" presetSubtype="0" fill="hold" grpId="0" nodeType="clickEffect">
+                                  <p:stCondLst>
+                                    <p:cond delay="0"/>
+                                  </p:stCondLst>
+                                  <p:childTnLst>
+                                    <p:set>
+                                      <p:cBhvr>
+                                        <p:cTn id="22" dur="1" fill="hold">
+                                          <p:stCondLst>
+                                            <p:cond delay="0"/>
+                                          </p:stCondLst>
+                                        </p:cTn>
+                                        <p:tgtEl>
+                                          <p:spTgt spid="99"/>
+                                        </p:tgtEl>
+                                        <p:attrNameLst>
+                                          <p:attrName>style.visibility</p:attrName>
+                                        </p:attrNameLst>
+                                      </p:cBhvr>
+                                      <p:to>
+                                        <p:strVal val="visible"/>
+                                      </p:to>
+                                    </p:set>
+                                  </p:childTnLst>
+                                </p:cTn>
+                              </p:par>
+                            </p:childTnLst>
+                          </p:cTn>
+                        </p:par>
+                      </p:childTnLst>
+                    </p:cTn>
+                  </p:par>
+                  <p:par>
+                    <p:cTn id="23" fill="hold">
+                      <p:stCondLst>
+                        <p:cond delay="indefinite"/>
+                      </p:stCondLst>
+                      <p:childTnLst>
+                        <p:par>
+                          <p:cTn id="24" fill="hold">
+                            <p:stCondLst>
+                              <p:cond delay="0"/>
+                            </p:stCondLst>
+                            <p:childTnLst>
+                              <p:par>
+                                <p:cTn id="25" presetID="1" presetClass="entr" presetSubtype="0" fill="hold" nodeType="clickEffect">
+                                  <p:stCondLst>
+                                    <p:cond delay="0"/>
+                                  </p:stCondLst>
+                                  <p:childTnLst>
+                                    <p:set>
+                                      <p:cBhvr>
+                                        <p:cTn id="26" dur="1" fill="hold">
+                                          <p:stCondLst>
+                                            <p:cond delay="0"/>
+                                          </p:stCondLst>
+                                        </p:cTn>
+                                        <p:tgtEl>
+                                          <p:spTgt spid="100"/>
+                                        </p:tgtEl>
+                                        <p:attrNameLst>
+                                          <p:attrName>style.visibility</p:attrName>
+                                        </p:attrNameLst>
+                                      </p:cBhvr>
+                                      <p:to>
+                                        <p:strVal val="visible"/>
+                                      </p:to>
+                                    </p:set>
+                                  </p:childTnLst>
+                                </p:cTn>
+                              </p:par>
+                            </p:childTnLst>
+                          </p:cTn>
+                        </p:par>
+                      </p:childTnLst>
+                    </p:cTn>
+                  </p:par>
+                  <p:par>
+                    <p:cTn id="27" fill="hold">
+                      <p:stCondLst>
+                        <p:cond delay="indefinite"/>
+                      </p:stCondLst>
+                      <p:childTnLst>
+                        <p:par>
+                          <p:cTn id="28" fill="hold">
+                            <p:stCondLst>
+                              <p:cond delay="0"/>
+                            </p:stCondLst>
+                            <p:childTnLst>
+                              <p:par>
+                                <p:cTn id="29" presetID="1" presetClass="entr" presetSubtype="0" fill="hold" nodeType="clickEffect">
+                                  <p:stCondLst>
+                                    <p:cond delay="0"/>
+                                  </p:stCondLst>
+                                  <p:childTnLst>
+                                    <p:set>
+                                      <p:cBhvr>
+                                        <p:cTn id="30" dur="1" fill="hold">
+                                          <p:stCondLst>
+                                            <p:cond delay="0"/>
+                                          </p:stCondLst>
+                                        </p:cTn>
+                                        <p:tgtEl>
+                                          <p:spTgt spid="101"/>
+                                        </p:tgtEl>
+                                        <p:attrNameLst>
+                                          <p:attrName>style.visibility</p:attrName>
+                                        </p:attrNameLst>
+                                      </p:cBhvr>
+                                      <p:to>
+                                        <p:strVal val="visible"/>
+                                      </p:to>
+                                    </p:set>
+                                  </p:childTnLst>
+                                </p:cTn>
+                              </p:par>
+                            </p:childTnLst>
+                          </p:cTn>
+                        </p:par>
+                      </p:childTnLst>
+                    </p:cTn>
+                  </p:par>
+                  <p:par>
+                    <p:cTn id="31" fill="hold">
+                      <p:stCondLst>
+                        <p:cond delay="indefinite"/>
+                      </p:stCondLst>
+                      <p:childTnLst>
+                        <p:par>
+                          <p:cTn id="32" fill="hold">
+                            <p:stCondLst>
+                              <p:cond delay="0"/>
+                            </p:stCondLst>
+                            <p:childTnLst>
+                              <p:par>
+                                <p:cTn id="33" presetID="1" presetClass="entr" presetSubtype="0" fill="hold" nodeType="clickEffect">
+                                  <p:stCondLst>
+                                    <p:cond delay="0"/>
+                                  </p:stCondLst>
+                                  <p:childTnLst>
+                                    <p:set>
+                                      <p:cBhvr>
+                                        <p:cTn id="34" dur="1" fill="hold">
+                                          <p:stCondLst>
+                                            <p:cond delay="0"/>
+                                          </p:stCondLst>
+                                        </p:cTn>
+                                        <p:tgtEl>
+                                          <p:spTgt spid="102"/>
+                                        </p:tgtEl>
+                                        <p:attrNameLst>
+                                          <p:attrName>style.visibility</p:attrName>
+                                        </p:attrNameLst>
+                                      </p:cBhvr>
+                                      <p:to>
+                                        <p:strVal val="visible"/>
+                                      </p:to>
+                                    </p:set>
+                                  </p:childTnLst>
+                                </p:cTn>
+                              </p:par>
+                              <p:par>
+                                <p:cTn id="35" presetID="1" presetClass="entr" presetSubtype="0" fill="hold" nodeType="withEffect">
+                                  <p:stCondLst>
+                                    <p:cond delay="0"/>
+                                  </p:stCondLst>
+                                  <p:childTnLst>
+                                    <p:set>
+                                      <p:cBhvr>
+                                        <p:cTn id="36" dur="1" fill="hold">
+                                          <p:stCondLst>
+                                            <p:cond delay="0"/>
+                                          </p:stCondLst>
+                                        </p:cTn>
+                                        <p:tgtEl>
+                                          <p:spTgt spid="103"/>
+                                        </p:tgtEl>
+                                        <p:attrNameLst>
+                                          <p:attrName>style.visibility</p:attrName>
+                                        </p:attrNameLst>
+                                      </p:cBhvr>
+                                      <p:to>
+                                        <p:strVal val="visible"/>
+                                      </p:to>
+                                    </p:set>
+                                  </p:childTnLst>
+                                </p:cTn>
+                              </p:par>
+                            </p:childTnLst>
+                          </p:cTn>
+                        </p:par>
+                      </p:childTnLst>
+                    </p:cTn>
+                  </p:par>
+                  <p:par>
+                    <p:cTn id="37" fill="hold">
+                      <p:stCondLst>
+                        <p:cond delay="indefinite"/>
+                      </p:stCondLst>
+                      <p:childTnLst>
+                        <p:par>
+                          <p:cTn id="38" fill="hold">
+                            <p:stCondLst>
+                              <p:cond delay="0"/>
+                            </p:stCondLst>
+                            <p:childTnLst>
+                              <p:par>
+                                <p:cTn id="39" presetID="1" presetClass="entr" presetSubtype="0" fill="hold" nodeType="clickEffect">
+                                  <p:stCondLst>
+                                    <p:cond delay="0"/>
+                                  </p:stCondLst>
+                                  <p:childTnLst>
+                                    <p:set>
+                                      <p:cBhvr>
+                                        <p:cTn id="40" dur="1" fill="hold">
+                                          <p:stCondLst>
+                                            <p:cond delay="0"/>
+                                          </p:stCondLst>
+                                        </p:cTn>
+                                        <p:tgtEl>
+                                          <p:spTgt spid="107"/>
+                                        </p:tgtEl>
+                                        <p:attrNameLst>
+                                          <p:attrName>style.visibility</p:attrName>
+                                        </p:attrNameLst>
+                                      </p:cBhvr>
+                                      <p:to>
+                                        <p:strVal val="visible"/>
+                                      </p:to>
+                                    </p:set>
+                                  </p:childTnLst>
+                                </p:cTn>
+                              </p:par>
+                              <p:par>
+                                <p:cTn id="41" presetID="1" presetClass="entr" presetSubtype="0" fill="hold" grpId="0" nodeType="withEffect">
+                                  <p:stCondLst>
+                                    <p:cond delay="0"/>
+                                  </p:stCondLst>
+                                  <p:childTnLst>
+                                    <p:set>
+                                      <p:cBhvr>
+                                        <p:cTn id="42" dur="1" fill="hold">
+                                          <p:stCondLst>
+                                            <p:cond delay="0"/>
+                                          </p:stCondLst>
+                                        </p:cTn>
+                                        <p:tgtEl>
+                                          <p:spTgt spid="108"/>
+                                        </p:tgtEl>
+                                        <p:attrNameLst>
+                                          <p:attrName>style.visibility</p:attrName>
+                                        </p:attrNameLst>
+                                      </p:cBhvr>
+                                      <p:to>
+                                        <p:strVal val="visible"/>
+                                      </p:to>
+                                    </p:set>
+                                  </p:childTnLst>
+                                </p:cTn>
+                              </p:par>
+                            </p:childTnLst>
+                          </p:cTn>
+                        </p:par>
+                      </p:childTnLst>
+                    </p:cTn>
+                  </p:par>
+                  <p:par>
+                    <p:cTn id="43" fill="hold">
+                      <p:stCondLst>
+                        <p:cond delay="indefinite"/>
+                      </p:stCondLst>
+                      <p:childTnLst>
+                        <p:par>
+                          <p:cTn id="44" fill="hold">
+                            <p:stCondLst>
+                              <p:cond delay="0"/>
+                            </p:stCondLst>
+                            <p:childTnLst>
+                              <p:par>
+                                <p:cTn id="45" presetID="1" presetClass="entr" presetSubtype="0" fill="hold" nodeType="clickEffect">
+                                  <p:stCondLst>
+                                    <p:cond delay="0"/>
+                                  </p:stCondLst>
+                                  <p:childTnLst>
+                                    <p:set>
+                                      <p:cBhvr>
+                                        <p:cTn id="46" dur="1" fill="hold">
+                                          <p:stCondLst>
+                                            <p:cond delay="0"/>
+                                          </p:stCondLst>
+                                        </p:cTn>
+                                        <p:tgtEl>
+                                          <p:spTgt spid="113"/>
+                                        </p:tgtEl>
+                                        <p:attrNameLst>
+                                          <p:attrName>style.visibility</p:attrName>
+                                        </p:attrNameLst>
+                                      </p:cBhvr>
+                                      <p:to>
+                                        <p:strVal val="visible"/>
+                                      </p:to>
+                                    </p:set>
+                                  </p:childTnLst>
+                                </p:cTn>
+                              </p:par>
+                              <p:par>
+                                <p:cTn id="47" presetID="1" presetClass="entr" presetSubtype="0" fill="hold" nodeType="withEffect">
+                                  <p:stCondLst>
+                                    <p:cond delay="0"/>
+                                  </p:stCondLst>
+                                  <p:childTnLst>
+                                    <p:set>
+                                      <p:cBhvr>
+                                        <p:cTn id="48" dur="1" fill="hold">
+                                          <p:stCondLst>
+                                            <p:cond delay="0"/>
+                                          </p:stCondLst>
+                                        </p:cTn>
+                                        <p:tgtEl>
+                                          <p:spTgt spid="115"/>
+                                        </p:tgtEl>
+                                        <p:attrNameLst>
+                                          <p:attrName>style.visibility</p:attrName>
+                                        </p:attrNameLst>
+                                      </p:cBhvr>
+                                      <p:to>
+                                        <p:strVal val="visible"/>
+                                      </p:to>
+                                    </p:set>
+                                  </p:childTnLst>
+                                </p:cTn>
+                              </p:par>
+                              <p:par>
+                                <p:cTn id="49" presetID="1" presetClass="entr" presetSubtype="0" fill="hold" grpId="0" nodeType="withEffect">
+                                  <p:stCondLst>
+                                    <p:cond delay="0"/>
+                                  </p:stCondLst>
+                                  <p:childTnLst>
+                                    <p:set>
+                                      <p:cBhvr>
+                                        <p:cTn id="50" dur="1" fill="hold">
+                                          <p:stCondLst>
+                                            <p:cond delay="0"/>
+                                          </p:stCondLst>
+                                        </p:cTn>
+                                        <p:tgtEl>
+                                          <p:spTgt spid="116"/>
+                                        </p:tgtEl>
+                                        <p:attrNameLst>
+                                          <p:attrName>style.visibility</p:attrName>
+                                        </p:attrNameLst>
+                                      </p:cBhvr>
+                                      <p:to>
+                                        <p:strVal val="visible"/>
+                                      </p:to>
+                                    </p:set>
+                                  </p:childTnLst>
+                                </p:cTn>
+                              </p:par>
+                            </p:childTnLst>
+                          </p:cTn>
+                        </p:par>
+                      </p:childTnLst>
+                    </p:cTn>
+                  </p:par>
+                  <p:par>
+                    <p:cTn id="51" fill="hold">
+                      <p:stCondLst>
+                        <p:cond delay="indefinite"/>
+                      </p:stCondLst>
+                      <p:childTnLst>
+                        <p:par>
+                          <p:cTn id="52" fill="hold">
+                            <p:stCondLst>
+                              <p:cond delay="0"/>
+                            </p:stCondLst>
+                            <p:childTnLst>
+                              <p:par>
+                                <p:cTn id="53" presetID="1" presetClass="entr" presetSubtype="0" fill="hold" grpId="0" nodeType="clickEffect">
+                                  <p:stCondLst>
+                                    <p:cond delay="0"/>
+                                  </p:stCondLst>
+                                  <p:childTnLst>
+                                    <p:set>
+                                      <p:cBhvr>
+                                        <p:cTn id="54" dur="1" fill="hold">
+                                          <p:stCondLst>
+                                            <p:cond delay="0"/>
+                                          </p:stCondLst>
+                                        </p:cTn>
+                                        <p:tgtEl>
+                                          <p:spTgt spid="117"/>
+                                        </p:tgtEl>
+                                        <p:attrNameLst>
+                                          <p:attrName>style.visibility</p:attrName>
+                                        </p:attrNameLst>
+                                      </p:cBhvr>
+                                      <p:to>
+                                        <p:strVal val="visible"/>
+                                      </p:to>
+                                    </p:set>
+                                  </p:childTnLst>
+                                </p:cTn>
+                              </p:par>
+                            </p:childTnLst>
+                          </p:cTn>
+                        </p:par>
+                      </p:childTnLst>
+                    </p:cTn>
+                  </p:par>
+                  <p:par>
+                    <p:cTn id="55" fill="hold">
+                      <p:stCondLst>
+                        <p:cond delay="indefinite"/>
+                      </p:stCondLst>
+                      <p:childTnLst>
+                        <p:par>
+                          <p:cTn id="56" fill="hold">
+                            <p:stCondLst>
+                              <p:cond delay="0"/>
+                            </p:stCondLst>
+                            <p:childTnLst>
+                              <p:par>
+                                <p:cTn id="57" presetID="1" presetClass="entr" presetSubtype="0" fill="hold" nodeType="clickEffect">
+                                  <p:stCondLst>
+                                    <p:cond delay="0"/>
+                                  </p:stCondLst>
+                                  <p:childTnLst>
+                                    <p:set>
+                                      <p:cBhvr>
+                                        <p:cTn id="58" dur="1" fill="hold">
+                                          <p:stCondLst>
+                                            <p:cond delay="0"/>
+                                          </p:stCondLst>
+                                        </p:cTn>
+                                        <p:tgtEl>
+                                          <p:spTgt spid="118"/>
+                                        </p:tgtEl>
+                                        <p:attrNameLst>
+                                          <p:attrName>style.visibility</p:attrName>
+                                        </p:attrNameLst>
+                                      </p:cBhvr>
+                                      <p:to>
+                                        <p:strVal val="visible"/>
+                                      </p:to>
+                                    </p:set>
+                                  </p:childTnLst>
+                                </p:cTn>
+                              </p:par>
+                            </p:childTnLst>
+                          </p:cTn>
+                        </p:par>
+                      </p:childTnLst>
+                    </p:cTn>
+                  </p:par>
+                  <p:par>
+                    <p:cTn id="59" fill="hold">
+                      <p:stCondLst>
+                        <p:cond delay="indefinite"/>
+                      </p:stCondLst>
+                      <p:childTnLst>
+                        <p:par>
+                          <p:cTn id="60" fill="hold">
+                            <p:stCondLst>
+                              <p:cond delay="0"/>
+                            </p:stCondLst>
+                            <p:childTnLst>
+                              <p:par>
+                                <p:cTn id="61" presetID="1" presetClass="entr" presetSubtype="0" fill="hold" nodeType="clickEffect">
+                                  <p:stCondLst>
+                                    <p:cond delay="0"/>
+                                  </p:stCondLst>
+                                  <p:childTnLst>
+                                    <p:set>
+                                      <p:cBhvr>
+                                        <p:cTn id="62" dur="1" fill="hold">
+                                          <p:stCondLst>
+                                            <p:cond delay="0"/>
+                                          </p:stCondLst>
+                                        </p:cTn>
+                                        <p:tgtEl>
+                                          <p:spTgt spid="120"/>
+                                        </p:tgtEl>
+                                        <p:attrNameLst>
+                                          <p:attrName>style.visibility</p:attrName>
+                                        </p:attrNameLst>
+                                      </p:cBhvr>
+                                      <p:to>
+                                        <p:strVal val="visible"/>
+                                      </p:to>
+                                    </p:set>
+                                  </p:childTnLst>
+                                </p:cTn>
+                              </p:par>
+                              <p:par>
+                                <p:cTn id="63" presetID="1" presetClass="entr" presetSubtype="0" fill="hold" grpId="0" nodeType="withEffect">
+                                  <p:stCondLst>
+                                    <p:cond delay="0"/>
+                                  </p:stCondLst>
+                                  <p:childTnLst>
+                                    <p:set>
+                                      <p:cBhvr>
+                                        <p:cTn id="64" dur="1" fill="hold">
+                                          <p:stCondLst>
+                                            <p:cond delay="0"/>
+                                          </p:stCondLst>
+                                        </p:cTn>
+                                        <p:tgtEl>
+                                          <p:spTgt spid="121"/>
+                                        </p:tgtEl>
+                                        <p:attrNameLst>
+                                          <p:attrName>style.visibility</p:attrName>
+                                        </p:attrNameLst>
+                                      </p:cBhvr>
+                                      <p:to>
+                                        <p:strVal val="visible"/>
+                                      </p:to>
+                                    </p:set>
+                                  </p:childTnLst>
+                                </p:cTn>
+                              </p:par>
+                            </p:childTnLst>
+                          </p:cTn>
+                        </p:par>
+                      </p:childTnLst>
+                    </p:cTn>
+                  </p:par>
+                  <p:par>
+                    <p:cTn id="65" fill="hold">
+                      <p:stCondLst>
+                        <p:cond delay="indefinite"/>
+                      </p:stCondLst>
+                      <p:childTnLst>
+                        <p:par>
+                          <p:cTn id="66" fill="hold">
+                            <p:stCondLst>
+                              <p:cond delay="0"/>
+                            </p:stCondLst>
+                            <p:childTnLst>
+                              <p:par>
+                                <p:cTn id="67" presetID="1" presetClass="entr" presetSubtype="0" fill="hold" nodeType="clickEffect">
+                                  <p:stCondLst>
+                                    <p:cond delay="0"/>
+                                  </p:stCondLst>
+                                  <p:childTnLst>
+                                    <p:set>
+                                      <p:cBhvr>
+                                        <p:cTn id="68" dur="1" fill="hold">
+                                          <p:stCondLst>
+                                            <p:cond delay="0"/>
+                                          </p:stCondLst>
+                                        </p:cTn>
+                                        <p:tgtEl>
+                                          <p:spTgt spid="122"/>
+                                        </p:tgtEl>
+                                        <p:attrNameLst>
+                                          <p:attrName>style.visibility</p:attrName>
+                                        </p:attrNameLst>
+                                      </p:cBhvr>
+                                      <p:to>
+                                        <p:strVal val="visible"/>
+                                      </p:to>
+                                    </p:set>
+                                  </p:childTnLst>
+                                </p:cTn>
+                              </p:par>
+                              <p:par>
+                                <p:cTn id="69" presetID="1" presetClass="entr" presetSubtype="0" fill="hold" grpId="0" nodeType="withEffect">
+                                  <p:stCondLst>
+                                    <p:cond delay="0"/>
+                                  </p:stCondLst>
+                                  <p:childTnLst>
+                                    <p:set>
+                                      <p:cBhvr>
+                                        <p:cTn id="70" dur="1" fill="hold">
+                                          <p:stCondLst>
+                                            <p:cond delay="0"/>
+                                          </p:stCondLst>
+                                        </p:cTn>
+                                        <p:tgtEl>
+                                          <p:spTgt spid="123"/>
+                                        </p:tgtEl>
+                                        <p:attrNameLst>
+                                          <p:attrName>style.visibility</p:attrName>
+                                        </p:attrNameLst>
+                                      </p:cBhvr>
+                                      <p:to>
+                                        <p:strVal val="visible"/>
+                                      </p:to>
+                                    </p:set>
+                                  </p:childTnLst>
+                                </p:cTn>
+                              </p:par>
+                              <p:par>
+                                <p:cTn id="71" presetID="1" presetClass="entr" presetSubtype="0" fill="hold" nodeType="withEffect">
+                                  <p:stCondLst>
+                                    <p:cond delay="0"/>
+                                  </p:stCondLst>
+                                  <p:childTnLst>
+                                    <p:set>
+                                      <p:cBhvr>
+                                        <p:cTn id="72" dur="1" fill="hold">
+                                          <p:stCondLst>
+                                            <p:cond delay="0"/>
+                                          </p:stCondLst>
+                                        </p:cTn>
+                                        <p:tgtEl>
+                                          <p:spTgt spid="124"/>
+                                        </p:tgtEl>
+                                        <p:attrNameLst>
+                                          <p:attrName>style.visibility</p:attrName>
+                                        </p:attrNameLst>
+                                      </p:cBhvr>
+                                      <p:to>
+                                        <p:strVal val="visible"/>
+                                      </p:to>
+                                    </p:set>
+                                  </p:childTnLst>
+                                </p:cTn>
+                              </p:par>
+                            </p:childTnLst>
+                          </p:cTn>
+                        </p:par>
+                      </p:childTnLst>
+                    </p:cTn>
+                  </p:par>
+                  <p:par>
+                    <p:cTn id="73" fill="hold">
+                      <p:stCondLst>
+                        <p:cond delay="indefinite"/>
+                      </p:stCondLst>
+                      <p:childTnLst>
+                        <p:par>
+                          <p:cTn id="74" fill="hold">
+                            <p:stCondLst>
+                              <p:cond delay="0"/>
+                            </p:stCondLst>
+                            <p:childTnLst>
+                              <p:par>
+                                <p:cTn id="75" presetID="1" presetClass="entr" presetSubtype="0" fill="hold" nodeType="clickEffect">
+                                  <p:stCondLst>
+                                    <p:cond delay="0"/>
+                                  </p:stCondLst>
+                                  <p:childTnLst>
+                                    <p:set>
+                                      <p:cBhvr>
+                                        <p:cTn id="76" dur="1" fill="hold">
+                                          <p:stCondLst>
+                                            <p:cond delay="0"/>
+                                          </p:stCondLst>
+                                        </p:cTn>
+                                        <p:tgtEl>
+                                          <p:spTgt spid="126"/>
+                                        </p:tgtEl>
+                                        <p:attrNameLst>
+                                          <p:attrName>style.visibility</p:attrName>
+                                        </p:attrNameLst>
+                                      </p:cBhvr>
+                                      <p:to>
+                                        <p:strVal val="visible"/>
+                                      </p:to>
+                                    </p:set>
+                                  </p:childTnLst>
+                                </p:cTn>
+                              </p:par>
+                            </p:childTnLst>
+                          </p:cTn>
+                        </p:par>
+                      </p:childTnLst>
+                    </p:cTn>
+                  </p:par>
+                  <p:par>
+                    <p:cTn id="77" fill="hold">
+                      <p:stCondLst>
+                        <p:cond delay="indefinite"/>
+                      </p:stCondLst>
+                      <p:childTnLst>
+                        <p:par>
+                          <p:cTn id="78" fill="hold">
+                            <p:stCondLst>
+                              <p:cond delay="0"/>
+                            </p:stCondLst>
+                            <p:childTnLst>
+                              <p:par>
+                                <p:cTn id="79" presetID="1" presetClass="entr" presetSubtype="0" fill="hold" nodeType="clickEffect">
+                                  <p:stCondLst>
+                                    <p:cond delay="0"/>
+                                  </p:stCondLst>
+                                  <p:childTnLst>
+                                    <p:set>
+                                      <p:cBhvr>
+                                        <p:cTn id="80" dur="1" fill="hold">
+                                          <p:stCondLst>
+                                            <p:cond delay="0"/>
+                                          </p:stCondLst>
+                                        </p:cTn>
+                                        <p:tgtEl>
+                                          <p:spTgt spid="128"/>
+                                        </p:tgtEl>
+                                        <p:attrNameLst>
+                                          <p:attrName>style.visibility</p:attrName>
+                                        </p:attrNameLst>
+                                      </p:cBhvr>
+                                      <p:to>
+                                        <p:strVal val="visible"/>
+                                      </p:to>
+                                    </p:set>
+                                  </p:childTnLst>
+                                </p:cTn>
+                              </p:par>
+                              <p:par>
+                                <p:cTn id="81" presetID="1" presetClass="entr" presetSubtype="0" fill="hold" grpId="0" nodeType="withEffect">
+                                  <p:stCondLst>
+                                    <p:cond delay="0"/>
+                                  </p:stCondLst>
+                                  <p:childTnLst>
+                                    <p:set>
+                                      <p:cBhvr>
+                                        <p:cTn id="82" dur="1" fill="hold">
+                                          <p:stCondLst>
+                                            <p:cond delay="0"/>
+                                          </p:stCondLst>
+                                        </p:cTn>
+                                        <p:tgtEl>
+                                          <p:spTgt spid="129"/>
+                                        </p:tgtEl>
+                                        <p:attrNameLst>
+                                          <p:attrName>style.visibility</p:attrName>
+                                        </p:attrNameLst>
+                                      </p:cBhvr>
+                                      <p:to>
+                                        <p:strVal val="visible"/>
+                                      </p:to>
+                                    </p:set>
+                                  </p:childTnLst>
+                                </p:cTn>
+                              </p:par>
+                            </p:childTnLst>
+                          </p:cTn>
+                        </p:par>
+                      </p:childTnLst>
+                    </p:cTn>
+                  </p:par>
+                  <p:par>
+                    <p:cTn id="83" fill="hold">
+                      <p:stCondLst>
+                        <p:cond delay="indefinite"/>
+                      </p:stCondLst>
+                      <p:childTnLst>
+                        <p:par>
+                          <p:cTn id="84" fill="hold">
+                            <p:stCondLst>
+                              <p:cond delay="0"/>
+                            </p:stCondLst>
+                            <p:childTnLst>
+                              <p:par>
+                                <p:cTn id="85" presetID="1" presetClass="entr" presetSubtype="0" fill="hold" nodeType="clickEffect">
+                                  <p:stCondLst>
+                                    <p:cond delay="0"/>
+                                  </p:stCondLst>
+                                  <p:childTnLst>
+                                    <p:set>
+                                      <p:cBhvr>
+                                        <p:cTn id="86" dur="1" fill="hold">
+                                          <p:stCondLst>
+                                            <p:cond delay="0"/>
+                                          </p:stCondLst>
+                                        </p:cTn>
+                                        <p:tgtEl>
+                                          <p:spTgt spid="130"/>
+                                        </p:tgtEl>
+                                        <p:attrNameLst>
+                                          <p:attrName>style.visibility</p:attrName>
+                                        </p:attrNameLst>
+                                      </p:cBhvr>
+                                      <p:to>
+                                        <p:strVal val="visible"/>
+                                      </p:to>
+                                    </p:set>
+                                  </p:childTnLst>
+                                </p:cTn>
+                              </p:par>
+                            </p:childTnLst>
+                          </p:cTn>
+                        </p:par>
+                      </p:childTnLst>
+                    </p:cTn>
+                  </p:par>
+                </p:childTnLst>
+              </p:cTn>
+              <p:prevCondLst>
+                <p:cond evt="onPrev" delay="0">
+                  <p:tgtEl>
+                    <p:sldTgt/>
+                  </p:tgtEl>
+                </p:cond>
+              </p:prevCondLst>
+              <p:nextCondLst>
+                <p:cond evt="onNext" delay="0">
+                  <p:tgtEl>
+                    <p:sldTgt/>
+                  </p:tgtEl>
+                </p:cond>
+              </p:nextCondLst>
+            </p:seq>
+          </p:childTnLst>
+        </p:cTn>
+      </p:par>
+    </p:tnLst>
+    <p:bldLst>
+      <p:bldP spid="95" grpId="0"/>
+      <p:bldP spid="96" grpId="0"/>
+      <p:bldP spid="98" grpId="0"/>
+      <p:bldP spid="99" grpId="0"/>
+      <p:bldP spid="108" grpId="0"/>
+      <p:bldP spid="116" grpId="0"/>
+      <p:bldP spid="117" grpId="0"/>
+      <p:bldP spid="121" grpId="0"/>
+      <p:bldP spid="123" grpId="0"/>
+      <p:bldP spid="129" grpId="0"/>
+    </p:bldLst>
+  </p:timing>
 </p:sld>
 </file>
 

--- a/github_workshop.pptx
+++ b/github_workshop.pptx
@@ -4,6 +4,9 @@
   <p:sldMasterIdLst>
     <p:sldMasterId id="2147483648" r:id="rId1"/>
   </p:sldMasterIdLst>
+  <p:notesMasterIdLst>
+    <p:notesMasterId r:id="rId12"/>
+  </p:notesMasterIdLst>
   <p:sldIdLst>
     <p:sldId id="257" r:id="rId2"/>
     <p:sldId id="264" r:id="rId3"/>
@@ -121,6 +124,439 @@
 </p:presentation>
 </file>
 
+<file path=ppt/notesMasters/notesMaster1.xml><?xml version="1.0" encoding="utf-8"?>
+<p:notesMaster xmlns:a="http://schemas.openxmlformats.org/drawingml/2006/main" xmlns:r="http://schemas.openxmlformats.org/officeDocument/2006/relationships" xmlns:p="http://schemas.openxmlformats.org/presentationml/2006/main">
+  <p:cSld>
+    <p:bg>
+      <p:bgRef idx="1001">
+        <a:schemeClr val="bg1"/>
+      </p:bgRef>
+    </p:bg>
+    <p:spTree>
+      <p:nvGrpSpPr>
+        <p:cNvPr id="1" name=""/>
+        <p:cNvGrpSpPr/>
+        <p:nvPr/>
+      </p:nvGrpSpPr>
+      <p:grpSpPr>
+        <a:xfrm>
+          <a:off x="0" y="0"/>
+          <a:ext cx="0" cy="0"/>
+          <a:chOff x="0" y="0"/>
+          <a:chExt cx="0" cy="0"/>
+        </a:xfrm>
+      </p:grpSpPr>
+      <p:sp>
+        <p:nvSpPr>
+          <p:cNvPr id="2" name="Kopfzeilenplatzhalter 1"/>
+          <p:cNvSpPr>
+            <a:spLocks noGrp="1"/>
+          </p:cNvSpPr>
+          <p:nvPr>
+            <p:ph type="hdr" sz="quarter"/>
+          </p:nvPr>
+        </p:nvSpPr>
+        <p:spPr>
+          <a:xfrm>
+            <a:off x="0" y="0"/>
+            <a:ext cx="2971800" cy="458788"/>
+          </a:xfrm>
+          <a:prstGeom prst="rect">
+            <a:avLst/>
+          </a:prstGeom>
+        </p:spPr>
+        <p:txBody>
+          <a:bodyPr vert="horz" lIns="91440" tIns="45720" rIns="91440" bIns="45720" rtlCol="0"/>
+          <a:lstStyle>
+            <a:lvl1pPr algn="l">
+              <a:defRPr sz="1200"/>
+            </a:lvl1pPr>
+          </a:lstStyle>
+          <a:p>
+            <a:endParaRPr lang="de-DE"/>
+          </a:p>
+        </p:txBody>
+      </p:sp>
+      <p:sp>
+        <p:nvSpPr>
+          <p:cNvPr id="3" name="Datumsplatzhalter 2"/>
+          <p:cNvSpPr>
+            <a:spLocks noGrp="1"/>
+          </p:cNvSpPr>
+          <p:nvPr>
+            <p:ph type="dt" idx="1"/>
+          </p:nvPr>
+        </p:nvSpPr>
+        <p:spPr>
+          <a:xfrm>
+            <a:off x="3884613" y="0"/>
+            <a:ext cx="2971800" cy="458788"/>
+          </a:xfrm>
+          <a:prstGeom prst="rect">
+            <a:avLst/>
+          </a:prstGeom>
+        </p:spPr>
+        <p:txBody>
+          <a:bodyPr vert="horz" lIns="91440" tIns="45720" rIns="91440" bIns="45720" rtlCol="0"/>
+          <a:lstStyle>
+            <a:lvl1pPr algn="r">
+              <a:defRPr sz="1200"/>
+            </a:lvl1pPr>
+          </a:lstStyle>
+          <a:p>
+            <a:fld id="{9A6DD0FE-0C6B-40BB-8C36-0FD4ED6CC328}" type="datetimeFigureOut">
+              <a:rPr lang="de-DE" smtClean="0"/>
+              <a:t>21.07.2022</a:t>
+            </a:fld>
+            <a:endParaRPr lang="de-DE"/>
+          </a:p>
+        </p:txBody>
+      </p:sp>
+      <p:sp>
+        <p:nvSpPr>
+          <p:cNvPr id="4" name="Folienbildplatzhalter 3"/>
+          <p:cNvSpPr>
+            <a:spLocks noGrp="1" noRot="1" noChangeAspect="1"/>
+          </p:cNvSpPr>
+          <p:nvPr>
+            <p:ph type="sldImg" idx="2"/>
+          </p:nvPr>
+        </p:nvSpPr>
+        <p:spPr>
+          <a:xfrm>
+            <a:off x="685800" y="1143000"/>
+            <a:ext cx="5486400" cy="3086100"/>
+          </a:xfrm>
+          <a:prstGeom prst="rect">
+            <a:avLst/>
+          </a:prstGeom>
+          <a:noFill/>
+          <a:ln w="12700">
+            <a:solidFill>
+              <a:prstClr val="black"/>
+            </a:solidFill>
+          </a:ln>
+        </p:spPr>
+        <p:txBody>
+          <a:bodyPr vert="horz" lIns="91440" tIns="45720" rIns="91440" bIns="45720" rtlCol="0" anchor="ctr"/>
+          <a:lstStyle/>
+          <a:p>
+            <a:endParaRPr lang="de-DE"/>
+          </a:p>
+        </p:txBody>
+      </p:sp>
+      <p:sp>
+        <p:nvSpPr>
+          <p:cNvPr id="5" name="Notizenplatzhalter 4"/>
+          <p:cNvSpPr>
+            <a:spLocks noGrp="1"/>
+          </p:cNvSpPr>
+          <p:nvPr>
+            <p:ph type="body" sz="quarter" idx="3"/>
+          </p:nvPr>
+        </p:nvSpPr>
+        <p:spPr>
+          <a:xfrm>
+            <a:off x="685800" y="4400550"/>
+            <a:ext cx="5486400" cy="3600450"/>
+          </a:xfrm>
+          <a:prstGeom prst="rect">
+            <a:avLst/>
+          </a:prstGeom>
+        </p:spPr>
+        <p:txBody>
+          <a:bodyPr vert="horz" lIns="91440" tIns="45720" rIns="91440" bIns="45720" rtlCol="0"/>
+          <a:lstStyle/>
+          <a:p>
+            <a:pPr lvl="0"/>
+            <a:r>
+              <a:rPr lang="de-DE"/>
+              <a:t>Mastertextformat bearbeiten</a:t>
+            </a:r>
+          </a:p>
+          <a:p>
+            <a:pPr lvl="1"/>
+            <a:r>
+              <a:rPr lang="de-DE"/>
+              <a:t>Zweite Ebene</a:t>
+            </a:r>
+          </a:p>
+          <a:p>
+            <a:pPr lvl="2"/>
+            <a:r>
+              <a:rPr lang="de-DE"/>
+              <a:t>Dritte Ebene</a:t>
+            </a:r>
+          </a:p>
+          <a:p>
+            <a:pPr lvl="3"/>
+            <a:r>
+              <a:rPr lang="de-DE"/>
+              <a:t>Vierte Ebene</a:t>
+            </a:r>
+          </a:p>
+          <a:p>
+            <a:pPr lvl="4"/>
+            <a:r>
+              <a:rPr lang="de-DE"/>
+              <a:t>Fünfte Ebene</a:t>
+            </a:r>
+          </a:p>
+        </p:txBody>
+      </p:sp>
+      <p:sp>
+        <p:nvSpPr>
+          <p:cNvPr id="6" name="Fußzeilenplatzhalter 5"/>
+          <p:cNvSpPr>
+            <a:spLocks noGrp="1"/>
+          </p:cNvSpPr>
+          <p:nvPr>
+            <p:ph type="ftr" sz="quarter" idx="4"/>
+          </p:nvPr>
+        </p:nvSpPr>
+        <p:spPr>
+          <a:xfrm>
+            <a:off x="0" y="8685213"/>
+            <a:ext cx="2971800" cy="458787"/>
+          </a:xfrm>
+          <a:prstGeom prst="rect">
+            <a:avLst/>
+          </a:prstGeom>
+        </p:spPr>
+        <p:txBody>
+          <a:bodyPr vert="horz" lIns="91440" tIns="45720" rIns="91440" bIns="45720" rtlCol="0" anchor="b"/>
+          <a:lstStyle>
+            <a:lvl1pPr algn="l">
+              <a:defRPr sz="1200"/>
+            </a:lvl1pPr>
+          </a:lstStyle>
+          <a:p>
+            <a:endParaRPr lang="de-DE"/>
+          </a:p>
+        </p:txBody>
+      </p:sp>
+      <p:sp>
+        <p:nvSpPr>
+          <p:cNvPr id="7" name="Foliennummernplatzhalter 6"/>
+          <p:cNvSpPr>
+            <a:spLocks noGrp="1"/>
+          </p:cNvSpPr>
+          <p:nvPr>
+            <p:ph type="sldNum" sz="quarter" idx="5"/>
+          </p:nvPr>
+        </p:nvSpPr>
+        <p:spPr>
+          <a:xfrm>
+            <a:off x="3884613" y="8685213"/>
+            <a:ext cx="2971800" cy="458787"/>
+          </a:xfrm>
+          <a:prstGeom prst="rect">
+            <a:avLst/>
+          </a:prstGeom>
+        </p:spPr>
+        <p:txBody>
+          <a:bodyPr vert="horz" lIns="91440" tIns="45720" rIns="91440" bIns="45720" rtlCol="0" anchor="b"/>
+          <a:lstStyle>
+            <a:lvl1pPr algn="r">
+              <a:defRPr sz="1200"/>
+            </a:lvl1pPr>
+          </a:lstStyle>
+          <a:p>
+            <a:fld id="{6C635916-EC5C-476D-B4D6-E382C31CB131}" type="slidenum">
+              <a:rPr lang="de-DE" smtClean="0"/>
+              <a:t>‹Nr.›</a:t>
+            </a:fld>
+            <a:endParaRPr lang="de-DE"/>
+          </a:p>
+        </p:txBody>
+      </p:sp>
+    </p:spTree>
+    <p:extLst>
+      <p:ext uri="{BB962C8B-B14F-4D97-AF65-F5344CB8AC3E}">
+        <p14:creationId xmlns:p14="http://schemas.microsoft.com/office/powerpoint/2010/main" val="3667611133"/>
+      </p:ext>
+    </p:extLst>
+  </p:cSld>
+  <p:clrMap bg1="lt1" tx1="dk1" bg2="lt2" tx2="dk2" accent1="accent1" accent2="accent2" accent3="accent3" accent4="accent4" accent5="accent5" accent6="accent6" hlink="hlink" folHlink="folHlink"/>
+  <p:notesStyle>
+    <a:lvl1pPr marL="0" algn="l" defTabSz="914400" rtl="0" eaLnBrk="1" latinLnBrk="0" hangingPunct="1">
+      <a:defRPr sz="1200" kern="1200">
+        <a:solidFill>
+          <a:schemeClr val="tx1"/>
+        </a:solidFill>
+        <a:latin typeface="+mn-lt"/>
+        <a:ea typeface="+mn-ea"/>
+        <a:cs typeface="+mn-cs"/>
+      </a:defRPr>
+    </a:lvl1pPr>
+    <a:lvl2pPr marL="457200" algn="l" defTabSz="914400" rtl="0" eaLnBrk="1" latinLnBrk="0" hangingPunct="1">
+      <a:defRPr sz="1200" kern="1200">
+        <a:solidFill>
+          <a:schemeClr val="tx1"/>
+        </a:solidFill>
+        <a:latin typeface="+mn-lt"/>
+        <a:ea typeface="+mn-ea"/>
+        <a:cs typeface="+mn-cs"/>
+      </a:defRPr>
+    </a:lvl2pPr>
+    <a:lvl3pPr marL="914400" algn="l" defTabSz="914400" rtl="0" eaLnBrk="1" latinLnBrk="0" hangingPunct="1">
+      <a:defRPr sz="1200" kern="1200">
+        <a:solidFill>
+          <a:schemeClr val="tx1"/>
+        </a:solidFill>
+        <a:latin typeface="+mn-lt"/>
+        <a:ea typeface="+mn-ea"/>
+        <a:cs typeface="+mn-cs"/>
+      </a:defRPr>
+    </a:lvl3pPr>
+    <a:lvl4pPr marL="1371600" algn="l" defTabSz="914400" rtl="0" eaLnBrk="1" latinLnBrk="0" hangingPunct="1">
+      <a:defRPr sz="1200" kern="1200">
+        <a:solidFill>
+          <a:schemeClr val="tx1"/>
+        </a:solidFill>
+        <a:latin typeface="+mn-lt"/>
+        <a:ea typeface="+mn-ea"/>
+        <a:cs typeface="+mn-cs"/>
+      </a:defRPr>
+    </a:lvl4pPr>
+    <a:lvl5pPr marL="1828800" algn="l" defTabSz="914400" rtl="0" eaLnBrk="1" latinLnBrk="0" hangingPunct="1">
+      <a:defRPr sz="1200" kern="1200">
+        <a:solidFill>
+          <a:schemeClr val="tx1"/>
+        </a:solidFill>
+        <a:latin typeface="+mn-lt"/>
+        <a:ea typeface="+mn-ea"/>
+        <a:cs typeface="+mn-cs"/>
+      </a:defRPr>
+    </a:lvl5pPr>
+    <a:lvl6pPr marL="2286000" algn="l" defTabSz="914400" rtl="0" eaLnBrk="1" latinLnBrk="0" hangingPunct="1">
+      <a:defRPr sz="1200" kern="1200">
+        <a:solidFill>
+          <a:schemeClr val="tx1"/>
+        </a:solidFill>
+        <a:latin typeface="+mn-lt"/>
+        <a:ea typeface="+mn-ea"/>
+        <a:cs typeface="+mn-cs"/>
+      </a:defRPr>
+    </a:lvl6pPr>
+    <a:lvl7pPr marL="2743200" algn="l" defTabSz="914400" rtl="0" eaLnBrk="1" latinLnBrk="0" hangingPunct="1">
+      <a:defRPr sz="1200" kern="1200">
+        <a:solidFill>
+          <a:schemeClr val="tx1"/>
+        </a:solidFill>
+        <a:latin typeface="+mn-lt"/>
+        <a:ea typeface="+mn-ea"/>
+        <a:cs typeface="+mn-cs"/>
+      </a:defRPr>
+    </a:lvl7pPr>
+    <a:lvl8pPr marL="3200400" algn="l" defTabSz="914400" rtl="0" eaLnBrk="1" latinLnBrk="0" hangingPunct="1">
+      <a:defRPr sz="1200" kern="1200">
+        <a:solidFill>
+          <a:schemeClr val="tx1"/>
+        </a:solidFill>
+        <a:latin typeface="+mn-lt"/>
+        <a:ea typeface="+mn-ea"/>
+        <a:cs typeface="+mn-cs"/>
+      </a:defRPr>
+    </a:lvl8pPr>
+    <a:lvl9pPr marL="3657600" algn="l" defTabSz="914400" rtl="0" eaLnBrk="1" latinLnBrk="0" hangingPunct="1">
+      <a:defRPr sz="1200" kern="1200">
+        <a:solidFill>
+          <a:schemeClr val="tx1"/>
+        </a:solidFill>
+        <a:latin typeface="+mn-lt"/>
+        <a:ea typeface="+mn-ea"/>
+        <a:cs typeface="+mn-cs"/>
+      </a:defRPr>
+    </a:lvl9pPr>
+  </p:notesStyle>
+</p:notesMaster>
+</file>
+
+<file path=ppt/notesSlides/notesSlide1.xml><?xml version="1.0" encoding="utf-8"?>
+<p:notes xmlns:a="http://schemas.openxmlformats.org/drawingml/2006/main" xmlns:r="http://schemas.openxmlformats.org/officeDocument/2006/relationships" xmlns:p="http://schemas.openxmlformats.org/presentationml/2006/main">
+  <p:cSld>
+    <p:spTree>
+      <p:nvGrpSpPr>
+        <p:cNvPr id="1" name=""/>
+        <p:cNvGrpSpPr/>
+        <p:nvPr/>
+      </p:nvGrpSpPr>
+      <p:grpSpPr>
+        <a:xfrm>
+          <a:off x="0" y="0"/>
+          <a:ext cx="0" cy="0"/>
+          <a:chOff x="0" y="0"/>
+          <a:chExt cx="0" cy="0"/>
+        </a:xfrm>
+      </p:grpSpPr>
+      <p:sp>
+        <p:nvSpPr>
+          <p:cNvPr id="2" name="Folienbildplatzhalter 1"/>
+          <p:cNvSpPr>
+            <a:spLocks noGrp="1" noRot="1" noChangeAspect="1"/>
+          </p:cNvSpPr>
+          <p:nvPr>
+            <p:ph type="sldImg"/>
+          </p:nvPr>
+        </p:nvSpPr>
+        <p:spPr/>
+      </p:sp>
+      <p:sp>
+        <p:nvSpPr>
+          <p:cNvPr id="3" name="Notizenplatzhalter 2"/>
+          <p:cNvSpPr>
+            <a:spLocks noGrp="1"/>
+          </p:cNvSpPr>
+          <p:nvPr>
+            <p:ph type="body" idx="1"/>
+          </p:nvPr>
+        </p:nvSpPr>
+        <p:spPr/>
+        <p:txBody>
+          <a:bodyPr/>
+          <a:lstStyle/>
+          <a:p>
+            <a:endParaRPr lang="de-DE" dirty="0"/>
+          </a:p>
+        </p:txBody>
+      </p:sp>
+      <p:sp>
+        <p:nvSpPr>
+          <p:cNvPr id="4" name="Foliennummernplatzhalter 3"/>
+          <p:cNvSpPr>
+            <a:spLocks noGrp="1"/>
+          </p:cNvSpPr>
+          <p:nvPr>
+            <p:ph type="sldNum" sz="quarter" idx="5"/>
+          </p:nvPr>
+        </p:nvSpPr>
+        <p:spPr/>
+        <p:txBody>
+          <a:bodyPr/>
+          <a:lstStyle/>
+          <a:p>
+            <a:fld id="{6C635916-EC5C-476D-B4D6-E382C31CB131}" type="slidenum">
+              <a:rPr lang="de-DE" smtClean="0"/>
+              <a:t>9</a:t>
+            </a:fld>
+            <a:endParaRPr lang="de-DE"/>
+          </a:p>
+        </p:txBody>
+      </p:sp>
+    </p:spTree>
+    <p:extLst>
+      <p:ext uri="{BB962C8B-B14F-4D97-AF65-F5344CB8AC3E}">
+        <p14:creationId xmlns:p14="http://schemas.microsoft.com/office/powerpoint/2010/main" val="1909658859"/>
+      </p:ext>
+    </p:extLst>
+  </p:cSld>
+  <p:clrMapOvr>
+    <a:masterClrMapping/>
+  </p:clrMapOvr>
+</p:notes>
+</file>
+
 <file path=ppt/slideLayouts/slideLayout1.xml><?xml version="1.0" encoding="utf-8"?>
 <p:sldLayout xmlns:a="http://schemas.openxmlformats.org/drawingml/2006/main" xmlns:r="http://schemas.openxmlformats.org/officeDocument/2006/relationships" xmlns:p="http://schemas.openxmlformats.org/presentationml/2006/main" type="title" preserve="1">
   <p:cSld name="Titelfolie">
@@ -268,7 +704,7 @@
           <a:p>
             <a:fld id="{B20B002A-08C6-4477-89A6-2518FA80013A}" type="datetimeFigureOut">
               <a:rPr lang="de-DE" smtClean="0"/>
-              <a:t>20.07.2022</a:t>
+              <a:t>21.07.2022</a:t>
             </a:fld>
             <a:endParaRPr lang="de-DE"/>
           </a:p>
@@ -466,7 +902,7 @@
           <a:p>
             <a:fld id="{B20B002A-08C6-4477-89A6-2518FA80013A}" type="datetimeFigureOut">
               <a:rPr lang="de-DE" smtClean="0"/>
-              <a:t>20.07.2022</a:t>
+              <a:t>21.07.2022</a:t>
             </a:fld>
             <a:endParaRPr lang="de-DE"/>
           </a:p>
@@ -674,7 +1110,7 @@
           <a:p>
             <a:fld id="{B20B002A-08C6-4477-89A6-2518FA80013A}" type="datetimeFigureOut">
               <a:rPr lang="de-DE" smtClean="0"/>
-              <a:t>20.07.2022</a:t>
+              <a:t>21.07.2022</a:t>
             </a:fld>
             <a:endParaRPr lang="de-DE"/>
           </a:p>
@@ -872,7 +1308,7 @@
           <a:p>
             <a:fld id="{B20B002A-08C6-4477-89A6-2518FA80013A}" type="datetimeFigureOut">
               <a:rPr lang="de-DE" smtClean="0"/>
-              <a:t>20.07.2022</a:t>
+              <a:t>21.07.2022</a:t>
             </a:fld>
             <a:endParaRPr lang="de-DE"/>
           </a:p>
@@ -1147,7 +1583,7 @@
           <a:p>
             <a:fld id="{B20B002A-08C6-4477-89A6-2518FA80013A}" type="datetimeFigureOut">
               <a:rPr lang="de-DE" smtClean="0"/>
-              <a:t>20.07.2022</a:t>
+              <a:t>21.07.2022</a:t>
             </a:fld>
             <a:endParaRPr lang="de-DE"/>
           </a:p>
@@ -1412,7 +1848,7 @@
           <a:p>
             <a:fld id="{B20B002A-08C6-4477-89A6-2518FA80013A}" type="datetimeFigureOut">
               <a:rPr lang="de-DE" smtClean="0"/>
-              <a:t>20.07.2022</a:t>
+              <a:t>21.07.2022</a:t>
             </a:fld>
             <a:endParaRPr lang="de-DE"/>
           </a:p>
@@ -1824,7 +2260,7 @@
           <a:p>
             <a:fld id="{B20B002A-08C6-4477-89A6-2518FA80013A}" type="datetimeFigureOut">
               <a:rPr lang="de-DE" smtClean="0"/>
-              <a:t>20.07.2022</a:t>
+              <a:t>21.07.2022</a:t>
             </a:fld>
             <a:endParaRPr lang="de-DE"/>
           </a:p>
@@ -1965,7 +2401,7 @@
           <a:p>
             <a:fld id="{B20B002A-08C6-4477-89A6-2518FA80013A}" type="datetimeFigureOut">
               <a:rPr lang="de-DE" smtClean="0"/>
-              <a:t>20.07.2022</a:t>
+              <a:t>21.07.2022</a:t>
             </a:fld>
             <a:endParaRPr lang="de-DE"/>
           </a:p>
@@ -2078,7 +2514,7 @@
           <a:p>
             <a:fld id="{B20B002A-08C6-4477-89A6-2518FA80013A}" type="datetimeFigureOut">
               <a:rPr lang="de-DE" smtClean="0"/>
-              <a:t>20.07.2022</a:t>
+              <a:t>21.07.2022</a:t>
             </a:fld>
             <a:endParaRPr lang="de-DE"/>
           </a:p>
@@ -2389,7 +2825,7 @@
           <a:p>
             <a:fld id="{B20B002A-08C6-4477-89A6-2518FA80013A}" type="datetimeFigureOut">
               <a:rPr lang="de-DE" smtClean="0"/>
-              <a:t>20.07.2022</a:t>
+              <a:t>21.07.2022</a:t>
             </a:fld>
             <a:endParaRPr lang="de-DE"/>
           </a:p>
@@ -2677,7 +3113,7 @@
           <a:p>
             <a:fld id="{B20B002A-08C6-4477-89A6-2518FA80013A}" type="datetimeFigureOut">
               <a:rPr lang="de-DE" smtClean="0"/>
-              <a:t>20.07.2022</a:t>
+              <a:t>21.07.2022</a:t>
             </a:fld>
             <a:endParaRPr lang="de-DE"/>
           </a:p>
@@ -2918,7 +3354,7 @@
           <a:p>
             <a:fld id="{B20B002A-08C6-4477-89A6-2518FA80013A}" type="datetimeFigureOut">
               <a:rPr lang="de-DE" smtClean="0"/>
-              <a:t>20.07.2022</a:t>
+              <a:t>21.07.2022</a:t>
             </a:fld>
             <a:endParaRPr lang="de-DE"/>
           </a:p>
@@ -3502,44 +3938,8 @@
         </p:blipFill>
         <p:spPr>
           <a:xfrm>
-            <a:off x="2224085" y="4476023"/>
+            <a:off x="2224087" y="2884967"/>
             <a:ext cx="7743825" cy="1819275"/>
-          </a:xfrm>
-          <a:prstGeom prst="rect">
-            <a:avLst/>
-          </a:prstGeom>
-        </p:spPr>
-      </p:pic>
-      <p:pic>
-        <p:nvPicPr>
-          <p:cNvPr id="4" name="Grafik 3">
-            <a:extLst>
-              <a:ext uri="{FF2B5EF4-FFF2-40B4-BE49-F238E27FC236}">
-                <a16:creationId xmlns:a16="http://schemas.microsoft.com/office/drawing/2014/main" id="{AD20252C-FB57-465A-ADDB-7E905D832B29}"/>
-              </a:ext>
-            </a:extLst>
-          </p:cNvPr>
-          <p:cNvPicPr>
-            <a:picLocks noChangeAspect="1"/>
-          </p:cNvPicPr>
-          <p:nvPr/>
-        </p:nvPicPr>
-        <p:blipFill>
-          <a:blip r:embed="rId3">
-            <a:extLst>
-              <a:ext uri="{28A0092B-C50C-407E-A947-70E740481C1C}">
-                <a14:useLocalDpi xmlns:a14="http://schemas.microsoft.com/office/drawing/2010/main" val="0"/>
-              </a:ext>
-            </a:extLst>
-          </a:blip>
-          <a:stretch>
-            <a:fillRect/>
-          </a:stretch>
-        </p:blipFill>
-        <p:spPr>
-          <a:xfrm>
-            <a:off x="5024434" y="1797803"/>
-            <a:ext cx="2143125" cy="2143125"/>
           </a:xfrm>
           <a:prstGeom prst="rect">
             <a:avLst/>
@@ -27635,7 +28035,7 @@
         </p:nvSpPr>
         <p:spPr>
           <a:xfrm>
-            <a:off x="4770408" y="275076"/>
+            <a:off x="5255040" y="284220"/>
             <a:ext cx="1826141" cy="6497629"/>
           </a:xfrm>
           <a:prstGeom prst="rect">
@@ -27690,7 +28090,7 @@
         </p:nvSpPr>
         <p:spPr>
           <a:xfrm>
-            <a:off x="4770408" y="6249485"/>
+            <a:off x="5255040" y="6258629"/>
             <a:ext cx="1826141" cy="523220"/>
           </a:xfrm>
           <a:prstGeom prst="rect">
@@ -27753,7 +28153,7 @@
         </p:nvSpPr>
         <p:spPr>
           <a:xfrm>
-            <a:off x="990902" y="275076"/>
+            <a:off x="1503626" y="255380"/>
             <a:ext cx="3292115" cy="5475805"/>
           </a:xfrm>
           <a:prstGeom prst="rect">
@@ -27796,10 +28196,10 @@
       </p:sp>
       <p:sp>
         <p:nvSpPr>
-          <p:cNvPr id="132" name="Rechteck 131">
-            <a:extLst>
-              <a:ext uri="{FF2B5EF4-FFF2-40B4-BE49-F238E27FC236}">
-                <a16:creationId xmlns:a16="http://schemas.microsoft.com/office/drawing/2014/main" id="{1E3E726C-F9DD-7C94-0EEB-5DC4ACD68CC7}"/>
+          <p:cNvPr id="114" name="Rechteck 113">
+            <a:extLst>
+              <a:ext uri="{FF2B5EF4-FFF2-40B4-BE49-F238E27FC236}">
+                <a16:creationId xmlns:a16="http://schemas.microsoft.com/office/drawing/2014/main" id="{40BCC730-A7E2-0C08-7103-D6CB0FECF1E0}"/>
               </a:ext>
             </a:extLst>
           </p:cNvPr>
@@ -27808,15 +28208,16 @@
         </p:nvSpPr>
         <p:spPr>
           <a:xfrm>
-            <a:off x="3223432" y="292933"/>
-            <a:ext cx="710227" cy="4704768"/>
+            <a:off x="1649043" y="302078"/>
+            <a:ext cx="917351" cy="2125474"/>
           </a:xfrm>
           <a:prstGeom prst="rect">
             <a:avLst/>
           </a:prstGeom>
           <a:solidFill>
             <a:schemeClr val="accent4">
-              <a:lumMod val="75000"/>
+              <a:lumMod val="60000"/>
+              <a:lumOff val="40000"/>
             </a:schemeClr>
           </a:solidFill>
           <a:ln>
@@ -27850,10 +28251,10 @@
       </p:sp>
       <p:sp>
         <p:nvSpPr>
-          <p:cNvPr id="131" name="Rechteck 130">
-            <a:extLst>
-              <a:ext uri="{FF2B5EF4-FFF2-40B4-BE49-F238E27FC236}">
-                <a16:creationId xmlns:a16="http://schemas.microsoft.com/office/drawing/2014/main" id="{90737A69-8E55-60CB-01B3-4AAD622E5F0F}"/>
+          <p:cNvPr id="132" name="Rechteck 131">
+            <a:extLst>
+              <a:ext uri="{FF2B5EF4-FFF2-40B4-BE49-F238E27FC236}">
+                <a16:creationId xmlns:a16="http://schemas.microsoft.com/office/drawing/2014/main" id="{1E3E726C-F9DD-7C94-0EEB-5DC4ACD68CC7}"/>
               </a:ext>
             </a:extLst>
           </p:cNvPr>
@@ -27862,16 +28263,15 @@
         </p:nvSpPr>
         <p:spPr>
           <a:xfrm>
-            <a:off x="2182385" y="296606"/>
-            <a:ext cx="917351" cy="4269433"/>
+            <a:off x="3708064" y="302077"/>
+            <a:ext cx="710227" cy="4704768"/>
           </a:xfrm>
           <a:prstGeom prst="rect">
             <a:avLst/>
           </a:prstGeom>
           <a:solidFill>
             <a:schemeClr val="accent4">
-              <a:lumMod val="60000"/>
-              <a:lumOff val="40000"/>
+              <a:lumMod val="75000"/>
             </a:schemeClr>
           </a:solidFill>
           <a:ln>
@@ -27905,10 +28305,10 @@
       </p:sp>
       <p:sp>
         <p:nvSpPr>
-          <p:cNvPr id="34" name="Rechteck 33">
-            <a:extLst>
-              <a:ext uri="{FF2B5EF4-FFF2-40B4-BE49-F238E27FC236}">
-                <a16:creationId xmlns:a16="http://schemas.microsoft.com/office/drawing/2014/main" id="{C4A67ECE-20BE-46ED-C754-8EEB478379F7}"/>
+          <p:cNvPr id="131" name="Rechteck 130">
+            <a:extLst>
+              <a:ext uri="{FF2B5EF4-FFF2-40B4-BE49-F238E27FC236}">
+                <a16:creationId xmlns:a16="http://schemas.microsoft.com/office/drawing/2014/main" id="{90737A69-8E55-60CB-01B3-4AAD622E5F0F}"/>
               </a:ext>
             </a:extLst>
           </p:cNvPr>
@@ -27917,16 +28317,16 @@
         </p:nvSpPr>
         <p:spPr>
           <a:xfrm>
-            <a:off x="1234424" y="275076"/>
-            <a:ext cx="824265" cy="1876929"/>
+            <a:off x="2667017" y="305750"/>
+            <a:ext cx="917351" cy="4269433"/>
           </a:xfrm>
           <a:prstGeom prst="rect">
             <a:avLst/>
           </a:prstGeom>
           <a:solidFill>
             <a:schemeClr val="accent4">
-              <a:lumMod val="40000"/>
-              <a:lumOff val="60000"/>
+              <a:lumMod val="60000"/>
+              <a:lumOff val="40000"/>
             </a:schemeClr>
           </a:solidFill>
           <a:ln>
@@ -27972,7 +28372,7 @@
         </p:nvSpPr>
         <p:spPr>
           <a:xfrm>
-            <a:off x="897147" y="5216822"/>
+            <a:off x="1381779" y="5225966"/>
             <a:ext cx="3385870" cy="523220"/>
           </a:xfrm>
           <a:prstGeom prst="rect">
@@ -28029,7 +28429,7 @@
         </p:nvCxnSpPr>
         <p:spPr>
           <a:xfrm flipV="1">
-            <a:off x="5715298" y="5502385"/>
+            <a:off x="6199930" y="5511529"/>
             <a:ext cx="0" cy="747100"/>
           </a:xfrm>
           <a:prstGeom prst="straightConnector1">
@@ -28070,7 +28470,7 @@
         </p:nvCxnSpPr>
         <p:spPr>
           <a:xfrm flipV="1">
-            <a:off x="5715298" y="4688626"/>
+            <a:off x="6199930" y="4697770"/>
             <a:ext cx="0" cy="747100"/>
           </a:xfrm>
           <a:prstGeom prst="straightConnector1">
@@ -28111,7 +28511,7 @@
         </p:nvCxnSpPr>
         <p:spPr>
           <a:xfrm flipH="1">
-            <a:off x="3519577" y="4551097"/>
+            <a:off x="4004209" y="4560241"/>
             <a:ext cx="2190730" cy="0"/>
           </a:xfrm>
           <a:prstGeom prst="straightConnector1">
@@ -28150,7 +28550,7 @@
         </p:nvSpPr>
         <p:spPr>
           <a:xfrm>
-            <a:off x="4266323" y="4582203"/>
+            <a:off x="5474356" y="4585385"/>
             <a:ext cx="415498" cy="261610"/>
           </a:xfrm>
           <a:prstGeom prst="rect">
@@ -28186,7 +28586,7 @@
         </p:nvSpPr>
         <p:spPr>
           <a:xfrm>
-            <a:off x="3215682" y="4689924"/>
+            <a:off x="3700314" y="4699068"/>
             <a:ext cx="703078" cy="307777"/>
           </a:xfrm>
           <a:prstGeom prst="rect">
@@ -28224,7 +28624,7 @@
         </p:nvCxnSpPr>
         <p:spPr>
           <a:xfrm flipH="1" flipV="1">
-            <a:off x="2579226" y="3864634"/>
+            <a:off x="3063858" y="3873778"/>
             <a:ext cx="896088" cy="594124"/>
           </a:xfrm>
           <a:prstGeom prst="straightConnector1">
@@ -28263,7 +28663,7 @@
         </p:nvSpPr>
         <p:spPr>
           <a:xfrm>
-            <a:off x="2225004" y="4002020"/>
+            <a:off x="2709636" y="4011164"/>
             <a:ext cx="836447" cy="523220"/>
           </a:xfrm>
           <a:prstGeom prst="rect">
@@ -28306,7 +28706,7 @@
         </p:nvSpPr>
         <p:spPr>
           <a:xfrm rot="2123970">
-            <a:off x="2883830" y="3882573"/>
+            <a:off x="3368462" y="3891717"/>
             <a:ext cx="610661" cy="261610"/>
           </a:xfrm>
           <a:prstGeom prst="rect">
@@ -28344,7 +28744,7 @@
         </p:nvCxnSpPr>
         <p:spPr>
           <a:xfrm flipV="1">
-            <a:off x="2600743" y="3080207"/>
+            <a:off x="3085375" y="3089351"/>
             <a:ext cx="0" cy="747100"/>
           </a:xfrm>
           <a:prstGeom prst="straightConnector1">
@@ -28385,7 +28785,7 @@
         </p:nvCxnSpPr>
         <p:spPr>
           <a:xfrm flipH="1" flipV="1">
-            <a:off x="2598128" y="2511373"/>
+            <a:off x="3082760" y="2520517"/>
             <a:ext cx="1480" cy="472766"/>
           </a:xfrm>
           <a:prstGeom prst="straightConnector1">
@@ -28426,7 +28826,7 @@
         </p:nvCxnSpPr>
         <p:spPr>
           <a:xfrm flipV="1">
-            <a:off x="2649587" y="2237039"/>
+            <a:off x="3134219" y="2246183"/>
             <a:ext cx="753680" cy="795134"/>
           </a:xfrm>
           <a:prstGeom prst="straightConnector1">
@@ -28467,7 +28867,7 @@
         </p:nvCxnSpPr>
         <p:spPr>
           <a:xfrm flipV="1">
-            <a:off x="3513818" y="2237039"/>
+            <a:off x="4027111" y="2246183"/>
             <a:ext cx="19196" cy="2221719"/>
           </a:xfrm>
           <a:prstGeom prst="straightConnector1">
@@ -28512,9 +28912,9 @@
           <p:nvPr/>
         </p:nvCxnSpPr>
         <p:spPr>
-          <a:xfrm>
-            <a:off x="3475314" y="2172844"/>
-            <a:ext cx="2234993" cy="1"/>
+          <a:xfrm flipV="1">
+            <a:off x="4034295" y="2181989"/>
+            <a:ext cx="2160644" cy="1701"/>
           </a:xfrm>
           <a:prstGeom prst="straightConnector1">
             <a:avLst/>
@@ -28552,7 +28952,7 @@
         </p:nvSpPr>
         <p:spPr>
           <a:xfrm>
-            <a:off x="3573856" y="1855535"/>
+            <a:off x="4084894" y="2240912"/>
             <a:ext cx="2207993" cy="261610"/>
           </a:xfrm>
           <a:prstGeom prst="rect">
@@ -28621,7 +29021,7 @@
         </p:nvCxnSpPr>
         <p:spPr>
           <a:xfrm flipV="1">
-            <a:off x="5710307" y="2346212"/>
+            <a:off x="6194939" y="2355356"/>
             <a:ext cx="0" cy="2112546"/>
           </a:xfrm>
           <a:prstGeom prst="straightConnector1">
@@ -28667,8 +29067,8 @@
         </p:nvCxnSpPr>
         <p:spPr>
           <a:xfrm flipH="1" flipV="1">
-            <a:off x="1684504" y="1463706"/>
-            <a:ext cx="1712919" cy="688299"/>
+            <a:off x="2195503" y="1819254"/>
+            <a:ext cx="1686552" cy="341895"/>
           </a:xfrm>
           <a:prstGeom prst="straightConnector1">
             <a:avLst/>
@@ -28706,7 +29106,7 @@
         </p:nvSpPr>
         <p:spPr>
           <a:xfrm>
-            <a:off x="1234424" y="1597497"/>
+            <a:off x="1744758" y="1909225"/>
             <a:ext cx="804644" cy="523220"/>
           </a:xfrm>
           <a:prstGeom prst="rect">
@@ -28748,8 +29148,8 @@
           <p:nvPr/>
         </p:nvSpPr>
         <p:spPr>
-          <a:xfrm rot="1272693">
-            <a:off x="2352819" y="1565316"/>
+          <a:xfrm rot="667760">
+            <a:off x="2262011" y="1637847"/>
             <a:ext cx="610661" cy="261610"/>
           </a:xfrm>
           <a:prstGeom prst="rect">
@@ -28787,48 +29187,7 @@
         </p:nvCxnSpPr>
         <p:spPr>
           <a:xfrm flipV="1">
-            <a:off x="1656752" y="1117958"/>
-            <a:ext cx="0" cy="282356"/>
-          </a:xfrm>
-          <a:prstGeom prst="straightConnector1">
-            <a:avLst/>
-          </a:prstGeom>
-          <a:ln>
-            <a:tailEnd type="triangle"/>
-          </a:ln>
-        </p:spPr>
-        <p:style>
-          <a:lnRef idx="3">
-            <a:schemeClr val="dk1"/>
-          </a:lnRef>
-          <a:fillRef idx="0">
-            <a:schemeClr val="dk1"/>
-          </a:fillRef>
-          <a:effectRef idx="2">
-            <a:schemeClr val="dk1"/>
-          </a:effectRef>
-          <a:fontRef idx="minor">
-            <a:schemeClr val="tx1"/>
-          </a:fontRef>
-        </p:style>
-      </p:cxnSp>
-      <p:cxnSp>
-        <p:nvCxnSpPr>
-          <p:cNvPr id="120" name="Gerade Verbindung mit Pfeil 119">
-            <a:extLst>
-              <a:ext uri="{FF2B5EF4-FFF2-40B4-BE49-F238E27FC236}">
-                <a16:creationId xmlns:a16="http://schemas.microsoft.com/office/drawing/2014/main" id="{924F242F-3680-381A-76BA-02F4897B448B}"/>
-              </a:ext>
-            </a:extLst>
-          </p:cNvPr>
-          <p:cNvCxnSpPr>
-            <a:cxnSpLocks/>
-          </p:cNvCxnSpPr>
-          <p:nvPr/>
-        </p:nvCxnSpPr>
-        <p:spPr>
-          <a:xfrm flipV="1">
-            <a:off x="1656770" y="770026"/>
+            <a:off x="2205833" y="1450502"/>
             <a:ext cx="0" cy="282356"/>
           </a:xfrm>
           <a:prstGeom prst="straightConnector1">
@@ -28867,7 +29226,7 @@
         </p:nvSpPr>
         <p:spPr>
           <a:xfrm rot="18827057">
-            <a:off x="2565604" y="2383551"/>
+            <a:off x="3050236" y="2392695"/>
             <a:ext cx="824265" cy="261610"/>
           </a:xfrm>
           <a:prstGeom prst="rect">
@@ -28894,10 +29253,10 @@
       </p:sp>
       <p:cxnSp>
         <p:nvCxnSpPr>
-          <p:cNvPr id="122" name="Gerade Verbindung mit Pfeil 121">
-            <a:extLst>
-              <a:ext uri="{FF2B5EF4-FFF2-40B4-BE49-F238E27FC236}">
-                <a16:creationId xmlns:a16="http://schemas.microsoft.com/office/drawing/2014/main" id="{B230DBD2-FE0C-7A77-B598-FC22C455F072}"/>
+          <p:cNvPr id="126" name="Gerade Verbindung mit Pfeil 125">
+            <a:extLst>
+              <a:ext uri="{FF2B5EF4-FFF2-40B4-BE49-F238E27FC236}">
+                <a16:creationId xmlns:a16="http://schemas.microsoft.com/office/drawing/2014/main" id="{960258D7-DB78-EBB0-0F21-CAB1569F2DE2}"/>
               </a:ext>
             </a:extLst>
           </p:cNvPr>
@@ -28907,9 +29266,9 @@
           <p:nvPr/>
         </p:nvCxnSpPr>
         <p:spPr>
-          <a:xfrm>
-            <a:off x="1691410" y="770026"/>
-            <a:ext cx="1761503" cy="9084"/>
+          <a:xfrm flipV="1">
+            <a:off x="9436578" y="662446"/>
+            <a:ext cx="0" cy="282356"/>
           </a:xfrm>
           <a:prstGeom prst="straightConnector1">
             <a:avLst/>
@@ -28935,10 +29294,65 @@
       </p:cxnSp>
       <p:sp>
         <p:nvSpPr>
-          <p:cNvPr id="123" name="Textfeld 122">
-            <a:extLst>
-              <a:ext uri="{FF2B5EF4-FFF2-40B4-BE49-F238E27FC236}">
-                <a16:creationId xmlns:a16="http://schemas.microsoft.com/office/drawing/2014/main" id="{D8D43088-854C-F10A-9046-891AB213BD62}"/>
+          <p:cNvPr id="38" name="Rechteck 37">
+            <a:extLst>
+              <a:ext uri="{FF2B5EF4-FFF2-40B4-BE49-F238E27FC236}">
+                <a16:creationId xmlns:a16="http://schemas.microsoft.com/office/drawing/2014/main" id="{B523431F-DA9F-B8ED-C160-6C9F0FF13280}"/>
+              </a:ext>
+            </a:extLst>
+          </p:cNvPr>
+          <p:cNvSpPr/>
+          <p:nvPr/>
+        </p:nvSpPr>
+        <p:spPr>
+          <a:xfrm>
+            <a:off x="7568573" y="295715"/>
+            <a:ext cx="2334379" cy="2462644"/>
+          </a:xfrm>
+          <a:prstGeom prst="rect">
+            <a:avLst/>
+          </a:prstGeom>
+          <a:solidFill>
+            <a:schemeClr val="accent6">
+              <a:lumMod val="20000"/>
+              <a:lumOff val="80000"/>
+            </a:schemeClr>
+          </a:solidFill>
+          <a:ln>
+            <a:noFill/>
+          </a:ln>
+        </p:spPr>
+        <p:style>
+          <a:lnRef idx="2">
+            <a:schemeClr val="accent1">
+              <a:shade val="50000"/>
+            </a:schemeClr>
+          </a:lnRef>
+          <a:fillRef idx="1">
+            <a:schemeClr val="accent1"/>
+          </a:fillRef>
+          <a:effectRef idx="0">
+            <a:schemeClr val="accent1"/>
+          </a:effectRef>
+          <a:fontRef idx="minor">
+            <a:schemeClr val="lt1"/>
+          </a:fontRef>
+        </p:style>
+        <p:txBody>
+          <a:bodyPr rtlCol="0" anchor="ctr"/>
+          <a:lstStyle/>
+          <a:p>
+            <a:pPr algn="ctr"/>
+            <a:endParaRPr lang="de-DE"/>
+          </a:p>
+        </p:txBody>
+      </p:sp>
+      <p:sp>
+        <p:nvSpPr>
+          <p:cNvPr id="39" name="Textfeld 38">
+            <a:extLst>
+              <a:ext uri="{FF2B5EF4-FFF2-40B4-BE49-F238E27FC236}">
+                <a16:creationId xmlns:a16="http://schemas.microsoft.com/office/drawing/2014/main" id="{5A20EF7C-38F3-6A2E-67DD-D5B32F6E9F8F}"/>
               </a:ext>
             </a:extLst>
           </p:cNvPr>
@@ -28946,9 +29360,171 @@
           <p:nvPr/>
         </p:nvSpPr>
         <p:spPr>
-          <a:xfrm rot="47949">
-            <a:off x="1650418" y="492747"/>
-            <a:ext cx="824265" cy="261610"/>
+          <a:xfrm>
+            <a:off x="7568572" y="2495383"/>
+            <a:ext cx="2334379" cy="292388"/>
+          </a:xfrm>
+          <a:prstGeom prst="rect">
+            <a:avLst/>
+          </a:prstGeom>
+          <a:solidFill>
+            <a:schemeClr val="bg1">
+              <a:lumMod val="65000"/>
+            </a:schemeClr>
+          </a:solidFill>
+        </p:spPr>
+        <p:txBody>
+          <a:bodyPr wrap="square" rtlCol="0">
+            <a:spAutoFit/>
+          </a:bodyPr>
+          <a:lstStyle/>
+          <a:p>
+            <a:pPr algn="ctr"/>
+            <a:r>
+              <a:rPr lang="de-DE" sz="1300" b="1" dirty="0"/>
+              <a:t>user2/</a:t>
+            </a:r>
+            <a:r>
+              <a:rPr lang="de-DE" sz="1200" b="1" dirty="0"/>
+              <a:t>buschlab-</a:t>
+            </a:r>
+            <a:r>
+              <a:rPr lang="de-DE" sz="1200" b="1" dirty="0" err="1"/>
+              <a:t>eeg</a:t>
+            </a:r>
+            <a:r>
+              <a:rPr lang="de-DE" sz="1200" b="1" dirty="0"/>
+              <a:t>-pipeline</a:t>
+            </a:r>
+          </a:p>
+        </p:txBody>
+      </p:sp>
+      <p:sp>
+        <p:nvSpPr>
+          <p:cNvPr id="40" name="Rechteck 39">
+            <a:extLst>
+              <a:ext uri="{FF2B5EF4-FFF2-40B4-BE49-F238E27FC236}">
+                <a16:creationId xmlns:a16="http://schemas.microsoft.com/office/drawing/2014/main" id="{75AA5DE0-E615-3387-DE45-BA5D7C8019C1}"/>
+              </a:ext>
+            </a:extLst>
+          </p:cNvPr>
+          <p:cNvSpPr/>
+          <p:nvPr/>
+        </p:nvSpPr>
+        <p:spPr>
+          <a:xfrm>
+            <a:off x="7793281" y="295715"/>
+            <a:ext cx="754861" cy="2089062"/>
+          </a:xfrm>
+          <a:prstGeom prst="rect">
+            <a:avLst/>
+          </a:prstGeom>
+          <a:solidFill>
+            <a:schemeClr val="accent6">
+              <a:lumMod val="60000"/>
+              <a:lumOff val="40000"/>
+            </a:schemeClr>
+          </a:solidFill>
+          <a:ln>
+            <a:noFill/>
+          </a:ln>
+        </p:spPr>
+        <p:style>
+          <a:lnRef idx="2">
+            <a:schemeClr val="accent1">
+              <a:shade val="50000"/>
+            </a:schemeClr>
+          </a:lnRef>
+          <a:fillRef idx="1">
+            <a:schemeClr val="accent1"/>
+          </a:fillRef>
+          <a:effectRef idx="0">
+            <a:schemeClr val="accent1"/>
+          </a:effectRef>
+          <a:fontRef idx="minor">
+            <a:schemeClr val="lt1"/>
+          </a:fontRef>
+        </p:style>
+        <p:txBody>
+          <a:bodyPr rtlCol="0" anchor="ctr"/>
+          <a:lstStyle/>
+          <a:p>
+            <a:pPr algn="ctr"/>
+            <a:endParaRPr lang="de-DE"/>
+          </a:p>
+        </p:txBody>
+      </p:sp>
+      <p:sp>
+        <p:nvSpPr>
+          <p:cNvPr id="41" name="Rechteck 40">
+            <a:extLst>
+              <a:ext uri="{FF2B5EF4-FFF2-40B4-BE49-F238E27FC236}">
+                <a16:creationId xmlns:a16="http://schemas.microsoft.com/office/drawing/2014/main" id="{7FC7DB8B-CFA1-2360-8971-A8AC39642CB8}"/>
+              </a:ext>
+            </a:extLst>
+          </p:cNvPr>
+          <p:cNvSpPr/>
+          <p:nvPr/>
+        </p:nvSpPr>
+        <p:spPr>
+          <a:xfrm>
+            <a:off x="8927066" y="283523"/>
+            <a:ext cx="754861" cy="1669742"/>
+          </a:xfrm>
+          <a:prstGeom prst="rect">
+            <a:avLst/>
+          </a:prstGeom>
+          <a:solidFill>
+            <a:schemeClr val="accent6">
+              <a:lumMod val="40000"/>
+              <a:lumOff val="60000"/>
+            </a:schemeClr>
+          </a:solidFill>
+          <a:ln>
+            <a:noFill/>
+          </a:ln>
+        </p:spPr>
+        <p:style>
+          <a:lnRef idx="2">
+            <a:schemeClr val="accent1">
+              <a:shade val="50000"/>
+            </a:schemeClr>
+          </a:lnRef>
+          <a:fillRef idx="1">
+            <a:schemeClr val="accent1"/>
+          </a:fillRef>
+          <a:effectRef idx="0">
+            <a:schemeClr val="accent1"/>
+          </a:effectRef>
+          <a:fontRef idx="minor">
+            <a:schemeClr val="lt1"/>
+          </a:fontRef>
+        </p:style>
+        <p:txBody>
+          <a:bodyPr rtlCol="0" anchor="ctr"/>
+          <a:lstStyle/>
+          <a:p>
+            <a:pPr algn="ctr"/>
+            <a:endParaRPr lang="de-DE"/>
+          </a:p>
+        </p:txBody>
+      </p:sp>
+      <p:sp>
+        <p:nvSpPr>
+          <p:cNvPr id="44" name="Textfeld 43">
+            <a:extLst>
+              <a:ext uri="{FF2B5EF4-FFF2-40B4-BE49-F238E27FC236}">
+                <a16:creationId xmlns:a16="http://schemas.microsoft.com/office/drawing/2014/main" id="{8DF8435A-55FC-26B6-54BE-65BC98A97083}"/>
+              </a:ext>
+            </a:extLst>
+          </p:cNvPr>
+          <p:cNvSpPr txBox="1"/>
+          <p:nvPr/>
+        </p:nvSpPr>
+        <p:spPr>
+          <a:xfrm>
+            <a:off x="7810959" y="2013403"/>
+            <a:ext cx="703078" cy="307777"/>
           </a:xfrm>
           <a:prstGeom prst="rect">
             <a:avLst/>
@@ -28962,22 +29538,54 @@
           <a:lstStyle/>
           <a:p>
             <a:r>
-              <a:rPr lang="de-DE" sz="1100" dirty="0" err="1"/>
-              <a:t>cherry</a:t>
-            </a:r>
-            <a:r>
-              <a:rPr lang="de-DE" sz="1100" dirty="0"/>
-              <a:t>-pick</a:t>
+              <a:rPr lang="de-DE" sz="1400" b="1" dirty="0" err="1"/>
+              <a:t>master</a:t>
+            </a:r>
+            <a:endParaRPr lang="de-DE" sz="1400" b="1" dirty="0"/>
+          </a:p>
+        </p:txBody>
+      </p:sp>
+      <p:sp>
+        <p:nvSpPr>
+          <p:cNvPr id="45" name="Textfeld 44">
+            <a:extLst>
+              <a:ext uri="{FF2B5EF4-FFF2-40B4-BE49-F238E27FC236}">
+                <a16:creationId xmlns:a16="http://schemas.microsoft.com/office/drawing/2014/main" id="{6B31FF29-A6E9-73FF-BEC8-D68610298488}"/>
+              </a:ext>
+            </a:extLst>
+          </p:cNvPr>
+          <p:cNvSpPr txBox="1"/>
+          <p:nvPr/>
+        </p:nvSpPr>
+        <p:spPr>
+          <a:xfrm>
+            <a:off x="8983866" y="1591680"/>
+            <a:ext cx="688907" cy="307777"/>
+          </a:xfrm>
+          <a:prstGeom prst="rect">
+            <a:avLst/>
+          </a:prstGeom>
+          <a:noFill/>
+        </p:spPr>
+        <p:txBody>
+          <a:bodyPr wrap="none" rtlCol="0">
+            <a:spAutoFit/>
+          </a:bodyPr>
+          <a:lstStyle/>
+          <a:p>
+            <a:r>
+              <a:rPr lang="de-DE" sz="1400" b="1" dirty="0"/>
+              <a:t>ROSA3</a:t>
             </a:r>
           </a:p>
         </p:txBody>
       </p:sp>
       <p:cxnSp>
         <p:nvCxnSpPr>
-          <p:cNvPr id="124" name="Gerade Verbindung mit Pfeil 123">
-            <a:extLst>
-              <a:ext uri="{FF2B5EF4-FFF2-40B4-BE49-F238E27FC236}">
-                <a16:creationId xmlns:a16="http://schemas.microsoft.com/office/drawing/2014/main" id="{EA43D08E-45EF-AD9E-1EE4-0FFBC8C6A0EF}"/>
+          <p:cNvPr id="46" name="Gerade Verbindung mit Pfeil 45">
+            <a:extLst>
+              <a:ext uri="{FF2B5EF4-FFF2-40B4-BE49-F238E27FC236}">
+                <a16:creationId xmlns:a16="http://schemas.microsoft.com/office/drawing/2014/main" id="{4E2E7406-38C2-615C-195B-5DD5FE1A13F4}"/>
               </a:ext>
             </a:extLst>
           </p:cNvPr>
@@ -28987,9 +29595,86 @@
           <p:nvPr/>
         </p:nvCxnSpPr>
         <p:spPr>
+          <a:xfrm flipH="1">
+            <a:off x="8338618" y="1051278"/>
+            <a:ext cx="869390" cy="0"/>
+          </a:xfrm>
+          <a:prstGeom prst="straightConnector1">
+            <a:avLst/>
+          </a:prstGeom>
+          <a:ln>
+            <a:tailEnd type="triangle"/>
+          </a:ln>
+        </p:spPr>
+        <p:style>
+          <a:lnRef idx="3">
+            <a:schemeClr val="dk1"/>
+          </a:lnRef>
+          <a:fillRef idx="0">
+            <a:schemeClr val="dk1"/>
+          </a:fillRef>
+          <a:effectRef idx="2">
+            <a:schemeClr val="dk1"/>
+          </a:effectRef>
+          <a:fontRef idx="minor">
+            <a:schemeClr val="tx1"/>
+          </a:fontRef>
+        </p:style>
+      </p:cxnSp>
+      <p:sp>
+        <p:nvSpPr>
+          <p:cNvPr id="47" name="Textfeld 46">
+            <a:extLst>
+              <a:ext uri="{FF2B5EF4-FFF2-40B4-BE49-F238E27FC236}">
+                <a16:creationId xmlns:a16="http://schemas.microsoft.com/office/drawing/2014/main" id="{DDAFA803-CB05-A604-CFF1-376298302C17}"/>
+              </a:ext>
+            </a:extLst>
+          </p:cNvPr>
+          <p:cNvSpPr txBox="1"/>
+          <p:nvPr/>
+        </p:nvSpPr>
+        <p:spPr>
+          <a:xfrm>
+            <a:off x="8482177" y="770575"/>
+            <a:ext cx="553357" cy="261610"/>
+          </a:xfrm>
+          <a:prstGeom prst="rect">
+            <a:avLst/>
+          </a:prstGeom>
+          <a:noFill/>
+        </p:spPr>
+        <p:txBody>
+          <a:bodyPr wrap="none" rtlCol="0">
+            <a:spAutoFit/>
+          </a:bodyPr>
+          <a:lstStyle/>
+          <a:p>
+            <a:r>
+              <a:rPr lang="de-DE" sz="1100" dirty="0" err="1"/>
+              <a:t>merge</a:t>
+            </a:r>
+            <a:endParaRPr lang="de-DE" sz="1100" dirty="0"/>
+          </a:p>
+        </p:txBody>
+      </p:sp>
+      <p:cxnSp>
+        <p:nvCxnSpPr>
+          <p:cNvPr id="48" name="Gerade Verbindung mit Pfeil 47">
+            <a:extLst>
+              <a:ext uri="{FF2B5EF4-FFF2-40B4-BE49-F238E27FC236}">
+                <a16:creationId xmlns:a16="http://schemas.microsoft.com/office/drawing/2014/main" id="{756C22E2-A077-93B8-B2E2-7AFEF5101D37}"/>
+              </a:ext>
+            </a:extLst>
+          </p:cNvPr>
+          <p:cNvCxnSpPr>
+            <a:cxnSpLocks/>
+          </p:cNvCxnSpPr>
+          <p:nvPr/>
+        </p:nvCxnSpPr>
+        <p:spPr>
           <a:xfrm flipV="1">
-            <a:off x="3512683" y="839487"/>
-            <a:ext cx="18151" cy="1236916"/>
+            <a:off x="8162498" y="1093707"/>
+            <a:ext cx="0" cy="882291"/>
           </a:xfrm>
           <a:prstGeom prst="straightConnector1">
             <a:avLst/>
@@ -29020,10 +29705,10 @@
       </p:cxnSp>
       <p:cxnSp>
         <p:nvCxnSpPr>
-          <p:cNvPr id="126" name="Gerade Verbindung mit Pfeil 125">
-            <a:extLst>
-              <a:ext uri="{FF2B5EF4-FFF2-40B4-BE49-F238E27FC236}">
-                <a16:creationId xmlns:a16="http://schemas.microsoft.com/office/drawing/2014/main" id="{960258D7-DB78-EBB0-0F21-CAB1569F2DE2}"/>
+          <p:cNvPr id="56" name="Gerade Verbindung mit Pfeil 55">
+            <a:extLst>
+              <a:ext uri="{FF2B5EF4-FFF2-40B4-BE49-F238E27FC236}">
+                <a16:creationId xmlns:a16="http://schemas.microsoft.com/office/drawing/2014/main" id="{763064C3-2359-1B18-4A3A-D5E108860218}"/>
               </a:ext>
             </a:extLst>
           </p:cNvPr>
@@ -29034,8 +29719,85 @@
         </p:nvCxnSpPr>
         <p:spPr>
           <a:xfrm flipV="1">
-            <a:off x="1636746" y="459445"/>
-            <a:ext cx="0" cy="282356"/>
+            <a:off x="8208012" y="1799345"/>
+            <a:ext cx="766700" cy="254050"/>
+          </a:xfrm>
+          <a:prstGeom prst="straightConnector1">
+            <a:avLst/>
+          </a:prstGeom>
+          <a:ln>
+            <a:tailEnd type="triangle"/>
+          </a:ln>
+        </p:spPr>
+        <p:style>
+          <a:lnRef idx="3">
+            <a:schemeClr val="dk1"/>
+          </a:lnRef>
+          <a:fillRef idx="0">
+            <a:schemeClr val="dk1"/>
+          </a:fillRef>
+          <a:effectRef idx="2">
+            <a:schemeClr val="dk1"/>
+          </a:effectRef>
+          <a:fontRef idx="minor">
+            <a:schemeClr val="tx1"/>
+          </a:fontRef>
+        </p:style>
+      </p:cxnSp>
+      <p:sp>
+        <p:nvSpPr>
+          <p:cNvPr id="57" name="Textfeld 56">
+            <a:extLst>
+              <a:ext uri="{FF2B5EF4-FFF2-40B4-BE49-F238E27FC236}">
+                <a16:creationId xmlns:a16="http://schemas.microsoft.com/office/drawing/2014/main" id="{1F3A9E3F-EAB7-5F99-D50D-BB83975AD9AF}"/>
+              </a:ext>
+            </a:extLst>
+          </p:cNvPr>
+          <p:cNvSpPr txBox="1"/>
+          <p:nvPr/>
+        </p:nvSpPr>
+        <p:spPr>
+          <a:xfrm>
+            <a:off x="8267302" y="1637847"/>
+            <a:ext cx="582211" cy="261610"/>
+          </a:xfrm>
+          <a:prstGeom prst="rect">
+            <a:avLst/>
+          </a:prstGeom>
+          <a:noFill/>
+        </p:spPr>
+        <p:txBody>
+          <a:bodyPr wrap="none" rtlCol="0">
+            <a:spAutoFit/>
+          </a:bodyPr>
+          <a:lstStyle/>
+          <a:p>
+            <a:r>
+              <a:rPr lang="de-DE" sz="1100" dirty="0" err="1"/>
+              <a:t>branch</a:t>
+            </a:r>
+            <a:endParaRPr lang="de-DE" sz="1100" dirty="0"/>
+          </a:p>
+        </p:txBody>
+      </p:sp>
+      <p:cxnSp>
+        <p:nvCxnSpPr>
+          <p:cNvPr id="58" name="Gerade Verbindung mit Pfeil 57">
+            <a:extLst>
+              <a:ext uri="{FF2B5EF4-FFF2-40B4-BE49-F238E27FC236}">
+                <a16:creationId xmlns:a16="http://schemas.microsoft.com/office/drawing/2014/main" id="{C56E6DF4-0C08-8540-E396-A86462F27615}"/>
+              </a:ext>
+            </a:extLst>
+          </p:cNvPr>
+          <p:cNvCxnSpPr>
+            <a:cxnSpLocks/>
+          </p:cNvCxnSpPr>
+          <p:nvPr/>
+        </p:nvCxnSpPr>
+        <p:spPr>
+          <a:xfrm>
+            <a:off x="6336357" y="2187128"/>
+            <a:ext cx="1490907" cy="12506"/>
           </a:xfrm>
           <a:prstGeom prst="straightConnector1">
             <a:avLst/>
@@ -29061,10 +29823,10 @@
       </p:cxnSp>
       <p:cxnSp>
         <p:nvCxnSpPr>
-          <p:cNvPr id="128" name="Gerade Verbindung mit Pfeil 127">
-            <a:extLst>
-              <a:ext uri="{FF2B5EF4-FFF2-40B4-BE49-F238E27FC236}">
-                <a16:creationId xmlns:a16="http://schemas.microsoft.com/office/drawing/2014/main" id="{278C38A9-9056-8AC8-B90F-938F7DA4FB02}"/>
+          <p:cNvPr id="62" name="Gerade Verbindung mit Pfeil 61">
+            <a:extLst>
+              <a:ext uri="{FF2B5EF4-FFF2-40B4-BE49-F238E27FC236}">
+                <a16:creationId xmlns:a16="http://schemas.microsoft.com/office/drawing/2014/main" id="{A04AEE9D-DB8A-1591-F3AB-6E3FAE1D5C28}"/>
               </a:ext>
             </a:extLst>
           </p:cNvPr>
@@ -29074,9 +29836,50 @@
           <p:nvPr/>
         </p:nvCxnSpPr>
         <p:spPr>
-          <a:xfrm>
-            <a:off x="3496384" y="780763"/>
-            <a:ext cx="2234993" cy="1"/>
+          <a:xfrm flipV="1">
+            <a:off x="9304496" y="1372239"/>
+            <a:ext cx="0" cy="282356"/>
+          </a:xfrm>
+          <a:prstGeom prst="straightConnector1">
+            <a:avLst/>
+          </a:prstGeom>
+          <a:ln>
+            <a:tailEnd type="triangle"/>
+          </a:ln>
+        </p:spPr>
+        <p:style>
+          <a:lnRef idx="3">
+            <a:schemeClr val="dk1"/>
+          </a:lnRef>
+          <a:fillRef idx="0">
+            <a:schemeClr val="dk1"/>
+          </a:fillRef>
+          <a:effectRef idx="2">
+            <a:schemeClr val="dk1"/>
+          </a:effectRef>
+          <a:fontRef idx="minor">
+            <a:schemeClr val="tx1"/>
+          </a:fontRef>
+        </p:style>
+      </p:cxnSp>
+      <p:cxnSp>
+        <p:nvCxnSpPr>
+          <p:cNvPr id="64" name="Gerade Verbindung mit Pfeil 63">
+            <a:extLst>
+              <a:ext uri="{FF2B5EF4-FFF2-40B4-BE49-F238E27FC236}">
+                <a16:creationId xmlns:a16="http://schemas.microsoft.com/office/drawing/2014/main" id="{1876A474-74C4-646E-CFDA-555DDFAADEDB}"/>
+              </a:ext>
+            </a:extLst>
+          </p:cNvPr>
+          <p:cNvCxnSpPr>
+            <a:cxnSpLocks/>
+          </p:cNvCxnSpPr>
+          <p:nvPr/>
+        </p:nvCxnSpPr>
+        <p:spPr>
+          <a:xfrm flipH="1" flipV="1">
+            <a:off x="6161289" y="1054175"/>
+            <a:ext cx="2045162" cy="16279"/>
           </a:xfrm>
           <a:prstGeom prst="straightConnector1">
             <a:avLst/>
@@ -29102,10 +29905,10 @@
       </p:cxnSp>
       <p:sp>
         <p:nvSpPr>
-          <p:cNvPr id="129" name="Textfeld 128">
-            <a:extLst>
-              <a:ext uri="{FF2B5EF4-FFF2-40B4-BE49-F238E27FC236}">
-                <a16:creationId xmlns:a16="http://schemas.microsoft.com/office/drawing/2014/main" id="{4D8B7F02-1B22-FDF8-465D-DF77A4C39CF6}"/>
+          <p:cNvPr id="66" name="Textfeld 65">
+            <a:extLst>
+              <a:ext uri="{FF2B5EF4-FFF2-40B4-BE49-F238E27FC236}">
+                <a16:creationId xmlns:a16="http://schemas.microsoft.com/office/drawing/2014/main" id="{8D3294F6-2155-EB12-9892-082998B1233C}"/>
               </a:ext>
             </a:extLst>
           </p:cNvPr>
@@ -29114,7 +29917,7 @@
         </p:nvSpPr>
         <p:spPr>
           <a:xfrm>
-            <a:off x="3594926" y="463454"/>
+            <a:off x="6174578" y="754703"/>
             <a:ext cx="2207993" cy="261610"/>
           </a:xfrm>
           <a:prstGeom prst="rect">
@@ -29169,10 +29972,10 @@
       </p:sp>
       <p:cxnSp>
         <p:nvCxnSpPr>
-          <p:cNvPr id="130" name="Gerade Verbindung mit Pfeil 129">
-            <a:extLst>
-              <a:ext uri="{FF2B5EF4-FFF2-40B4-BE49-F238E27FC236}">
-                <a16:creationId xmlns:a16="http://schemas.microsoft.com/office/drawing/2014/main" id="{25A58AFF-3BCF-EEDD-DA6B-D73E07EB75B9}"/>
+          <p:cNvPr id="69" name="Gerade Verbindung mit Pfeil 68">
+            <a:extLst>
+              <a:ext uri="{FF2B5EF4-FFF2-40B4-BE49-F238E27FC236}">
+                <a16:creationId xmlns:a16="http://schemas.microsoft.com/office/drawing/2014/main" id="{5729A616-D403-FE42-4E47-658ECCB8DC5D}"/>
               </a:ext>
             </a:extLst>
           </p:cNvPr>
@@ -29183,8 +29986,8 @@
         </p:nvCxnSpPr>
         <p:spPr>
           <a:xfrm flipV="1">
-            <a:off x="5707052" y="967661"/>
-            <a:ext cx="0" cy="1108742"/>
+            <a:off x="6194939" y="1123495"/>
+            <a:ext cx="0" cy="889908"/>
           </a:xfrm>
           <a:prstGeom prst="straightConnector1">
             <a:avLst/>
@@ -29213,12 +30016,59 @@
           </a:fontRef>
         </p:style>
       </p:cxnSp>
+      <p:cxnSp>
+        <p:nvCxnSpPr>
+          <p:cNvPr id="71" name="Gerade Verbindung mit Pfeil 70">
+            <a:extLst>
+              <a:ext uri="{FF2B5EF4-FFF2-40B4-BE49-F238E27FC236}">
+                <a16:creationId xmlns:a16="http://schemas.microsoft.com/office/drawing/2014/main" id="{A7F685A6-88DF-C2E7-9941-214458A3BA85}"/>
+              </a:ext>
+            </a:extLst>
+          </p:cNvPr>
+          <p:cNvCxnSpPr>
+            <a:cxnSpLocks/>
+          </p:cNvCxnSpPr>
+          <p:nvPr/>
+        </p:nvCxnSpPr>
+        <p:spPr>
+          <a:xfrm flipV="1">
+            <a:off x="3959946" y="1189300"/>
+            <a:ext cx="2073674" cy="965622"/>
+          </a:xfrm>
+          <a:prstGeom prst="straightConnector1">
+            <a:avLst/>
+          </a:prstGeom>
+          <a:ln>
+            <a:solidFill>
+              <a:schemeClr val="bg1">
+                <a:lumMod val="50000"/>
+              </a:schemeClr>
+            </a:solidFill>
+            <a:prstDash val="dash"/>
+            <a:tailEnd type="triangle"/>
+          </a:ln>
+        </p:spPr>
+        <p:style>
+          <a:lnRef idx="3">
+            <a:schemeClr val="dk1"/>
+          </a:lnRef>
+          <a:fillRef idx="0">
+            <a:schemeClr val="dk1"/>
+          </a:fillRef>
+          <a:effectRef idx="2">
+            <a:schemeClr val="dk1"/>
+          </a:effectRef>
+          <a:fontRef idx="minor">
+            <a:schemeClr val="tx1"/>
+          </a:fontRef>
+        </p:style>
+      </p:cxnSp>
       <p:sp>
         <p:nvSpPr>
-          <p:cNvPr id="33" name="Textfeld 32">
-            <a:extLst>
-              <a:ext uri="{FF2B5EF4-FFF2-40B4-BE49-F238E27FC236}">
-                <a16:creationId xmlns:a16="http://schemas.microsoft.com/office/drawing/2014/main" id="{5243FE8E-5136-60B6-F3BE-8ABCB65282C0}"/>
+          <p:cNvPr id="74" name="Textfeld 73">
+            <a:extLst>
+              <a:ext uri="{FF2B5EF4-FFF2-40B4-BE49-F238E27FC236}">
+                <a16:creationId xmlns:a16="http://schemas.microsoft.com/office/drawing/2014/main" id="{0676EBAB-4BC8-74C9-465E-6F1F7D10F961}"/>
               </a:ext>
             </a:extLst>
           </p:cNvPr>
@@ -29226,9 +30076,9 @@
           <p:nvPr/>
         </p:nvSpPr>
         <p:spPr>
-          <a:xfrm>
-            <a:off x="7392838" y="792470"/>
-            <a:ext cx="4600753" cy="8125301"/>
+          <a:xfrm rot="20013933">
+            <a:off x="4414097" y="1437644"/>
+            <a:ext cx="1079142" cy="261610"/>
           </a:xfrm>
           <a:prstGeom prst="rect">
             <a:avLst/>
@@ -29241,1044 +30091,730 @@
           </a:bodyPr>
           <a:lstStyle/>
           <a:p>
-            <a:pPr marL="342900" indent="-342900">
-              <a:buAutoNum type="arabicPeriod"/>
-            </a:pPr>
-            <a:r>
-              <a:rPr lang="de-DE" dirty="0"/>
-              <a:t>Fork </a:t>
-            </a:r>
-            <a:r>
-              <a:rPr lang="de-DE" dirty="0" err="1"/>
-              <a:t>the</a:t>
-            </a:r>
-            <a:r>
-              <a:rPr lang="de-DE" dirty="0"/>
-              <a:t> buschlab-</a:t>
-            </a:r>
-            <a:r>
-              <a:rPr lang="de-DE" dirty="0" err="1"/>
-              <a:t>eeg</a:t>
-            </a:r>
-            <a:r>
-              <a:rPr lang="de-DE" dirty="0"/>
-              <a:t>-pipeline </a:t>
-            </a:r>
-            <a:r>
-              <a:rPr lang="de-DE" dirty="0" err="1"/>
-              <a:t>repository</a:t>
-            </a:r>
-            <a:r>
-              <a:rPr lang="de-DE" dirty="0"/>
-              <a:t>. </a:t>
-            </a:r>
-            <a:r>
-              <a:rPr lang="de-DE" dirty="0" err="1"/>
-              <a:t>Your</a:t>
-            </a:r>
-            <a:r>
-              <a:rPr lang="de-DE" dirty="0"/>
+            <a:r>
+              <a:rPr lang="de-DE" sz="1100" dirty="0" err="1">
+                <a:solidFill>
+                  <a:schemeClr val="bg1">
+                    <a:lumMod val="50000"/>
+                  </a:schemeClr>
+                </a:solidFill>
+              </a:rPr>
+              <a:t>fetch</a:t>
+            </a:r>
+            <a:r>
+              <a:rPr lang="de-DE" sz="1100" dirty="0">
+                <a:solidFill>
+                  <a:schemeClr val="bg1">
+                    <a:lumMod val="50000"/>
+                  </a:schemeClr>
+                </a:solidFill>
+              </a:rPr>
               <a:t> </a:t>
             </a:r>
             <a:r>
-              <a:rPr lang="de-DE" dirty="0" err="1"/>
-              <a:t>forked</a:t>
-            </a:r>
-            <a:r>
-              <a:rPr lang="de-DE" dirty="0"/>
-              <a:t> </a:t>
-            </a:r>
-            <a:r>
-              <a:rPr lang="de-DE" dirty="0" err="1"/>
-              <a:t>repository</a:t>
-            </a:r>
-            <a:r>
-              <a:rPr lang="de-DE" dirty="0"/>
-              <a:t> will </a:t>
-            </a:r>
-            <a:r>
-              <a:rPr lang="de-DE" dirty="0" err="1"/>
-              <a:t>serve</a:t>
-            </a:r>
-            <a:r>
-              <a:rPr lang="de-DE" dirty="0"/>
-              <a:t> </a:t>
-            </a:r>
-            <a:r>
-              <a:rPr lang="de-DE" dirty="0" err="1"/>
-              <a:t>as</a:t>
-            </a:r>
-            <a:r>
-              <a:rPr lang="de-DE" dirty="0"/>
-              <a:t> a </a:t>
-            </a:r>
-            <a:r>
-              <a:rPr lang="de-DE" dirty="0" err="1"/>
-              <a:t>single</a:t>
-            </a:r>
-            <a:r>
-              <a:rPr lang="de-DE" dirty="0"/>
-              <a:t> </a:t>
-            </a:r>
-            <a:r>
-              <a:rPr lang="de-DE" dirty="0" err="1"/>
-              <a:t>repo</a:t>
-            </a:r>
-            <a:r>
-              <a:rPr lang="de-DE" dirty="0"/>
-              <a:t> </a:t>
-            </a:r>
-            <a:r>
-              <a:rPr lang="de-DE" dirty="0" err="1"/>
-              <a:t>organizing</a:t>
-            </a:r>
-            <a:r>
-              <a:rPr lang="de-DE" dirty="0"/>
-              <a:t> all </a:t>
-            </a:r>
-            <a:r>
-              <a:rPr lang="de-DE" dirty="0" err="1"/>
-              <a:t>your</a:t>
-            </a:r>
-            <a:r>
-              <a:rPr lang="de-DE" dirty="0"/>
-              <a:t> different </a:t>
-            </a:r>
-            <a:r>
-              <a:rPr lang="de-DE" dirty="0" err="1"/>
-              <a:t>projects</a:t>
-            </a:r>
-            <a:r>
-              <a:rPr lang="de-DE" dirty="0"/>
-              <a:t>‘ </a:t>
-            </a:r>
-            <a:r>
-              <a:rPr lang="de-DE" dirty="0" err="1"/>
-              <a:t>preprocessing</a:t>
-            </a:r>
-            <a:r>
-              <a:rPr lang="de-DE" dirty="0"/>
-              <a:t> </a:t>
-            </a:r>
-            <a:r>
-              <a:rPr lang="de-DE" dirty="0" err="1"/>
-              <a:t>pipelines</a:t>
-            </a:r>
-            <a:endParaRPr lang="de-DE" dirty="0"/>
-          </a:p>
-          <a:p>
-            <a:pPr marL="342900" indent="-342900">
-              <a:buAutoNum type="arabicPeriod"/>
-            </a:pPr>
-            <a:r>
-              <a:rPr lang="de-DE" dirty="0"/>
-              <a:t>Keep </a:t>
-            </a:r>
-            <a:r>
-              <a:rPr lang="de-DE" dirty="0" err="1"/>
-              <a:t>the</a:t>
-            </a:r>
-            <a:r>
-              <a:rPr lang="de-DE" dirty="0"/>
-              <a:t> </a:t>
-            </a:r>
-            <a:r>
-              <a:rPr lang="de-DE" dirty="0" err="1"/>
-              <a:t>master</a:t>
-            </a:r>
-            <a:r>
-              <a:rPr lang="de-DE" dirty="0"/>
-              <a:t> </a:t>
-            </a:r>
-            <a:r>
-              <a:rPr lang="de-DE" dirty="0" err="1"/>
-              <a:t>branch</a:t>
-            </a:r>
-            <a:r>
-              <a:rPr lang="de-DE" dirty="0"/>
-              <a:t> </a:t>
-            </a:r>
-            <a:r>
-              <a:rPr lang="de-DE" dirty="0" err="1"/>
-              <a:t>as</a:t>
-            </a:r>
-            <a:r>
-              <a:rPr lang="de-DE" dirty="0"/>
-              <a:t> </a:t>
-            </a:r>
-            <a:r>
-              <a:rPr lang="de-DE" dirty="0" err="1"/>
-              <a:t>your</a:t>
-            </a:r>
-            <a:r>
-              <a:rPr lang="de-DE" dirty="0"/>
-              <a:t> </a:t>
-            </a:r>
-            <a:r>
-              <a:rPr lang="de-DE" dirty="0" err="1"/>
-              <a:t>default</a:t>
-            </a:r>
-            <a:r>
-              <a:rPr lang="de-DE" dirty="0"/>
-              <a:t>, </a:t>
-            </a:r>
-            <a:r>
-              <a:rPr lang="de-DE" dirty="0" err="1"/>
-              <a:t>which</a:t>
-            </a:r>
-            <a:r>
-              <a:rPr lang="de-DE" dirty="0"/>
-              <a:t> </a:t>
-            </a:r>
-            <a:r>
-              <a:rPr lang="de-DE" dirty="0" err="1"/>
-              <a:t>you</a:t>
-            </a:r>
-            <a:r>
-              <a:rPr lang="de-DE" dirty="0"/>
-              <a:t> will </a:t>
-            </a:r>
-            <a:r>
-              <a:rPr lang="de-DE" dirty="0" err="1"/>
-              <a:t>only</a:t>
-            </a:r>
-            <a:r>
-              <a:rPr lang="de-DE" dirty="0"/>
-              <a:t> update </a:t>
-            </a:r>
-            <a:r>
-              <a:rPr lang="de-DE" dirty="0" err="1"/>
-              <a:t>with</a:t>
-            </a:r>
-            <a:r>
-              <a:rPr lang="de-DE" dirty="0"/>
-              <a:t> (1) </a:t>
-            </a:r>
-            <a:r>
-              <a:rPr lang="de-DE" dirty="0" err="1"/>
-              <a:t>features</a:t>
-            </a:r>
-            <a:r>
-              <a:rPr lang="de-DE" dirty="0"/>
-              <a:t> </a:t>
-            </a:r>
-            <a:r>
-              <a:rPr lang="de-DE" dirty="0" err="1"/>
-              <a:t>you</a:t>
-            </a:r>
-            <a:r>
-              <a:rPr lang="de-DE" dirty="0"/>
-              <a:t> </a:t>
-            </a:r>
-            <a:r>
-              <a:rPr lang="de-DE" dirty="0" err="1"/>
-              <a:t>want</a:t>
-            </a:r>
-            <a:r>
-              <a:rPr lang="de-DE" dirty="0"/>
-              <a:t> </a:t>
-            </a:r>
-            <a:r>
-              <a:rPr lang="de-DE" dirty="0" err="1"/>
-              <a:t>to</a:t>
-            </a:r>
-            <a:r>
-              <a:rPr lang="de-DE" dirty="0"/>
-              <a:t> send </a:t>
-            </a:r>
-            <a:r>
-              <a:rPr lang="de-DE" dirty="0" err="1"/>
-              <a:t>as</a:t>
-            </a:r>
-            <a:r>
-              <a:rPr lang="de-DE" dirty="0"/>
-              <a:t> pull </a:t>
-            </a:r>
-            <a:r>
-              <a:rPr lang="de-DE" dirty="0" err="1"/>
-              <a:t>requests</a:t>
-            </a:r>
-            <a:r>
-              <a:rPr lang="de-DE" dirty="0"/>
-              <a:t> </a:t>
-            </a:r>
-            <a:r>
-              <a:rPr lang="de-DE" dirty="0" err="1"/>
-              <a:t>to</a:t>
-            </a:r>
-            <a:r>
-              <a:rPr lang="de-DE" dirty="0"/>
-              <a:t> </a:t>
-            </a:r>
-            <a:r>
-              <a:rPr lang="de-DE" dirty="0" err="1"/>
-              <a:t>the</a:t>
-            </a:r>
-            <a:r>
-              <a:rPr lang="de-DE" dirty="0"/>
-              <a:t> </a:t>
-            </a:r>
-            <a:r>
-              <a:rPr lang="de-DE" dirty="0" err="1"/>
-              <a:t>buschlab</a:t>
-            </a:r>
-            <a:r>
-              <a:rPr lang="de-DE" dirty="0"/>
-              <a:t> </a:t>
-            </a:r>
-            <a:r>
-              <a:rPr lang="de-DE" dirty="0" err="1"/>
-              <a:t>repository</a:t>
-            </a:r>
-            <a:r>
-              <a:rPr lang="de-DE" dirty="0"/>
-              <a:t>, </a:t>
-            </a:r>
-            <a:r>
-              <a:rPr lang="de-DE" dirty="0" err="1"/>
-              <a:t>or</a:t>
-            </a:r>
-            <a:r>
-              <a:rPr lang="de-DE" dirty="0"/>
-              <a:t> (2) </a:t>
-            </a:r>
-            <a:r>
-              <a:rPr lang="de-DE" dirty="0" err="1"/>
-              <a:t>by</a:t>
-            </a:r>
-            <a:r>
-              <a:rPr lang="de-DE" dirty="0"/>
-              <a:t> </a:t>
-            </a:r>
-            <a:r>
-              <a:rPr lang="de-DE" dirty="0" err="1"/>
-              <a:t>merging</a:t>
-            </a:r>
-            <a:r>
-              <a:rPr lang="de-DE" dirty="0"/>
-              <a:t> </a:t>
-            </a:r>
-            <a:r>
-              <a:rPr lang="de-DE" dirty="0" err="1"/>
-              <a:t>updates</a:t>
-            </a:r>
-            <a:r>
-              <a:rPr lang="de-DE" dirty="0"/>
-              <a:t> </a:t>
-            </a:r>
-            <a:r>
-              <a:rPr lang="de-DE" dirty="0" err="1"/>
-              <a:t>from</a:t>
-            </a:r>
-            <a:r>
-              <a:rPr lang="de-DE" dirty="0"/>
-              <a:t> </a:t>
-            </a:r>
-            <a:r>
-              <a:rPr lang="de-DE" dirty="0" err="1"/>
-              <a:t>the</a:t>
-            </a:r>
-            <a:r>
-              <a:rPr lang="de-DE" dirty="0"/>
-              <a:t> </a:t>
-            </a:r>
-            <a:r>
-              <a:rPr lang="de-DE" dirty="0" err="1"/>
-              <a:t>buschlab</a:t>
-            </a:r>
-            <a:r>
-              <a:rPr lang="de-DE" dirty="0"/>
-              <a:t> </a:t>
-            </a:r>
-            <a:r>
-              <a:rPr lang="de-DE" dirty="0" err="1"/>
-              <a:t>repo</a:t>
-            </a:r>
-            <a:r>
-              <a:rPr lang="de-DE" dirty="0"/>
-              <a:t> </a:t>
-            </a:r>
-            <a:r>
-              <a:rPr lang="de-DE" dirty="0" err="1"/>
-              <a:t>into</a:t>
-            </a:r>
-            <a:r>
-              <a:rPr lang="de-DE" dirty="0"/>
-              <a:t> </a:t>
-            </a:r>
-            <a:r>
-              <a:rPr lang="de-DE" dirty="0" err="1"/>
-              <a:t>your</a:t>
-            </a:r>
-            <a:r>
-              <a:rPr lang="de-DE" dirty="0"/>
-              <a:t> </a:t>
-            </a:r>
-            <a:r>
-              <a:rPr lang="de-DE" dirty="0" err="1"/>
-              <a:t>master</a:t>
-            </a:r>
-            <a:r>
-              <a:rPr lang="de-DE" dirty="0"/>
-              <a:t> </a:t>
-            </a:r>
-            <a:r>
-              <a:rPr lang="de-DE" dirty="0" err="1"/>
-              <a:t>branch</a:t>
-            </a:r>
-            <a:r>
-              <a:rPr lang="de-DE" dirty="0"/>
-              <a:t> (and </a:t>
-            </a:r>
-            <a:r>
-              <a:rPr lang="de-DE" dirty="0" err="1"/>
-              <a:t>from</a:t>
-            </a:r>
-            <a:r>
-              <a:rPr lang="de-DE" dirty="0"/>
-              <a:t> </a:t>
-            </a:r>
-            <a:r>
-              <a:rPr lang="de-DE" dirty="0" err="1"/>
-              <a:t>here</a:t>
-            </a:r>
-            <a:r>
-              <a:rPr lang="de-DE" dirty="0"/>
-              <a:t>, </a:t>
-            </a:r>
-            <a:r>
-              <a:rPr lang="de-DE" dirty="0" err="1"/>
-              <a:t>you</a:t>
-            </a:r>
-            <a:r>
-              <a:rPr lang="de-DE" dirty="0"/>
-              <a:t> </a:t>
-            </a:r>
-            <a:r>
-              <a:rPr lang="de-DE" dirty="0" err="1"/>
-              <a:t>can</a:t>
-            </a:r>
-            <a:r>
-              <a:rPr lang="de-DE" dirty="0"/>
-              <a:t> </a:t>
-            </a:r>
-            <a:r>
-              <a:rPr lang="de-DE" dirty="0" err="1"/>
+              <a:rPr lang="de-DE" sz="1100" dirty="0" err="1">
+                <a:solidFill>
+                  <a:schemeClr val="bg1">
+                    <a:lumMod val="50000"/>
+                  </a:schemeClr>
+                </a:solidFill>
+              </a:rPr>
+              <a:t>upstream</a:t>
+            </a:r>
+            <a:endParaRPr lang="de-DE" sz="1100" dirty="0">
+              <a:solidFill>
+                <a:schemeClr val="bg1">
+                  <a:lumMod val="50000"/>
+                </a:schemeClr>
+              </a:solidFill>
+            </a:endParaRPr>
+          </a:p>
+        </p:txBody>
+      </p:sp>
+      <p:cxnSp>
+        <p:nvCxnSpPr>
+          <p:cNvPr id="75" name="Gerade Verbindung mit Pfeil 74">
+            <a:extLst>
+              <a:ext uri="{FF2B5EF4-FFF2-40B4-BE49-F238E27FC236}">
+                <a16:creationId xmlns:a16="http://schemas.microsoft.com/office/drawing/2014/main" id="{9211F0F2-30AB-1AF0-3B1E-F7D3A0D00385}"/>
+              </a:ext>
+            </a:extLst>
+          </p:cNvPr>
+          <p:cNvCxnSpPr>
+            <a:cxnSpLocks/>
+          </p:cNvCxnSpPr>
+          <p:nvPr/>
+        </p:nvCxnSpPr>
+        <p:spPr>
+          <a:xfrm flipH="1">
+            <a:off x="4001186" y="1053860"/>
+            <a:ext cx="2032434" cy="12676"/>
+          </a:xfrm>
+          <a:prstGeom prst="straightConnector1">
+            <a:avLst/>
+          </a:prstGeom>
+          <a:ln>
+            <a:tailEnd type="triangle"/>
+          </a:ln>
+        </p:spPr>
+        <p:style>
+          <a:lnRef idx="3">
+            <a:schemeClr val="dk1"/>
+          </a:lnRef>
+          <a:fillRef idx="0">
+            <a:schemeClr val="dk1"/>
+          </a:fillRef>
+          <a:effectRef idx="2">
+            <a:schemeClr val="dk1"/>
+          </a:effectRef>
+          <a:fontRef idx="minor">
+            <a:schemeClr val="tx1"/>
+          </a:fontRef>
+        </p:style>
+      </p:cxnSp>
+      <p:sp>
+        <p:nvSpPr>
+          <p:cNvPr id="76" name="Textfeld 75">
+            <a:extLst>
+              <a:ext uri="{FF2B5EF4-FFF2-40B4-BE49-F238E27FC236}">
+                <a16:creationId xmlns:a16="http://schemas.microsoft.com/office/drawing/2014/main" id="{BC30FD08-0670-58D5-0579-C558A6B7943E}"/>
+              </a:ext>
+            </a:extLst>
+          </p:cNvPr>
+          <p:cNvSpPr txBox="1"/>
+          <p:nvPr/>
+        </p:nvSpPr>
+        <p:spPr>
+          <a:xfrm>
+            <a:off x="4755326" y="769968"/>
+            <a:ext cx="553357" cy="261610"/>
+          </a:xfrm>
+          <a:prstGeom prst="rect">
+            <a:avLst/>
+          </a:prstGeom>
+          <a:noFill/>
+        </p:spPr>
+        <p:txBody>
+          <a:bodyPr wrap="none" rtlCol="0">
+            <a:spAutoFit/>
+          </a:bodyPr>
+          <a:lstStyle/>
+          <a:p>
+            <a:r>
+              <a:rPr lang="de-DE" sz="1100" dirty="0" err="1"/>
               <a:t>merge</a:t>
             </a:r>
-            <a:r>
-              <a:rPr lang="de-DE" dirty="0"/>
-              <a:t> </a:t>
-            </a:r>
-            <a:r>
-              <a:rPr lang="de-DE" dirty="0" err="1"/>
-              <a:t>the</a:t>
-            </a:r>
-            <a:r>
-              <a:rPr lang="de-DE" dirty="0"/>
-              <a:t> </a:t>
-            </a:r>
-            <a:r>
-              <a:rPr lang="de-DE" dirty="0" err="1"/>
-              <a:t>updates</a:t>
-            </a:r>
-            <a:r>
-              <a:rPr lang="de-DE" dirty="0"/>
-              <a:t> </a:t>
-            </a:r>
-            <a:r>
-              <a:rPr lang="de-DE" dirty="0" err="1"/>
-              <a:t>into</a:t>
-            </a:r>
-            <a:r>
-              <a:rPr lang="de-DE" dirty="0"/>
-              <a:t> </a:t>
-            </a:r>
-            <a:r>
-              <a:rPr lang="de-DE" dirty="0" err="1"/>
-              <a:t>your</a:t>
-            </a:r>
-            <a:r>
-              <a:rPr lang="de-DE" dirty="0"/>
-              <a:t> </a:t>
-            </a:r>
-            <a:r>
-              <a:rPr lang="de-DE" dirty="0" err="1"/>
-              <a:t>projects</a:t>
-            </a:r>
-            <a:r>
-              <a:rPr lang="de-DE" dirty="0"/>
-              <a:t>‘ </a:t>
-            </a:r>
-            <a:r>
-              <a:rPr lang="de-DE" dirty="0" err="1"/>
-              <a:t>branches</a:t>
-            </a:r>
-            <a:r>
-              <a:rPr lang="de-DE" dirty="0"/>
-              <a:t> </a:t>
-            </a:r>
-            <a:r>
-              <a:rPr lang="de-DE" dirty="0" err="1"/>
-              <a:t>if</a:t>
-            </a:r>
-            <a:r>
-              <a:rPr lang="de-DE" dirty="0"/>
-              <a:t> </a:t>
-            </a:r>
-            <a:r>
-              <a:rPr lang="de-DE" dirty="0" err="1"/>
-              <a:t>needed</a:t>
-            </a:r>
-            <a:r>
-              <a:rPr lang="de-DE" dirty="0"/>
-              <a:t>)</a:t>
-            </a:r>
-          </a:p>
-          <a:p>
-            <a:pPr marL="342900" indent="-342900">
-              <a:buAutoNum type="arabicPeriod"/>
-            </a:pPr>
-            <a:r>
-              <a:rPr lang="de-DE" dirty="0" err="1"/>
-              <a:t>You</a:t>
-            </a:r>
-            <a:r>
-              <a:rPr lang="de-DE" dirty="0"/>
-              <a:t> will </a:t>
-            </a:r>
-            <a:r>
-              <a:rPr lang="de-DE" dirty="0" err="1"/>
-              <a:t>work</a:t>
-            </a:r>
-            <a:r>
-              <a:rPr lang="de-DE" dirty="0"/>
-              <a:t> in </a:t>
-            </a:r>
-            <a:r>
-              <a:rPr lang="de-DE" dirty="0" err="1"/>
-              <a:t>your</a:t>
-            </a:r>
-            <a:r>
-              <a:rPr lang="de-DE" dirty="0"/>
-              <a:t> </a:t>
-            </a:r>
-            <a:r>
-              <a:rPr lang="de-DE" dirty="0" err="1"/>
-              <a:t>respective</a:t>
-            </a:r>
-            <a:r>
-              <a:rPr lang="de-DE" dirty="0"/>
-              <a:t> </a:t>
-            </a:r>
-            <a:r>
-              <a:rPr lang="de-DE" dirty="0" err="1"/>
-              <a:t>project‘s</a:t>
-            </a:r>
-            <a:r>
-              <a:rPr lang="de-DE" dirty="0"/>
-              <a:t> </a:t>
-            </a:r>
-            <a:r>
-              <a:rPr lang="de-DE" dirty="0" err="1"/>
-              <a:t>branch</a:t>
-            </a:r>
-            <a:r>
-              <a:rPr lang="de-DE" dirty="0"/>
-              <a:t>, and </a:t>
-            </a:r>
-            <a:r>
-              <a:rPr lang="de-DE" dirty="0" err="1"/>
-              <a:t>whenever</a:t>
-            </a:r>
-            <a:r>
-              <a:rPr lang="de-DE" dirty="0"/>
-              <a:t> </a:t>
-            </a:r>
-            <a:r>
-              <a:rPr lang="de-DE" dirty="0" err="1"/>
-              <a:t>you</a:t>
-            </a:r>
-            <a:r>
-              <a:rPr lang="de-DE" dirty="0"/>
-              <a:t> </a:t>
-            </a:r>
-            <a:r>
-              <a:rPr lang="de-DE" dirty="0" err="1"/>
-              <a:t>have</a:t>
-            </a:r>
-            <a:r>
-              <a:rPr lang="de-DE" dirty="0"/>
-              <a:t> </a:t>
-            </a:r>
-            <a:r>
-              <a:rPr lang="de-DE" dirty="0" err="1"/>
-              <a:t>committed</a:t>
-            </a:r>
-            <a:r>
-              <a:rPr lang="de-DE" dirty="0"/>
-              <a:t> a </a:t>
-            </a:r>
-            <a:r>
-              <a:rPr lang="de-DE" dirty="0" err="1"/>
-              <a:t>meaningful</a:t>
-            </a:r>
-            <a:r>
-              <a:rPr lang="de-DE" dirty="0"/>
-              <a:t> feature </a:t>
-            </a:r>
-            <a:r>
-              <a:rPr lang="de-DE" dirty="0" err="1"/>
-              <a:t>for</a:t>
-            </a:r>
-            <a:r>
-              <a:rPr lang="de-DE" dirty="0"/>
-              <a:t> </a:t>
-            </a:r>
-            <a:r>
-              <a:rPr lang="de-DE" dirty="0" err="1"/>
-              <a:t>the</a:t>
-            </a:r>
-            <a:r>
-              <a:rPr lang="de-DE" dirty="0"/>
-              <a:t> </a:t>
-            </a:r>
-            <a:r>
-              <a:rPr lang="de-DE" dirty="0" err="1"/>
-              <a:t>pipeline</a:t>
-            </a:r>
-            <a:r>
-              <a:rPr lang="de-DE" dirty="0"/>
-              <a:t>, </a:t>
-            </a:r>
-            <a:r>
-              <a:rPr lang="de-DE" dirty="0" err="1"/>
-              <a:t>you</a:t>
-            </a:r>
-            <a:r>
-              <a:rPr lang="de-DE" dirty="0"/>
-              <a:t> </a:t>
-            </a:r>
-            <a:r>
-              <a:rPr lang="de-DE" dirty="0" err="1"/>
-              <a:t>afterwards</a:t>
-            </a:r>
-            <a:r>
-              <a:rPr lang="de-DE" dirty="0"/>
-              <a:t> switch </a:t>
-            </a:r>
-            <a:r>
-              <a:rPr lang="de-DE" dirty="0" err="1"/>
-              <a:t>to</a:t>
-            </a:r>
-            <a:r>
-              <a:rPr lang="de-DE" dirty="0"/>
-              <a:t> </a:t>
-            </a:r>
-            <a:r>
-              <a:rPr lang="de-DE" dirty="0" err="1"/>
-              <a:t>the</a:t>
-            </a:r>
-            <a:r>
-              <a:rPr lang="de-DE" dirty="0"/>
-              <a:t> </a:t>
-            </a:r>
-            <a:r>
-              <a:rPr lang="de-DE" dirty="0" err="1"/>
-              <a:t>master</a:t>
-            </a:r>
-            <a:r>
-              <a:rPr lang="de-DE" dirty="0"/>
-              <a:t> </a:t>
-            </a:r>
-            <a:r>
-              <a:rPr lang="de-DE" dirty="0" err="1"/>
-              <a:t>branch</a:t>
-            </a:r>
-            <a:r>
-              <a:rPr lang="de-DE" dirty="0"/>
-              <a:t> and </a:t>
-            </a:r>
-            <a:r>
-              <a:rPr lang="de-DE" dirty="0" err="1"/>
-              <a:t>cherry</a:t>
-            </a:r>
-            <a:r>
-              <a:rPr lang="de-DE" dirty="0"/>
-              <a:t>-pick </a:t>
-            </a:r>
-            <a:r>
-              <a:rPr lang="de-DE" dirty="0" err="1"/>
-              <a:t>the</a:t>
-            </a:r>
-            <a:r>
-              <a:rPr lang="de-DE" dirty="0"/>
-              <a:t> </a:t>
-            </a:r>
-            <a:r>
-              <a:rPr lang="de-DE" dirty="0" err="1"/>
-              <a:t>commit</a:t>
-            </a:r>
-            <a:r>
-              <a:rPr lang="de-DE" dirty="0"/>
-              <a:t> </a:t>
-            </a:r>
-            <a:r>
-              <a:rPr lang="de-DE" dirty="0" err="1"/>
-              <a:t>of</a:t>
-            </a:r>
-            <a:r>
-              <a:rPr lang="de-DE" dirty="0"/>
-              <a:t> </a:t>
-            </a:r>
-            <a:r>
-              <a:rPr lang="de-DE" dirty="0" err="1"/>
-              <a:t>interest</a:t>
-            </a:r>
-            <a:r>
-              <a:rPr lang="de-DE" dirty="0"/>
-              <a:t> </a:t>
-            </a:r>
-            <a:r>
-              <a:rPr lang="de-DE" dirty="0" err="1"/>
-              <a:t>to</a:t>
-            </a:r>
-            <a:r>
-              <a:rPr lang="de-DE" dirty="0"/>
-              <a:t> </a:t>
-            </a:r>
-            <a:r>
-              <a:rPr lang="de-DE" dirty="0" err="1"/>
-              <a:t>incorporate</a:t>
-            </a:r>
-            <a:r>
-              <a:rPr lang="de-DE" dirty="0"/>
-              <a:t> </a:t>
-            </a:r>
-            <a:r>
-              <a:rPr lang="de-DE" dirty="0" err="1"/>
-              <a:t>it</a:t>
-            </a:r>
-            <a:r>
-              <a:rPr lang="de-DE" dirty="0"/>
-              <a:t> </a:t>
-            </a:r>
-            <a:r>
-              <a:rPr lang="de-DE" dirty="0" err="1"/>
-              <a:t>into</a:t>
-            </a:r>
-            <a:r>
-              <a:rPr lang="de-DE" dirty="0"/>
-              <a:t> </a:t>
-            </a:r>
-            <a:r>
-              <a:rPr lang="de-DE" dirty="0" err="1"/>
-              <a:t>the</a:t>
-            </a:r>
-            <a:r>
-              <a:rPr lang="de-DE" dirty="0"/>
-              <a:t> </a:t>
-            </a:r>
-            <a:r>
-              <a:rPr lang="de-DE" dirty="0" err="1"/>
-              <a:t>master</a:t>
-            </a:r>
-            <a:r>
-              <a:rPr lang="de-DE" dirty="0"/>
-              <a:t>. In a final </a:t>
-            </a:r>
-            <a:r>
-              <a:rPr lang="de-DE" dirty="0" err="1"/>
-              <a:t>step</a:t>
-            </a:r>
-            <a:r>
-              <a:rPr lang="de-DE" dirty="0"/>
-              <a:t>, </a:t>
-            </a:r>
-            <a:r>
-              <a:rPr lang="de-DE" dirty="0" err="1"/>
-              <a:t>you</a:t>
-            </a:r>
-            <a:r>
-              <a:rPr lang="de-DE" dirty="0"/>
-              <a:t> send a pull </a:t>
-            </a:r>
-            <a:r>
-              <a:rPr lang="de-DE" dirty="0" err="1"/>
-              <a:t>request</a:t>
-            </a:r>
-            <a:r>
-              <a:rPr lang="de-DE" dirty="0"/>
-              <a:t> </a:t>
-            </a:r>
-            <a:r>
-              <a:rPr lang="de-DE" dirty="0" err="1"/>
-              <a:t>to</a:t>
-            </a:r>
-            <a:r>
-              <a:rPr lang="de-DE" dirty="0"/>
-              <a:t> buschlab-</a:t>
-            </a:r>
-            <a:r>
-              <a:rPr lang="de-DE" dirty="0" err="1"/>
-              <a:t>muenster</a:t>
-            </a:r>
-            <a:r>
-              <a:rPr lang="de-DE" dirty="0"/>
-              <a:t> (</a:t>
-            </a:r>
-            <a:r>
-              <a:rPr lang="de-DE" dirty="0" err="1"/>
-              <a:t>master</a:t>
-            </a:r>
-            <a:r>
-              <a:rPr lang="de-DE" dirty="0"/>
-              <a:t> </a:t>
-            </a:r>
-            <a:r>
-              <a:rPr lang="de-DE" dirty="0" err="1"/>
-              <a:t>to</a:t>
-            </a:r>
-            <a:r>
-              <a:rPr lang="de-DE" dirty="0"/>
-              <a:t> </a:t>
-            </a:r>
-            <a:r>
-              <a:rPr lang="de-DE" dirty="0" err="1"/>
-              <a:t>master</a:t>
-            </a:r>
-            <a:r>
-              <a:rPr lang="de-DE" dirty="0"/>
-              <a:t>) </a:t>
-            </a:r>
-          </a:p>
-          <a:p>
-            <a:pPr marL="342900" indent="-342900">
-              <a:buAutoNum type="arabicPeriod"/>
-            </a:pPr>
-            <a:r>
-              <a:rPr lang="de-DE" dirty="0" err="1"/>
-              <a:t>If</a:t>
-            </a:r>
-            <a:r>
-              <a:rPr lang="de-DE" dirty="0"/>
-              <a:t> </a:t>
-            </a:r>
-            <a:r>
-              <a:rPr lang="de-DE" dirty="0" err="1"/>
-              <a:t>you</a:t>
-            </a:r>
-            <a:r>
-              <a:rPr lang="de-DE" dirty="0"/>
-              <a:t> </a:t>
-            </a:r>
-            <a:r>
-              <a:rPr lang="de-DE" dirty="0" err="1"/>
-              <a:t>want</a:t>
-            </a:r>
-            <a:r>
-              <a:rPr lang="de-DE" dirty="0"/>
-              <a:t> </a:t>
-            </a:r>
-            <a:r>
-              <a:rPr lang="de-DE" dirty="0" err="1"/>
-              <a:t>to</a:t>
-            </a:r>
-            <a:r>
-              <a:rPr lang="de-DE" dirty="0"/>
-              <a:t> „release“ </a:t>
-            </a:r>
-            <a:r>
-              <a:rPr lang="de-DE" dirty="0" err="1"/>
-              <a:t>the</a:t>
-            </a:r>
-            <a:r>
-              <a:rPr lang="de-DE" dirty="0"/>
-              <a:t> final </a:t>
-            </a:r>
-            <a:r>
-              <a:rPr lang="de-DE" dirty="0" err="1"/>
-              <a:t>preprocessing</a:t>
-            </a:r>
-            <a:r>
-              <a:rPr lang="de-DE" dirty="0"/>
-              <a:t> </a:t>
-            </a:r>
-            <a:r>
-              <a:rPr lang="de-DE" dirty="0" err="1"/>
-              <a:t>pipeline</a:t>
-            </a:r>
-            <a:r>
-              <a:rPr lang="de-DE" dirty="0"/>
-              <a:t>, e.g. </a:t>
-            </a:r>
-            <a:r>
-              <a:rPr lang="de-DE" dirty="0" err="1"/>
-              <a:t>for</a:t>
-            </a:r>
-            <a:r>
-              <a:rPr lang="de-DE" dirty="0"/>
-              <a:t> a </a:t>
-            </a:r>
-            <a:r>
-              <a:rPr lang="de-DE" dirty="0" err="1"/>
-              <a:t>publication</a:t>
-            </a:r>
-            <a:r>
-              <a:rPr lang="de-DE" dirty="0"/>
-              <a:t>, </a:t>
-            </a:r>
-            <a:r>
-              <a:rPr lang="de-DE" dirty="0" err="1"/>
-              <a:t>you</a:t>
-            </a:r>
-            <a:r>
-              <a:rPr lang="de-DE" dirty="0"/>
-              <a:t> </a:t>
-            </a:r>
-            <a:r>
-              <a:rPr lang="de-DE" dirty="0" err="1"/>
-              <a:t>could</a:t>
-            </a:r>
-            <a:r>
-              <a:rPr lang="de-DE" dirty="0"/>
-              <a:t> </a:t>
-            </a:r>
-            <a:r>
-              <a:rPr lang="de-DE" dirty="0" err="1"/>
-              <a:t>either</a:t>
-            </a:r>
-            <a:r>
-              <a:rPr lang="de-DE" dirty="0"/>
-              <a:t> </a:t>
-            </a:r>
-            <a:r>
-              <a:rPr lang="de-DE" dirty="0" err="1"/>
-              <a:t>think</a:t>
-            </a:r>
-            <a:r>
-              <a:rPr lang="de-DE" dirty="0"/>
-              <a:t> </a:t>
-            </a:r>
-            <a:r>
-              <a:rPr lang="de-DE" dirty="0" err="1"/>
-              <a:t>about</a:t>
-            </a:r>
-            <a:r>
-              <a:rPr lang="de-DE" dirty="0"/>
-              <a:t> a GitHub release </a:t>
-            </a:r>
-            <a:r>
-              <a:rPr lang="de-DE" dirty="0" err="1"/>
-              <a:t>of</a:t>
-            </a:r>
-            <a:r>
-              <a:rPr lang="de-DE" dirty="0"/>
-              <a:t> </a:t>
-            </a:r>
-            <a:r>
-              <a:rPr lang="de-DE" dirty="0" err="1"/>
-              <a:t>the</a:t>
-            </a:r>
-            <a:r>
-              <a:rPr lang="de-DE" dirty="0"/>
-              <a:t> </a:t>
-            </a:r>
-            <a:r>
-              <a:rPr lang="de-DE" dirty="0" err="1"/>
-              <a:t>respective</a:t>
-            </a:r>
-            <a:r>
-              <a:rPr lang="de-DE" dirty="0"/>
-              <a:t> </a:t>
-            </a:r>
-            <a:r>
-              <a:rPr lang="de-DE" dirty="0" err="1"/>
-              <a:t>branch</a:t>
-            </a:r>
-            <a:r>
-              <a:rPr lang="de-DE" dirty="0"/>
-              <a:t> (</a:t>
-            </a:r>
-            <a:r>
-              <a:rPr lang="de-DE" dirty="0" err="1"/>
-              <a:t>see</a:t>
-            </a:r>
-            <a:r>
-              <a:rPr lang="de-DE" dirty="0"/>
-              <a:t> </a:t>
-            </a:r>
-            <a:r>
-              <a:rPr lang="de-DE" dirty="0">
-                <a:hlinkClick r:id="rId2"/>
-              </a:rPr>
-              <a:t>https://docs.github.com/en/repositories/releasing-projects-on-github/managing-releases-in-a-repository</a:t>
-            </a:r>
-            <a:r>
-              <a:rPr lang="de-DE" dirty="0"/>
-              <a:t>) </a:t>
-            </a:r>
-            <a:r>
-              <a:rPr lang="de-DE" dirty="0" err="1"/>
-              <a:t>or</a:t>
-            </a:r>
-            <a:r>
-              <a:rPr lang="de-DE" dirty="0"/>
-              <a:t> </a:t>
-            </a:r>
-            <a:r>
-              <a:rPr lang="de-DE" dirty="0" err="1"/>
-              <a:t>paste</a:t>
-            </a:r>
-            <a:r>
-              <a:rPr lang="de-DE" dirty="0"/>
-              <a:t> </a:t>
-            </a:r>
-            <a:r>
-              <a:rPr lang="de-DE" dirty="0" err="1"/>
-              <a:t>the</a:t>
-            </a:r>
-            <a:r>
-              <a:rPr lang="de-DE" dirty="0"/>
-              <a:t> final </a:t>
-            </a:r>
-            <a:r>
-              <a:rPr lang="de-DE" dirty="0" err="1"/>
-              <a:t>version</a:t>
-            </a:r>
-            <a:r>
-              <a:rPr lang="de-DE" dirty="0"/>
-              <a:t> </a:t>
-            </a:r>
-            <a:r>
-              <a:rPr lang="de-DE" dirty="0" err="1"/>
-              <a:t>into</a:t>
-            </a:r>
-            <a:r>
-              <a:rPr lang="de-DE" dirty="0"/>
-              <a:t> a </a:t>
-            </a:r>
-            <a:r>
-              <a:rPr lang="de-DE" dirty="0" err="1"/>
-              <a:t>new</a:t>
-            </a:r>
-            <a:r>
-              <a:rPr lang="de-DE" dirty="0"/>
-              <a:t> stand-</a:t>
-            </a:r>
-            <a:r>
-              <a:rPr lang="de-DE" dirty="0" err="1"/>
-              <a:t>alone</a:t>
-            </a:r>
-            <a:r>
-              <a:rPr lang="de-DE" dirty="0"/>
-              <a:t> </a:t>
-            </a:r>
-            <a:r>
-              <a:rPr lang="de-DE" dirty="0" err="1"/>
-              <a:t>repository</a:t>
-            </a:r>
-            <a:endParaRPr lang="de-DE" dirty="0"/>
+            <a:endParaRPr lang="de-DE" sz="1100" dirty="0"/>
+          </a:p>
+        </p:txBody>
+      </p:sp>
+      <p:cxnSp>
+        <p:nvCxnSpPr>
+          <p:cNvPr id="77" name="Gerade Verbindung mit Pfeil 76">
+            <a:extLst>
+              <a:ext uri="{FF2B5EF4-FFF2-40B4-BE49-F238E27FC236}">
+                <a16:creationId xmlns:a16="http://schemas.microsoft.com/office/drawing/2014/main" id="{91C85550-3AEA-896F-4ED0-39224E877524}"/>
+              </a:ext>
+            </a:extLst>
+          </p:cNvPr>
+          <p:cNvCxnSpPr>
+            <a:cxnSpLocks/>
+          </p:cNvCxnSpPr>
+          <p:nvPr/>
+        </p:nvCxnSpPr>
+        <p:spPr>
+          <a:xfrm flipV="1">
+            <a:off x="4036709" y="1189300"/>
+            <a:ext cx="0" cy="815539"/>
+          </a:xfrm>
+          <a:prstGeom prst="straightConnector1">
+            <a:avLst/>
+          </a:prstGeom>
+          <a:ln>
+            <a:solidFill>
+              <a:schemeClr val="bg1">
+                <a:lumMod val="50000"/>
+              </a:schemeClr>
+            </a:solidFill>
+            <a:tailEnd type="triangle"/>
+          </a:ln>
+        </p:spPr>
+        <p:style>
+          <a:lnRef idx="3">
+            <a:schemeClr val="dk1"/>
+          </a:lnRef>
+          <a:fillRef idx="0">
+            <a:schemeClr val="dk1"/>
+          </a:fillRef>
+          <a:effectRef idx="2">
+            <a:schemeClr val="dk1"/>
+          </a:effectRef>
+          <a:fontRef idx="minor">
+            <a:schemeClr val="tx1"/>
+          </a:fontRef>
+        </p:style>
+      </p:cxnSp>
+      <p:cxnSp>
+        <p:nvCxnSpPr>
+          <p:cNvPr id="78" name="Gerade Verbindung mit Pfeil 77">
+            <a:extLst>
+              <a:ext uri="{FF2B5EF4-FFF2-40B4-BE49-F238E27FC236}">
+                <a16:creationId xmlns:a16="http://schemas.microsoft.com/office/drawing/2014/main" id="{D495F3D1-12BD-F03A-5E43-428EF94ED742}"/>
+              </a:ext>
+            </a:extLst>
+          </p:cNvPr>
+          <p:cNvCxnSpPr>
+            <a:cxnSpLocks/>
+          </p:cNvCxnSpPr>
+          <p:nvPr/>
+        </p:nvCxnSpPr>
+        <p:spPr>
+          <a:xfrm flipV="1">
+            <a:off x="3090853" y="1194793"/>
+            <a:ext cx="8375" cy="1232758"/>
+          </a:xfrm>
+          <a:prstGeom prst="straightConnector1">
+            <a:avLst/>
+          </a:prstGeom>
+          <a:ln>
+            <a:solidFill>
+              <a:schemeClr val="bg1">
+                <a:lumMod val="50000"/>
+              </a:schemeClr>
+            </a:solidFill>
+            <a:tailEnd type="triangle"/>
+          </a:ln>
+        </p:spPr>
+        <p:style>
+          <a:lnRef idx="3">
+            <a:schemeClr val="dk1"/>
+          </a:lnRef>
+          <a:fillRef idx="0">
+            <a:schemeClr val="dk1"/>
+          </a:fillRef>
+          <a:effectRef idx="2">
+            <a:schemeClr val="dk1"/>
+          </a:effectRef>
+          <a:fontRef idx="minor">
+            <a:schemeClr val="tx1"/>
+          </a:fontRef>
+        </p:style>
+      </p:cxnSp>
+      <p:cxnSp>
+        <p:nvCxnSpPr>
+          <p:cNvPr id="81" name="Gerade Verbindung mit Pfeil 80">
+            <a:extLst>
+              <a:ext uri="{FF2B5EF4-FFF2-40B4-BE49-F238E27FC236}">
+                <a16:creationId xmlns:a16="http://schemas.microsoft.com/office/drawing/2014/main" id="{269C6F4A-BBF3-1949-D9B4-FF26E70F6CFE}"/>
+              </a:ext>
+            </a:extLst>
+          </p:cNvPr>
+          <p:cNvCxnSpPr>
+            <a:cxnSpLocks/>
+          </p:cNvCxnSpPr>
+          <p:nvPr/>
+        </p:nvCxnSpPr>
+        <p:spPr>
+          <a:xfrm flipH="1">
+            <a:off x="3083255" y="1098724"/>
+            <a:ext cx="869390" cy="0"/>
+          </a:xfrm>
+          <a:prstGeom prst="straightConnector1">
+            <a:avLst/>
+          </a:prstGeom>
+          <a:ln>
+            <a:tailEnd type="triangle"/>
+          </a:ln>
+        </p:spPr>
+        <p:style>
+          <a:lnRef idx="3">
+            <a:schemeClr val="dk1"/>
+          </a:lnRef>
+          <a:fillRef idx="0">
+            <a:schemeClr val="dk1"/>
+          </a:fillRef>
+          <a:effectRef idx="2">
+            <a:schemeClr val="dk1"/>
+          </a:effectRef>
+          <a:fontRef idx="minor">
+            <a:schemeClr val="tx1"/>
+          </a:fontRef>
+        </p:style>
+      </p:cxnSp>
+      <p:sp>
+        <p:nvSpPr>
+          <p:cNvPr id="82" name="Textfeld 81">
+            <a:extLst>
+              <a:ext uri="{FF2B5EF4-FFF2-40B4-BE49-F238E27FC236}">
+                <a16:creationId xmlns:a16="http://schemas.microsoft.com/office/drawing/2014/main" id="{ABFD4079-1C4A-3A80-158C-5E200170E59D}"/>
+              </a:ext>
+            </a:extLst>
+          </p:cNvPr>
+          <p:cNvSpPr txBox="1"/>
+          <p:nvPr/>
+        </p:nvSpPr>
+        <p:spPr>
+          <a:xfrm>
+            <a:off x="3113796" y="768087"/>
+            <a:ext cx="553357" cy="261610"/>
+          </a:xfrm>
+          <a:prstGeom prst="rect">
+            <a:avLst/>
+          </a:prstGeom>
+          <a:noFill/>
+        </p:spPr>
+        <p:txBody>
+          <a:bodyPr wrap="none" rtlCol="0">
+            <a:spAutoFit/>
+          </a:bodyPr>
+          <a:lstStyle/>
+          <a:p>
+            <a:r>
+              <a:rPr lang="de-DE" sz="1100" dirty="0" err="1"/>
+              <a:t>merge</a:t>
+            </a:r>
+            <a:endParaRPr lang="de-DE" sz="1100" dirty="0"/>
+          </a:p>
+        </p:txBody>
+      </p:sp>
+      <p:cxnSp>
+        <p:nvCxnSpPr>
+          <p:cNvPr id="83" name="Gerade Verbindung mit Pfeil 82">
+            <a:extLst>
+              <a:ext uri="{FF2B5EF4-FFF2-40B4-BE49-F238E27FC236}">
+                <a16:creationId xmlns:a16="http://schemas.microsoft.com/office/drawing/2014/main" id="{9B33DAFE-3314-93DE-2FE0-104E21653FF1}"/>
+              </a:ext>
+            </a:extLst>
+          </p:cNvPr>
+          <p:cNvCxnSpPr>
+            <a:cxnSpLocks/>
+          </p:cNvCxnSpPr>
+          <p:nvPr/>
+        </p:nvCxnSpPr>
+        <p:spPr>
+          <a:xfrm flipH="1">
+            <a:off x="2204341" y="1023351"/>
+            <a:ext cx="1747042" cy="7678"/>
+          </a:xfrm>
+          <a:prstGeom prst="straightConnector1">
+            <a:avLst/>
+          </a:prstGeom>
+          <a:ln>
+            <a:tailEnd type="triangle"/>
+          </a:ln>
+        </p:spPr>
+        <p:style>
+          <a:lnRef idx="3">
+            <a:schemeClr val="dk1"/>
+          </a:lnRef>
+          <a:fillRef idx="0">
+            <a:schemeClr val="dk1"/>
+          </a:fillRef>
+          <a:effectRef idx="2">
+            <a:schemeClr val="dk1"/>
+          </a:effectRef>
+          <a:fontRef idx="minor">
+            <a:schemeClr val="tx1"/>
+          </a:fontRef>
+        </p:style>
+      </p:cxnSp>
+      <p:cxnSp>
+        <p:nvCxnSpPr>
+          <p:cNvPr id="86" name="Gerade Verbindung mit Pfeil 85">
+            <a:extLst>
+              <a:ext uri="{FF2B5EF4-FFF2-40B4-BE49-F238E27FC236}">
+                <a16:creationId xmlns:a16="http://schemas.microsoft.com/office/drawing/2014/main" id="{329A3DDA-C4EA-16BB-3DBF-3F1CD1BC27DC}"/>
+              </a:ext>
+            </a:extLst>
+          </p:cNvPr>
+          <p:cNvCxnSpPr>
+            <a:cxnSpLocks/>
+          </p:cNvCxnSpPr>
+          <p:nvPr/>
+        </p:nvCxnSpPr>
+        <p:spPr>
+          <a:xfrm flipV="1">
+            <a:off x="9304496" y="1048122"/>
+            <a:ext cx="0" cy="282356"/>
+          </a:xfrm>
+          <a:prstGeom prst="straightConnector1">
+            <a:avLst/>
+          </a:prstGeom>
+          <a:ln>
+            <a:tailEnd type="triangle"/>
+          </a:ln>
+        </p:spPr>
+        <p:style>
+          <a:lnRef idx="3">
+            <a:schemeClr val="dk1"/>
+          </a:lnRef>
+          <a:fillRef idx="0">
+            <a:schemeClr val="dk1"/>
+          </a:fillRef>
+          <a:effectRef idx="2">
+            <a:schemeClr val="dk1"/>
+          </a:effectRef>
+          <a:fontRef idx="minor">
+            <a:schemeClr val="tx1"/>
+          </a:fontRef>
+        </p:style>
+      </p:cxnSp>
+      <p:cxnSp>
+        <p:nvCxnSpPr>
+          <p:cNvPr id="93" name="Gerade Verbindung mit Pfeil 92">
+            <a:extLst>
+              <a:ext uri="{FF2B5EF4-FFF2-40B4-BE49-F238E27FC236}">
+                <a16:creationId xmlns:a16="http://schemas.microsoft.com/office/drawing/2014/main" id="{8C4B4DA9-4E29-CFC9-EA3B-4587A3735F10}"/>
+              </a:ext>
+            </a:extLst>
+          </p:cNvPr>
+          <p:cNvCxnSpPr>
+            <a:cxnSpLocks/>
+          </p:cNvCxnSpPr>
+          <p:nvPr/>
+        </p:nvCxnSpPr>
+        <p:spPr>
+          <a:xfrm flipH="1" flipV="1">
+            <a:off x="2204341" y="1127097"/>
+            <a:ext cx="1492" cy="245142"/>
+          </a:xfrm>
+          <a:prstGeom prst="straightConnector1">
+            <a:avLst/>
+          </a:prstGeom>
+          <a:ln>
+            <a:solidFill>
+              <a:schemeClr val="bg1">
+                <a:lumMod val="50000"/>
+              </a:schemeClr>
+            </a:solidFill>
+            <a:tailEnd type="triangle"/>
+          </a:ln>
+        </p:spPr>
+        <p:style>
+          <a:lnRef idx="3">
+            <a:schemeClr val="dk1"/>
+          </a:lnRef>
+          <a:fillRef idx="0">
+            <a:schemeClr val="dk1"/>
+          </a:fillRef>
+          <a:effectRef idx="2">
+            <a:schemeClr val="dk1"/>
+          </a:effectRef>
+          <a:fontRef idx="minor">
+            <a:schemeClr val="tx1"/>
+          </a:fontRef>
+        </p:style>
+      </p:cxnSp>
+      <p:cxnSp>
+        <p:nvCxnSpPr>
+          <p:cNvPr id="104" name="Gerade Verbindung mit Pfeil 103">
+            <a:extLst>
+              <a:ext uri="{FF2B5EF4-FFF2-40B4-BE49-F238E27FC236}">
+                <a16:creationId xmlns:a16="http://schemas.microsoft.com/office/drawing/2014/main" id="{47161066-1BE0-B5EC-999C-BDAC818A6795}"/>
+              </a:ext>
+            </a:extLst>
+          </p:cNvPr>
+          <p:cNvCxnSpPr>
+            <a:cxnSpLocks/>
+          </p:cNvCxnSpPr>
+          <p:nvPr/>
+        </p:nvCxnSpPr>
+        <p:spPr>
+          <a:xfrm flipV="1">
+            <a:off x="9304496" y="711407"/>
+            <a:ext cx="0" cy="282356"/>
+          </a:xfrm>
+          <a:prstGeom prst="straightConnector1">
+            <a:avLst/>
+          </a:prstGeom>
+          <a:ln>
+            <a:tailEnd type="triangle"/>
+          </a:ln>
+        </p:spPr>
+        <p:style>
+          <a:lnRef idx="3">
+            <a:schemeClr val="dk1"/>
+          </a:lnRef>
+          <a:fillRef idx="0">
+            <a:schemeClr val="dk1"/>
+          </a:fillRef>
+          <a:effectRef idx="2">
+            <a:schemeClr val="dk1"/>
+          </a:effectRef>
+          <a:fontRef idx="minor">
+            <a:schemeClr val="tx1"/>
+          </a:fontRef>
+        </p:style>
+      </p:cxnSp>
+      <p:cxnSp>
+        <p:nvCxnSpPr>
+          <p:cNvPr id="105" name="Gerade Verbindung mit Pfeil 104">
+            <a:extLst>
+              <a:ext uri="{FF2B5EF4-FFF2-40B4-BE49-F238E27FC236}">
+                <a16:creationId xmlns:a16="http://schemas.microsoft.com/office/drawing/2014/main" id="{7D77AAF3-1C92-40D6-11D5-7A06926E3A70}"/>
+              </a:ext>
+            </a:extLst>
+          </p:cNvPr>
+          <p:cNvCxnSpPr>
+            <a:cxnSpLocks/>
+          </p:cNvCxnSpPr>
+          <p:nvPr/>
+        </p:nvCxnSpPr>
+        <p:spPr>
+          <a:xfrm flipV="1">
+            <a:off x="2204341" y="688639"/>
+            <a:ext cx="0" cy="282356"/>
+          </a:xfrm>
+          <a:prstGeom prst="straightConnector1">
+            <a:avLst/>
+          </a:prstGeom>
+          <a:ln>
+            <a:tailEnd type="triangle"/>
+          </a:ln>
+        </p:spPr>
+        <p:style>
+          <a:lnRef idx="3">
+            <a:schemeClr val="dk1"/>
+          </a:lnRef>
+          <a:fillRef idx="0">
+            <a:schemeClr val="dk1"/>
+          </a:fillRef>
+          <a:effectRef idx="2">
+            <a:schemeClr val="dk1"/>
+          </a:effectRef>
+          <a:fontRef idx="minor">
+            <a:schemeClr val="tx1"/>
+          </a:fontRef>
+        </p:style>
+      </p:cxnSp>
+      <p:cxnSp>
+        <p:nvCxnSpPr>
+          <p:cNvPr id="106" name="Gerade Verbindung mit Pfeil 105">
+            <a:extLst>
+              <a:ext uri="{FF2B5EF4-FFF2-40B4-BE49-F238E27FC236}">
+                <a16:creationId xmlns:a16="http://schemas.microsoft.com/office/drawing/2014/main" id="{A275D6CE-AFB8-ECFA-76E7-9D0B6933EEC1}"/>
+              </a:ext>
+            </a:extLst>
+          </p:cNvPr>
+          <p:cNvCxnSpPr>
+            <a:cxnSpLocks/>
+          </p:cNvCxnSpPr>
+          <p:nvPr/>
+        </p:nvCxnSpPr>
+        <p:spPr>
+          <a:xfrm flipH="1">
+            <a:off x="1143000" y="584433"/>
+            <a:ext cx="1052503" cy="0"/>
+          </a:xfrm>
+          <a:prstGeom prst="straightConnector1">
+            <a:avLst/>
+          </a:prstGeom>
+          <a:ln>
+            <a:tailEnd type="triangle"/>
+          </a:ln>
+        </p:spPr>
+        <p:style>
+          <a:lnRef idx="3">
+            <a:schemeClr val="dk1"/>
+          </a:lnRef>
+          <a:fillRef idx="0">
+            <a:schemeClr val="dk1"/>
+          </a:fillRef>
+          <a:effectRef idx="2">
+            <a:schemeClr val="dk1"/>
+          </a:effectRef>
+          <a:fontRef idx="minor">
+            <a:schemeClr val="tx1"/>
+          </a:fontRef>
+        </p:style>
+      </p:cxnSp>
+      <p:sp>
+        <p:nvSpPr>
+          <p:cNvPr id="109" name="Textfeld 108">
+            <a:extLst>
+              <a:ext uri="{FF2B5EF4-FFF2-40B4-BE49-F238E27FC236}">
+                <a16:creationId xmlns:a16="http://schemas.microsoft.com/office/drawing/2014/main" id="{6C4FA097-E4D4-6FCB-7FCF-C303A9B04183}"/>
+              </a:ext>
+            </a:extLst>
+          </p:cNvPr>
+          <p:cNvSpPr txBox="1"/>
+          <p:nvPr/>
+        </p:nvSpPr>
+        <p:spPr>
+          <a:xfrm>
+            <a:off x="295994" y="430544"/>
+            <a:ext cx="840871" cy="307777"/>
+          </a:xfrm>
+          <a:prstGeom prst="rect">
+            <a:avLst/>
+          </a:prstGeom>
+          <a:noFill/>
+        </p:spPr>
+        <p:txBody>
+          <a:bodyPr wrap="none" rtlCol="0">
+            <a:spAutoFit/>
+          </a:bodyPr>
+          <a:lstStyle/>
+          <a:p>
+            <a:pPr algn="ctr"/>
+            <a:r>
+              <a:rPr lang="de-DE" sz="1400" b="1" dirty="0"/>
+              <a:t>Release?</a:t>
+            </a:r>
+          </a:p>
+        </p:txBody>
+      </p:sp>
+      <p:cxnSp>
+        <p:nvCxnSpPr>
+          <p:cNvPr id="110" name="Gerade Verbindung mit Pfeil 109">
+            <a:extLst>
+              <a:ext uri="{FF2B5EF4-FFF2-40B4-BE49-F238E27FC236}">
+                <a16:creationId xmlns:a16="http://schemas.microsoft.com/office/drawing/2014/main" id="{D7BE1F1C-E528-DD7B-9657-2A18B53B2AC3}"/>
+              </a:ext>
+            </a:extLst>
+          </p:cNvPr>
+          <p:cNvCxnSpPr>
+            <a:cxnSpLocks/>
+          </p:cNvCxnSpPr>
+          <p:nvPr/>
+        </p:nvCxnSpPr>
+        <p:spPr>
+          <a:xfrm>
+            <a:off x="9304496" y="674182"/>
+            <a:ext cx="1052503" cy="0"/>
+          </a:xfrm>
+          <a:prstGeom prst="straightConnector1">
+            <a:avLst/>
+          </a:prstGeom>
+          <a:ln>
+            <a:tailEnd type="triangle"/>
+          </a:ln>
+        </p:spPr>
+        <p:style>
+          <a:lnRef idx="3">
+            <a:schemeClr val="dk1"/>
+          </a:lnRef>
+          <a:fillRef idx="0">
+            <a:schemeClr val="dk1"/>
+          </a:fillRef>
+          <a:effectRef idx="2">
+            <a:schemeClr val="dk1"/>
+          </a:effectRef>
+          <a:fontRef idx="minor">
+            <a:schemeClr val="tx1"/>
+          </a:fontRef>
+        </p:style>
+      </p:cxnSp>
+      <p:sp>
+        <p:nvSpPr>
+          <p:cNvPr id="111" name="Textfeld 110">
+            <a:extLst>
+              <a:ext uri="{FF2B5EF4-FFF2-40B4-BE49-F238E27FC236}">
+                <a16:creationId xmlns:a16="http://schemas.microsoft.com/office/drawing/2014/main" id="{2288D887-69A6-7802-1639-0A892DC98979}"/>
+              </a:ext>
+            </a:extLst>
+          </p:cNvPr>
+          <p:cNvSpPr txBox="1"/>
+          <p:nvPr/>
+        </p:nvSpPr>
+        <p:spPr>
+          <a:xfrm flipH="1">
+            <a:off x="10390344" y="508557"/>
+            <a:ext cx="840871" cy="307777"/>
+          </a:xfrm>
+          <a:prstGeom prst="rect">
+            <a:avLst/>
+          </a:prstGeom>
+          <a:noFill/>
+        </p:spPr>
+        <p:txBody>
+          <a:bodyPr wrap="none" rtlCol="0">
+            <a:spAutoFit/>
+          </a:bodyPr>
+          <a:lstStyle/>
+          <a:p>
+            <a:pPr algn="ctr"/>
+            <a:r>
+              <a:rPr lang="de-DE" sz="1400" b="1" dirty="0"/>
+              <a:t>Release?</a:t>
+            </a:r>
+          </a:p>
+        </p:txBody>
+      </p:sp>
+      <p:cxnSp>
+        <p:nvCxnSpPr>
+          <p:cNvPr id="112" name="Gerade Verbindung mit Pfeil 111">
+            <a:extLst>
+              <a:ext uri="{FF2B5EF4-FFF2-40B4-BE49-F238E27FC236}">
+                <a16:creationId xmlns:a16="http://schemas.microsoft.com/office/drawing/2014/main" id="{41EC68B9-B174-C831-CD24-11FEC29FE2C8}"/>
+              </a:ext>
+            </a:extLst>
+          </p:cNvPr>
+          <p:cNvCxnSpPr>
+            <a:cxnSpLocks/>
+          </p:cNvCxnSpPr>
+          <p:nvPr/>
+        </p:nvCxnSpPr>
+        <p:spPr>
+          <a:xfrm flipV="1">
+            <a:off x="3113796" y="674182"/>
+            <a:ext cx="0" cy="282356"/>
+          </a:xfrm>
+          <a:prstGeom prst="straightConnector1">
+            <a:avLst/>
+          </a:prstGeom>
+          <a:ln>
+            <a:tailEnd type="triangle"/>
+          </a:ln>
+        </p:spPr>
+        <p:style>
+          <a:lnRef idx="3">
+            <a:schemeClr val="dk1"/>
+          </a:lnRef>
+          <a:fillRef idx="0">
+            <a:schemeClr val="dk1"/>
+          </a:fillRef>
+          <a:effectRef idx="2">
+            <a:schemeClr val="dk1"/>
+          </a:effectRef>
+          <a:fontRef idx="minor">
+            <a:schemeClr val="tx1"/>
+          </a:fontRef>
+        </p:style>
+      </p:cxnSp>
+      <p:sp>
+        <p:nvSpPr>
+          <p:cNvPr id="119" name="Textfeld 118">
+            <a:extLst>
+              <a:ext uri="{FF2B5EF4-FFF2-40B4-BE49-F238E27FC236}">
+                <a16:creationId xmlns:a16="http://schemas.microsoft.com/office/drawing/2014/main" id="{D24B20D7-5D64-3D18-1976-25040BBB2700}"/>
+              </a:ext>
+            </a:extLst>
+          </p:cNvPr>
+          <p:cNvSpPr txBox="1"/>
+          <p:nvPr/>
+        </p:nvSpPr>
+        <p:spPr>
+          <a:xfrm>
+            <a:off x="6486609" y="2253972"/>
+            <a:ext cx="415498" cy="261610"/>
+          </a:xfrm>
+          <a:prstGeom prst="rect">
+            <a:avLst/>
+          </a:prstGeom>
+          <a:noFill/>
+        </p:spPr>
+        <p:txBody>
+          <a:bodyPr wrap="square" rtlCol="0">
+            <a:spAutoFit/>
+          </a:bodyPr>
+          <a:lstStyle/>
+          <a:p>
+            <a:r>
+              <a:rPr lang="de-DE" sz="1100" dirty="0" err="1"/>
+              <a:t>fork</a:t>
+            </a:r>
+            <a:endParaRPr lang="de-DE" sz="1100" dirty="0"/>
           </a:p>
         </p:txBody>
       </p:sp>
@@ -30960,60 +31496,15 @@
                                   </p:childTnLst>
                                 </p:cTn>
                               </p:par>
-                            </p:childTnLst>
-                          </p:cTn>
-                        </p:par>
-                      </p:childTnLst>
-                    </p:cTn>
-                  </p:par>
-                  <p:par>
-                    <p:cTn id="59" fill="hold">
-                      <p:stCondLst>
-                        <p:cond delay="indefinite"/>
-                      </p:stCondLst>
-                      <p:childTnLst>
-                        <p:par>
-                          <p:cTn id="60" fill="hold">
-                            <p:stCondLst>
-                              <p:cond delay="0"/>
-                            </p:stCondLst>
-                            <p:childTnLst>
                               <p:par>
-                                <p:cTn id="61" presetID="1" presetClass="entr" presetSubtype="0" fill="hold" nodeType="clickEffect">
+                                <p:cTn id="59" presetID="1" presetClass="entr" presetSubtype="0" fill="hold" grpId="0" nodeType="withEffect">
                                   <p:stCondLst>
                                     <p:cond delay="0"/>
                                   </p:stCondLst>
                                   <p:childTnLst>
                                     <p:set>
                                       <p:cBhvr>
-                                        <p:cTn id="62" dur="1" fill="hold">
-                                          <p:stCondLst>
-                                            <p:cond delay="0"/>
-                                          </p:stCondLst>
-                                        </p:cTn>
-                                        <p:tgtEl>
-                                          <p:spTgt spid="120"/>
-                                        </p:tgtEl>
-                                        <p:attrNameLst>
-                                          <p:attrName>style.visibility</p:attrName>
-                                        </p:attrNameLst>
-                                      </p:cBhvr>
-                                      <p:to>
-                                        <p:strVal val="visible"/>
-                                      </p:to>
-                                    </p:set>
-                                  </p:childTnLst>
-                                </p:cTn>
-                              </p:par>
-                              <p:par>
-                                <p:cTn id="63" presetID="1" presetClass="entr" presetSubtype="0" fill="hold" grpId="0" nodeType="withEffect">
-                                  <p:stCondLst>
-                                    <p:cond delay="0"/>
-                                  </p:stCondLst>
-                                  <p:childTnLst>
-                                    <p:set>
-                                      <p:cBhvr>
-                                        <p:cTn id="64" dur="1" fill="hold">
+                                        <p:cTn id="60" dur="1" fill="hold">
                                           <p:stCondLst>
                                             <p:cond delay="0"/>
                                           </p:stCondLst>
@@ -31039,32 +31530,32 @@
                     </p:cTn>
                   </p:par>
                   <p:par>
-                    <p:cTn id="65" fill="hold">
+                    <p:cTn id="61" fill="hold">
                       <p:stCondLst>
                         <p:cond delay="indefinite"/>
                       </p:stCondLst>
                       <p:childTnLst>
                         <p:par>
-                          <p:cTn id="66" fill="hold">
+                          <p:cTn id="62" fill="hold">
                             <p:stCondLst>
                               <p:cond delay="0"/>
                             </p:stCondLst>
                             <p:childTnLst>
                               <p:par>
-                                <p:cTn id="67" presetID="1" presetClass="entr" presetSubtype="0" fill="hold" nodeType="clickEffect">
+                                <p:cTn id="63" presetID="1" presetClass="entr" presetSubtype="0" fill="hold" nodeType="clickEffect">
                                   <p:stCondLst>
                                     <p:cond delay="0"/>
                                   </p:stCondLst>
                                   <p:childTnLst>
                                     <p:set>
                                       <p:cBhvr>
-                                        <p:cTn id="68" dur="1" fill="hold">
+                                        <p:cTn id="64" dur="1" fill="hold">
                                           <p:stCondLst>
                                             <p:cond delay="0"/>
                                           </p:stCondLst>
                                         </p:cTn>
                                         <p:tgtEl>
-                                          <p:spTgt spid="122"/>
+                                          <p:spTgt spid="126"/>
                                         </p:tgtEl>
                                         <p:attrNameLst>
                                           <p:attrName>style.visibility</p:attrName>
@@ -31078,20 +31569,20 @@
                                 </p:cTn>
                               </p:par>
                               <p:par>
-                                <p:cTn id="69" presetID="1" presetClass="entr" presetSubtype="0" fill="hold" grpId="0" nodeType="withEffect">
+                                <p:cTn id="65" presetID="1" presetClass="entr" presetSubtype="0" fill="hold" grpId="0" nodeType="withEffect">
                                   <p:stCondLst>
                                     <p:cond delay="0"/>
                                   </p:stCondLst>
                                   <p:childTnLst>
                                     <p:set>
                                       <p:cBhvr>
-                                        <p:cTn id="70" dur="1" fill="hold">
+                                        <p:cTn id="66" dur="1" fill="hold">
                                           <p:stCondLst>
                                             <p:cond delay="0"/>
                                           </p:stCondLst>
                                         </p:cTn>
                                         <p:tgtEl>
-                                          <p:spTgt spid="123"/>
+                                          <p:spTgt spid="44"/>
                                         </p:tgtEl>
                                         <p:attrNameLst>
                                           <p:attrName>style.visibility</p:attrName>
@@ -31105,20 +31596,20 @@
                                 </p:cTn>
                               </p:par>
                               <p:par>
-                                <p:cTn id="71" presetID="1" presetClass="entr" presetSubtype="0" fill="hold" nodeType="withEffect">
+                                <p:cTn id="67" presetID="1" presetClass="entr" presetSubtype="0" fill="hold" grpId="0" nodeType="withEffect">
                                   <p:stCondLst>
                                     <p:cond delay="0"/>
                                   </p:stCondLst>
                                   <p:childTnLst>
                                     <p:set>
                                       <p:cBhvr>
-                                        <p:cTn id="72" dur="1" fill="hold">
+                                        <p:cTn id="68" dur="1" fill="hold">
                                           <p:stCondLst>
                                             <p:cond delay="0"/>
                                           </p:stCondLst>
                                         </p:cTn>
                                         <p:tgtEl>
-                                          <p:spTgt spid="124"/>
+                                          <p:spTgt spid="39"/>
                                         </p:tgtEl>
                                         <p:attrNameLst>
                                           <p:attrName>style.visibility</p:attrName>
@@ -31138,19 +31629,73 @@
                     </p:cTn>
                   </p:par>
                   <p:par>
-                    <p:cTn id="73" fill="hold">
+                    <p:cTn id="69" fill="hold">
                       <p:stCondLst>
                         <p:cond delay="indefinite"/>
                       </p:stCondLst>
                       <p:childTnLst>
                         <p:par>
-                          <p:cTn id="74" fill="hold">
+                          <p:cTn id="70" fill="hold">
                             <p:stCondLst>
                               <p:cond delay="0"/>
                             </p:stCondLst>
                             <p:childTnLst>
                               <p:par>
-                                <p:cTn id="75" presetID="1" presetClass="entr" presetSubtype="0" fill="hold" nodeType="clickEffect">
+                                <p:cTn id="71" presetID="1" presetClass="entr" presetSubtype="0" fill="hold" grpId="0" nodeType="clickEffect">
+                                  <p:stCondLst>
+                                    <p:cond delay="0"/>
+                                  </p:stCondLst>
+                                  <p:childTnLst>
+                                    <p:set>
+                                      <p:cBhvr>
+                                        <p:cTn id="72" dur="1" fill="hold">
+                                          <p:stCondLst>
+                                            <p:cond delay="0"/>
+                                          </p:stCondLst>
+                                        </p:cTn>
+                                        <p:tgtEl>
+                                          <p:spTgt spid="57"/>
+                                        </p:tgtEl>
+                                        <p:attrNameLst>
+                                          <p:attrName>style.visibility</p:attrName>
+                                        </p:attrNameLst>
+                                      </p:cBhvr>
+                                      <p:to>
+                                        <p:strVal val="visible"/>
+                                      </p:to>
+                                    </p:set>
+                                  </p:childTnLst>
+                                </p:cTn>
+                              </p:par>
+                              <p:par>
+                                <p:cTn id="73" presetID="1" presetClass="entr" presetSubtype="0" fill="hold" nodeType="withEffect">
+                                  <p:stCondLst>
+                                    <p:cond delay="0"/>
+                                  </p:stCondLst>
+                                  <p:childTnLst>
+                                    <p:set>
+                                      <p:cBhvr>
+                                        <p:cTn id="74" dur="1" fill="hold">
+                                          <p:stCondLst>
+                                            <p:cond delay="0"/>
+                                          </p:stCondLst>
+                                        </p:cTn>
+                                        <p:tgtEl>
+                                          <p:spTgt spid="56"/>
+                                        </p:tgtEl>
+                                        <p:attrNameLst>
+                                          <p:attrName>style.visibility</p:attrName>
+                                        </p:attrNameLst>
+                                      </p:cBhvr>
+                                      <p:to>
+                                        <p:strVal val="visible"/>
+                                      </p:to>
+                                    </p:set>
+                                  </p:childTnLst>
+                                </p:cTn>
+                              </p:par>
+                              <p:par>
+                                <p:cTn id="75" presetID="1" presetClass="entr" presetSubtype="0" fill="hold" grpId="0" nodeType="withEffect">
                                   <p:stCondLst>
                                     <p:cond delay="0"/>
                                   </p:stCondLst>
@@ -31163,7 +31708,7 @@
                                           </p:stCondLst>
                                         </p:cTn>
                                         <p:tgtEl>
-                                          <p:spTgt spid="126"/>
+                                          <p:spTgt spid="45"/>
                                         </p:tgtEl>
                                         <p:attrNameLst>
                                           <p:attrName>style.visibility</p:attrName>
@@ -31208,7 +31753,7 @@
                                           </p:stCondLst>
                                         </p:cTn>
                                         <p:tgtEl>
-                                          <p:spTgt spid="128"/>
+                                          <p:spTgt spid="46"/>
                                         </p:tgtEl>
                                         <p:attrNameLst>
                                           <p:attrName>style.visibility</p:attrName>
@@ -31235,7 +31780,34 @@
                                           </p:stCondLst>
                                         </p:cTn>
                                         <p:tgtEl>
-                                          <p:spTgt spid="129"/>
+                                          <p:spTgt spid="47"/>
+                                        </p:tgtEl>
+                                        <p:attrNameLst>
+                                          <p:attrName>style.visibility</p:attrName>
+                                        </p:attrNameLst>
+                                      </p:cBhvr>
+                                      <p:to>
+                                        <p:strVal val="visible"/>
+                                      </p:to>
+                                    </p:set>
+                                  </p:childTnLst>
+                                </p:cTn>
+                              </p:par>
+                              <p:par>
+                                <p:cTn id="83" presetID="1" presetClass="entr" presetSubtype="0" fill="hold" nodeType="withEffect">
+                                  <p:stCondLst>
+                                    <p:cond delay="0"/>
+                                  </p:stCondLst>
+                                  <p:childTnLst>
+                                    <p:set>
+                                      <p:cBhvr>
+                                        <p:cTn id="84" dur="1" fill="hold">
+                                          <p:stCondLst>
+                                            <p:cond delay="0"/>
+                                          </p:stCondLst>
+                                        </p:cTn>
+                                        <p:tgtEl>
+                                          <p:spTgt spid="48"/>
                                         </p:tgtEl>
                                         <p:attrNameLst>
                                           <p:attrName>style.visibility</p:attrName>
@@ -31255,32 +31827,869 @@
                     </p:cTn>
                   </p:par>
                   <p:par>
-                    <p:cTn id="83" fill="hold">
+                    <p:cTn id="85" fill="hold">
                       <p:stCondLst>
                         <p:cond delay="indefinite"/>
                       </p:stCondLst>
                       <p:childTnLst>
                         <p:par>
-                          <p:cTn id="84" fill="hold">
+                          <p:cTn id="86" fill="hold">
                             <p:stCondLst>
                               <p:cond delay="0"/>
                             </p:stCondLst>
                             <p:childTnLst>
                               <p:par>
-                                <p:cTn id="85" presetID="1" presetClass="entr" presetSubtype="0" fill="hold" nodeType="clickEffect">
+                                <p:cTn id="87" presetID="1" presetClass="entr" presetSubtype="0" fill="hold" nodeType="clickEffect">
                                   <p:stCondLst>
                                     <p:cond delay="0"/>
                                   </p:stCondLst>
                                   <p:childTnLst>
                                     <p:set>
                                       <p:cBhvr>
-                                        <p:cTn id="86" dur="1" fill="hold">
+                                        <p:cTn id="88" dur="1" fill="hold">
                                           <p:stCondLst>
                                             <p:cond delay="0"/>
                                           </p:stCondLst>
                                         </p:cTn>
                                         <p:tgtEl>
-                                          <p:spTgt spid="130"/>
+                                          <p:spTgt spid="58"/>
+                                        </p:tgtEl>
+                                        <p:attrNameLst>
+                                          <p:attrName>style.visibility</p:attrName>
+                                        </p:attrNameLst>
+                                      </p:cBhvr>
+                                      <p:to>
+                                        <p:strVal val="visible"/>
+                                      </p:to>
+                                    </p:set>
+                                  </p:childTnLst>
+                                </p:cTn>
+                              </p:par>
+                            </p:childTnLst>
+                          </p:cTn>
+                        </p:par>
+                      </p:childTnLst>
+                    </p:cTn>
+                  </p:par>
+                  <p:par>
+                    <p:cTn id="89" fill="hold">
+                      <p:stCondLst>
+                        <p:cond delay="indefinite"/>
+                      </p:stCondLst>
+                      <p:childTnLst>
+                        <p:par>
+                          <p:cTn id="90" fill="hold">
+                            <p:stCondLst>
+                              <p:cond delay="0"/>
+                            </p:stCondLst>
+                            <p:childTnLst>
+                              <p:par>
+                                <p:cTn id="91" presetID="1" presetClass="entr" presetSubtype="0" fill="hold" nodeType="clickEffect">
+                                  <p:stCondLst>
+                                    <p:cond delay="0"/>
+                                  </p:stCondLst>
+                                  <p:childTnLst>
+                                    <p:set>
+                                      <p:cBhvr>
+                                        <p:cTn id="92" dur="1" fill="hold">
+                                          <p:stCondLst>
+                                            <p:cond delay="0"/>
+                                          </p:stCondLst>
+                                        </p:cTn>
+                                        <p:tgtEl>
+                                          <p:spTgt spid="62"/>
+                                        </p:tgtEl>
+                                        <p:attrNameLst>
+                                          <p:attrName>style.visibility</p:attrName>
+                                        </p:attrNameLst>
+                                      </p:cBhvr>
+                                      <p:to>
+                                        <p:strVal val="visible"/>
+                                      </p:to>
+                                    </p:set>
+                                  </p:childTnLst>
+                                </p:cTn>
+                              </p:par>
+                              <p:par>
+                                <p:cTn id="93" presetID="1" presetClass="entr" presetSubtype="0" fill="hold" nodeType="withEffect">
+                                  <p:stCondLst>
+                                    <p:cond delay="0"/>
+                                  </p:stCondLst>
+                                  <p:childTnLst>
+                                    <p:set>
+                                      <p:cBhvr>
+                                        <p:cTn id="94" dur="1" fill="hold">
+                                          <p:stCondLst>
+                                            <p:cond delay="0"/>
+                                          </p:stCondLst>
+                                        </p:cTn>
+                                        <p:tgtEl>
+                                          <p:spTgt spid="64"/>
+                                        </p:tgtEl>
+                                        <p:attrNameLst>
+                                          <p:attrName>style.visibility</p:attrName>
+                                        </p:attrNameLst>
+                                      </p:cBhvr>
+                                      <p:to>
+                                        <p:strVal val="visible"/>
+                                      </p:to>
+                                    </p:set>
+                                  </p:childTnLst>
+                                </p:cTn>
+                              </p:par>
+                              <p:par>
+                                <p:cTn id="95" presetID="1" presetClass="entr" presetSubtype="0" fill="hold" grpId="0" nodeType="withEffect">
+                                  <p:stCondLst>
+                                    <p:cond delay="0"/>
+                                  </p:stCondLst>
+                                  <p:childTnLst>
+                                    <p:set>
+                                      <p:cBhvr>
+                                        <p:cTn id="96" dur="1" fill="hold">
+                                          <p:stCondLst>
+                                            <p:cond delay="0"/>
+                                          </p:stCondLst>
+                                        </p:cTn>
+                                        <p:tgtEl>
+                                          <p:spTgt spid="66"/>
+                                        </p:tgtEl>
+                                        <p:attrNameLst>
+                                          <p:attrName>style.visibility</p:attrName>
+                                        </p:attrNameLst>
+                                      </p:cBhvr>
+                                      <p:to>
+                                        <p:strVal val="visible"/>
+                                      </p:to>
+                                    </p:set>
+                                  </p:childTnLst>
+                                </p:cTn>
+                              </p:par>
+                              <p:par>
+                                <p:cTn id="97" presetID="1" presetClass="entr" presetSubtype="0" fill="hold" nodeType="withEffect">
+                                  <p:stCondLst>
+                                    <p:cond delay="0"/>
+                                  </p:stCondLst>
+                                  <p:childTnLst>
+                                    <p:set>
+                                      <p:cBhvr>
+                                        <p:cTn id="98" dur="1" fill="hold">
+                                          <p:stCondLst>
+                                            <p:cond delay="0"/>
+                                          </p:stCondLst>
+                                        </p:cTn>
+                                        <p:tgtEl>
+                                          <p:spTgt spid="69"/>
+                                        </p:tgtEl>
+                                        <p:attrNameLst>
+                                          <p:attrName>style.visibility</p:attrName>
+                                        </p:attrNameLst>
+                                      </p:cBhvr>
+                                      <p:to>
+                                        <p:strVal val="visible"/>
+                                      </p:to>
+                                    </p:set>
+                                  </p:childTnLst>
+                                </p:cTn>
+                              </p:par>
+                            </p:childTnLst>
+                          </p:cTn>
+                        </p:par>
+                      </p:childTnLst>
+                    </p:cTn>
+                  </p:par>
+                  <p:par>
+                    <p:cTn id="99" fill="hold">
+                      <p:stCondLst>
+                        <p:cond delay="indefinite"/>
+                      </p:stCondLst>
+                      <p:childTnLst>
+                        <p:par>
+                          <p:cTn id="100" fill="hold">
+                            <p:stCondLst>
+                              <p:cond delay="0"/>
+                            </p:stCondLst>
+                            <p:childTnLst>
+                              <p:par>
+                                <p:cTn id="101" presetID="1" presetClass="entr" presetSubtype="0" fill="hold" nodeType="clickEffect">
+                                  <p:stCondLst>
+                                    <p:cond delay="0"/>
+                                  </p:stCondLst>
+                                  <p:childTnLst>
+                                    <p:set>
+                                      <p:cBhvr>
+                                        <p:cTn id="102" dur="1" fill="hold">
+                                          <p:stCondLst>
+                                            <p:cond delay="0"/>
+                                          </p:stCondLst>
+                                        </p:cTn>
+                                        <p:tgtEl>
+                                          <p:spTgt spid="71"/>
+                                        </p:tgtEl>
+                                        <p:attrNameLst>
+                                          <p:attrName>style.visibility</p:attrName>
+                                        </p:attrNameLst>
+                                      </p:cBhvr>
+                                      <p:to>
+                                        <p:strVal val="visible"/>
+                                      </p:to>
+                                    </p:set>
+                                  </p:childTnLst>
+                                </p:cTn>
+                              </p:par>
+                              <p:par>
+                                <p:cTn id="103" presetID="1" presetClass="entr" presetSubtype="0" fill="hold" grpId="0" nodeType="withEffect">
+                                  <p:stCondLst>
+                                    <p:cond delay="0"/>
+                                  </p:stCondLst>
+                                  <p:childTnLst>
+                                    <p:set>
+                                      <p:cBhvr>
+                                        <p:cTn id="104" dur="1" fill="hold">
+                                          <p:stCondLst>
+                                            <p:cond delay="0"/>
+                                          </p:stCondLst>
+                                        </p:cTn>
+                                        <p:tgtEl>
+                                          <p:spTgt spid="74"/>
+                                        </p:tgtEl>
+                                        <p:attrNameLst>
+                                          <p:attrName>style.visibility</p:attrName>
+                                        </p:attrNameLst>
+                                      </p:cBhvr>
+                                      <p:to>
+                                        <p:strVal val="visible"/>
+                                      </p:to>
+                                    </p:set>
+                                  </p:childTnLst>
+                                </p:cTn>
+                              </p:par>
+                            </p:childTnLst>
+                          </p:cTn>
+                        </p:par>
+                      </p:childTnLst>
+                    </p:cTn>
+                  </p:par>
+                  <p:par>
+                    <p:cTn id="105" fill="hold">
+                      <p:stCondLst>
+                        <p:cond delay="indefinite"/>
+                      </p:stCondLst>
+                      <p:childTnLst>
+                        <p:par>
+                          <p:cTn id="106" fill="hold">
+                            <p:stCondLst>
+                              <p:cond delay="0"/>
+                            </p:stCondLst>
+                            <p:childTnLst>
+                              <p:par>
+                                <p:cTn id="107" presetID="1" presetClass="entr" presetSubtype="0" fill="hold" nodeType="clickEffect">
+                                  <p:stCondLst>
+                                    <p:cond delay="0"/>
+                                  </p:stCondLst>
+                                  <p:childTnLst>
+                                    <p:set>
+                                      <p:cBhvr>
+                                        <p:cTn id="108" dur="1" fill="hold">
+                                          <p:stCondLst>
+                                            <p:cond delay="0"/>
+                                          </p:stCondLst>
+                                        </p:cTn>
+                                        <p:tgtEl>
+                                          <p:spTgt spid="75"/>
+                                        </p:tgtEl>
+                                        <p:attrNameLst>
+                                          <p:attrName>style.visibility</p:attrName>
+                                        </p:attrNameLst>
+                                      </p:cBhvr>
+                                      <p:to>
+                                        <p:strVal val="visible"/>
+                                      </p:to>
+                                    </p:set>
+                                  </p:childTnLst>
+                                </p:cTn>
+                              </p:par>
+                              <p:par>
+                                <p:cTn id="109" presetID="1" presetClass="entr" presetSubtype="0" fill="hold" grpId="0" nodeType="withEffect">
+                                  <p:stCondLst>
+                                    <p:cond delay="0"/>
+                                  </p:stCondLst>
+                                  <p:childTnLst>
+                                    <p:set>
+                                      <p:cBhvr>
+                                        <p:cTn id="110" dur="1" fill="hold">
+                                          <p:stCondLst>
+                                            <p:cond delay="0"/>
+                                          </p:stCondLst>
+                                        </p:cTn>
+                                        <p:tgtEl>
+                                          <p:spTgt spid="76"/>
+                                        </p:tgtEl>
+                                        <p:attrNameLst>
+                                          <p:attrName>style.visibility</p:attrName>
+                                        </p:attrNameLst>
+                                      </p:cBhvr>
+                                      <p:to>
+                                        <p:strVal val="visible"/>
+                                      </p:to>
+                                    </p:set>
+                                  </p:childTnLst>
+                                </p:cTn>
+                              </p:par>
+                              <p:par>
+                                <p:cTn id="111" presetID="1" presetClass="entr" presetSubtype="0" fill="hold" nodeType="withEffect">
+                                  <p:stCondLst>
+                                    <p:cond delay="0"/>
+                                  </p:stCondLst>
+                                  <p:childTnLst>
+                                    <p:set>
+                                      <p:cBhvr>
+                                        <p:cTn id="112" dur="1" fill="hold">
+                                          <p:stCondLst>
+                                            <p:cond delay="0"/>
+                                          </p:stCondLst>
+                                        </p:cTn>
+                                        <p:tgtEl>
+                                          <p:spTgt spid="77"/>
+                                        </p:tgtEl>
+                                        <p:attrNameLst>
+                                          <p:attrName>style.visibility</p:attrName>
+                                        </p:attrNameLst>
+                                      </p:cBhvr>
+                                      <p:to>
+                                        <p:strVal val="visible"/>
+                                      </p:to>
+                                    </p:set>
+                                  </p:childTnLst>
+                                </p:cTn>
+                              </p:par>
+                              <p:par>
+                                <p:cTn id="113" presetID="1" presetClass="entr" presetSubtype="0" fill="hold" nodeType="withEffect">
+                                  <p:stCondLst>
+                                    <p:cond delay="0"/>
+                                  </p:stCondLst>
+                                  <p:childTnLst>
+                                    <p:set>
+                                      <p:cBhvr>
+                                        <p:cTn id="114" dur="1" fill="hold">
+                                          <p:stCondLst>
+                                            <p:cond delay="0"/>
+                                          </p:stCondLst>
+                                        </p:cTn>
+                                        <p:tgtEl>
+                                          <p:spTgt spid="78"/>
+                                        </p:tgtEl>
+                                        <p:attrNameLst>
+                                          <p:attrName>style.visibility</p:attrName>
+                                        </p:attrNameLst>
+                                      </p:cBhvr>
+                                      <p:to>
+                                        <p:strVal val="visible"/>
+                                      </p:to>
+                                    </p:set>
+                                  </p:childTnLst>
+                                </p:cTn>
+                              </p:par>
+                            </p:childTnLst>
+                          </p:cTn>
+                        </p:par>
+                      </p:childTnLst>
+                    </p:cTn>
+                  </p:par>
+                  <p:par>
+                    <p:cTn id="115" fill="hold">
+                      <p:stCondLst>
+                        <p:cond delay="indefinite"/>
+                      </p:stCondLst>
+                      <p:childTnLst>
+                        <p:par>
+                          <p:cTn id="116" fill="hold">
+                            <p:stCondLst>
+                              <p:cond delay="0"/>
+                            </p:stCondLst>
+                            <p:childTnLst>
+                              <p:par>
+                                <p:cTn id="117" presetID="1" presetClass="entr" presetSubtype="0" fill="hold" nodeType="clickEffect">
+                                  <p:stCondLst>
+                                    <p:cond delay="0"/>
+                                  </p:stCondLst>
+                                  <p:childTnLst>
+                                    <p:set>
+                                      <p:cBhvr>
+                                        <p:cTn id="118" dur="1" fill="hold">
+                                          <p:stCondLst>
+                                            <p:cond delay="0"/>
+                                          </p:stCondLst>
+                                        </p:cTn>
+                                        <p:tgtEl>
+                                          <p:spTgt spid="81"/>
+                                        </p:tgtEl>
+                                        <p:attrNameLst>
+                                          <p:attrName>style.visibility</p:attrName>
+                                        </p:attrNameLst>
+                                      </p:cBhvr>
+                                      <p:to>
+                                        <p:strVal val="visible"/>
+                                      </p:to>
+                                    </p:set>
+                                  </p:childTnLst>
+                                </p:cTn>
+                              </p:par>
+                              <p:par>
+                                <p:cTn id="119" presetID="1" presetClass="entr" presetSubtype="0" fill="hold" grpId="0" nodeType="withEffect">
+                                  <p:stCondLst>
+                                    <p:cond delay="0"/>
+                                  </p:stCondLst>
+                                  <p:childTnLst>
+                                    <p:set>
+                                      <p:cBhvr>
+                                        <p:cTn id="120" dur="1" fill="hold">
+                                          <p:stCondLst>
+                                            <p:cond delay="0"/>
+                                          </p:stCondLst>
+                                        </p:cTn>
+                                        <p:tgtEl>
+                                          <p:spTgt spid="82"/>
+                                        </p:tgtEl>
+                                        <p:attrNameLst>
+                                          <p:attrName>style.visibility</p:attrName>
+                                        </p:attrNameLst>
+                                      </p:cBhvr>
+                                      <p:to>
+                                        <p:strVal val="visible"/>
+                                      </p:to>
+                                    </p:set>
+                                  </p:childTnLst>
+                                </p:cTn>
+                              </p:par>
+                            </p:childTnLst>
+                          </p:cTn>
+                        </p:par>
+                      </p:childTnLst>
+                    </p:cTn>
+                  </p:par>
+                  <p:par>
+                    <p:cTn id="121" fill="hold">
+                      <p:stCondLst>
+                        <p:cond delay="indefinite"/>
+                      </p:stCondLst>
+                      <p:childTnLst>
+                        <p:par>
+                          <p:cTn id="122" fill="hold">
+                            <p:stCondLst>
+                              <p:cond delay="0"/>
+                            </p:stCondLst>
+                            <p:childTnLst>
+                              <p:par>
+                                <p:cTn id="123" presetID="1" presetClass="entr" presetSubtype="0" fill="hold" nodeType="clickEffect">
+                                  <p:stCondLst>
+                                    <p:cond delay="0"/>
+                                  </p:stCondLst>
+                                  <p:childTnLst>
+                                    <p:set>
+                                      <p:cBhvr>
+                                        <p:cTn id="124" dur="1" fill="hold">
+                                          <p:stCondLst>
+                                            <p:cond delay="0"/>
+                                          </p:stCondLst>
+                                        </p:cTn>
+                                        <p:tgtEl>
+                                          <p:spTgt spid="83"/>
+                                        </p:tgtEl>
+                                        <p:attrNameLst>
+                                          <p:attrName>style.visibility</p:attrName>
+                                        </p:attrNameLst>
+                                      </p:cBhvr>
+                                      <p:to>
+                                        <p:strVal val="visible"/>
+                                      </p:to>
+                                    </p:set>
+                                  </p:childTnLst>
+                                </p:cTn>
+                              </p:par>
+                            </p:childTnLst>
+                          </p:cTn>
+                        </p:par>
+                      </p:childTnLst>
+                    </p:cTn>
+                  </p:par>
+                  <p:par>
+                    <p:cTn id="125" fill="hold">
+                      <p:stCondLst>
+                        <p:cond delay="indefinite"/>
+                      </p:stCondLst>
+                      <p:childTnLst>
+                        <p:par>
+                          <p:cTn id="126" fill="hold">
+                            <p:stCondLst>
+                              <p:cond delay="0"/>
+                            </p:stCondLst>
+                            <p:childTnLst>
+                              <p:par>
+                                <p:cTn id="127" presetID="1" presetClass="entr" presetSubtype="0" fill="hold" nodeType="clickEffect">
+                                  <p:stCondLst>
+                                    <p:cond delay="0"/>
+                                  </p:stCondLst>
+                                  <p:childTnLst>
+                                    <p:set>
+                                      <p:cBhvr>
+                                        <p:cTn id="128" dur="1" fill="hold">
+                                          <p:stCondLst>
+                                            <p:cond delay="0"/>
+                                          </p:stCondLst>
+                                        </p:cTn>
+                                        <p:tgtEl>
+                                          <p:spTgt spid="86"/>
+                                        </p:tgtEl>
+                                        <p:attrNameLst>
+                                          <p:attrName>style.visibility</p:attrName>
+                                        </p:attrNameLst>
+                                      </p:cBhvr>
+                                      <p:to>
+                                        <p:strVal val="visible"/>
+                                      </p:to>
+                                    </p:set>
+                                  </p:childTnLst>
+                                </p:cTn>
+                              </p:par>
+                              <p:par>
+                                <p:cTn id="129" presetID="1" presetClass="entr" presetSubtype="0" fill="hold" nodeType="withEffect">
+                                  <p:stCondLst>
+                                    <p:cond delay="0"/>
+                                  </p:stCondLst>
+                                  <p:childTnLst>
+                                    <p:set>
+                                      <p:cBhvr>
+                                        <p:cTn id="130" dur="1" fill="hold">
+                                          <p:stCondLst>
+                                            <p:cond delay="0"/>
+                                          </p:stCondLst>
+                                        </p:cTn>
+                                        <p:tgtEl>
+                                          <p:spTgt spid="93"/>
+                                        </p:tgtEl>
+                                        <p:attrNameLst>
+                                          <p:attrName>style.visibility</p:attrName>
+                                        </p:attrNameLst>
+                                      </p:cBhvr>
+                                      <p:to>
+                                        <p:strVal val="visible"/>
+                                      </p:to>
+                                    </p:set>
+                                  </p:childTnLst>
+                                </p:cTn>
+                              </p:par>
+                            </p:childTnLst>
+                          </p:cTn>
+                        </p:par>
+                      </p:childTnLst>
+                    </p:cTn>
+                  </p:par>
+                  <p:par>
+                    <p:cTn id="131" fill="hold">
+                      <p:stCondLst>
+                        <p:cond delay="indefinite"/>
+                      </p:stCondLst>
+                      <p:childTnLst>
+                        <p:par>
+                          <p:cTn id="132" fill="hold">
+                            <p:stCondLst>
+                              <p:cond delay="0"/>
+                            </p:stCondLst>
+                            <p:childTnLst>
+                              <p:par>
+                                <p:cTn id="133" presetID="1" presetClass="entr" presetSubtype="0" fill="hold" nodeType="clickEffect">
+                                  <p:stCondLst>
+                                    <p:cond delay="0"/>
+                                  </p:stCondLst>
+                                  <p:childTnLst>
+                                    <p:set>
+                                      <p:cBhvr>
+                                        <p:cTn id="134" dur="1" fill="hold">
+                                          <p:stCondLst>
+                                            <p:cond delay="0"/>
+                                          </p:stCondLst>
+                                        </p:cTn>
+                                        <p:tgtEl>
+                                          <p:spTgt spid="104"/>
+                                        </p:tgtEl>
+                                        <p:attrNameLst>
+                                          <p:attrName>style.visibility</p:attrName>
+                                        </p:attrNameLst>
+                                      </p:cBhvr>
+                                      <p:to>
+                                        <p:strVal val="visible"/>
+                                      </p:to>
+                                    </p:set>
+                                  </p:childTnLst>
+                                </p:cTn>
+                              </p:par>
+                            </p:childTnLst>
+                          </p:cTn>
+                        </p:par>
+                      </p:childTnLst>
+                    </p:cTn>
+                  </p:par>
+                  <p:par>
+                    <p:cTn id="135" fill="hold">
+                      <p:stCondLst>
+                        <p:cond delay="indefinite"/>
+                      </p:stCondLst>
+                      <p:childTnLst>
+                        <p:par>
+                          <p:cTn id="136" fill="hold">
+                            <p:stCondLst>
+                              <p:cond delay="0"/>
+                            </p:stCondLst>
+                            <p:childTnLst>
+                              <p:par>
+                                <p:cTn id="137" presetID="1" presetClass="entr" presetSubtype="0" fill="hold" nodeType="clickEffect">
+                                  <p:stCondLst>
+                                    <p:cond delay="0"/>
+                                  </p:stCondLst>
+                                  <p:childTnLst>
+                                    <p:set>
+                                      <p:cBhvr>
+                                        <p:cTn id="138" dur="1" fill="hold">
+                                          <p:stCondLst>
+                                            <p:cond delay="0"/>
+                                          </p:stCondLst>
+                                        </p:cTn>
+                                        <p:tgtEl>
+                                          <p:spTgt spid="105"/>
+                                        </p:tgtEl>
+                                        <p:attrNameLst>
+                                          <p:attrName>style.visibility</p:attrName>
+                                        </p:attrNameLst>
+                                      </p:cBhvr>
+                                      <p:to>
+                                        <p:strVal val="visible"/>
+                                      </p:to>
+                                    </p:set>
+                                  </p:childTnLst>
+                                </p:cTn>
+                              </p:par>
+                            </p:childTnLst>
+                          </p:cTn>
+                        </p:par>
+                      </p:childTnLst>
+                    </p:cTn>
+                  </p:par>
+                  <p:par>
+                    <p:cTn id="139" fill="hold">
+                      <p:stCondLst>
+                        <p:cond delay="indefinite"/>
+                      </p:stCondLst>
+                      <p:childTnLst>
+                        <p:par>
+                          <p:cTn id="140" fill="hold">
+                            <p:stCondLst>
+                              <p:cond delay="0"/>
+                            </p:stCondLst>
+                            <p:childTnLst>
+                              <p:par>
+                                <p:cTn id="141" presetID="1" presetClass="entr" presetSubtype="0" fill="hold" nodeType="clickEffect">
+                                  <p:stCondLst>
+                                    <p:cond delay="0"/>
+                                  </p:stCondLst>
+                                  <p:childTnLst>
+                                    <p:set>
+                                      <p:cBhvr>
+                                        <p:cTn id="142" dur="1" fill="hold">
+                                          <p:stCondLst>
+                                            <p:cond delay="0"/>
+                                          </p:stCondLst>
+                                        </p:cTn>
+                                        <p:tgtEl>
+                                          <p:spTgt spid="106"/>
+                                        </p:tgtEl>
+                                        <p:attrNameLst>
+                                          <p:attrName>style.visibility</p:attrName>
+                                        </p:attrNameLst>
+                                      </p:cBhvr>
+                                      <p:to>
+                                        <p:strVal val="visible"/>
+                                      </p:to>
+                                    </p:set>
+                                  </p:childTnLst>
+                                </p:cTn>
+                              </p:par>
+                              <p:par>
+                                <p:cTn id="143" presetID="1" presetClass="entr" presetSubtype="0" fill="hold" grpId="0" nodeType="withEffect">
+                                  <p:stCondLst>
+                                    <p:cond delay="0"/>
+                                  </p:stCondLst>
+                                  <p:childTnLst>
+                                    <p:set>
+                                      <p:cBhvr>
+                                        <p:cTn id="144" dur="1" fill="hold">
+                                          <p:stCondLst>
+                                            <p:cond delay="0"/>
+                                          </p:stCondLst>
+                                        </p:cTn>
+                                        <p:tgtEl>
+                                          <p:spTgt spid="109"/>
+                                        </p:tgtEl>
+                                        <p:attrNameLst>
+                                          <p:attrName>style.visibility</p:attrName>
+                                        </p:attrNameLst>
+                                      </p:cBhvr>
+                                      <p:to>
+                                        <p:strVal val="visible"/>
+                                      </p:to>
+                                    </p:set>
+                                  </p:childTnLst>
+                                </p:cTn>
+                              </p:par>
+                            </p:childTnLst>
+                          </p:cTn>
+                        </p:par>
+                      </p:childTnLst>
+                    </p:cTn>
+                  </p:par>
+                  <p:par>
+                    <p:cTn id="145" fill="hold">
+                      <p:stCondLst>
+                        <p:cond delay="indefinite"/>
+                      </p:stCondLst>
+                      <p:childTnLst>
+                        <p:par>
+                          <p:cTn id="146" fill="hold">
+                            <p:stCondLst>
+                              <p:cond delay="0"/>
+                            </p:stCondLst>
+                            <p:childTnLst>
+                              <p:par>
+                                <p:cTn id="147" presetID="1" presetClass="entr" presetSubtype="0" fill="hold" nodeType="clickEffect">
+                                  <p:stCondLst>
+                                    <p:cond delay="0"/>
+                                  </p:stCondLst>
+                                  <p:childTnLst>
+                                    <p:set>
+                                      <p:cBhvr>
+                                        <p:cTn id="148" dur="1" fill="hold">
+                                          <p:stCondLst>
+                                            <p:cond delay="0"/>
+                                          </p:stCondLst>
+                                        </p:cTn>
+                                        <p:tgtEl>
+                                          <p:spTgt spid="110"/>
+                                        </p:tgtEl>
+                                        <p:attrNameLst>
+                                          <p:attrName>style.visibility</p:attrName>
+                                        </p:attrNameLst>
+                                      </p:cBhvr>
+                                      <p:to>
+                                        <p:strVal val="visible"/>
+                                      </p:to>
+                                    </p:set>
+                                  </p:childTnLst>
+                                </p:cTn>
+                              </p:par>
+                              <p:par>
+                                <p:cTn id="149" presetID="1" presetClass="entr" presetSubtype="0" fill="hold" grpId="0" nodeType="withEffect">
+                                  <p:stCondLst>
+                                    <p:cond delay="0"/>
+                                  </p:stCondLst>
+                                  <p:childTnLst>
+                                    <p:set>
+                                      <p:cBhvr>
+                                        <p:cTn id="150" dur="1" fill="hold">
+                                          <p:stCondLst>
+                                            <p:cond delay="0"/>
+                                          </p:stCondLst>
+                                        </p:cTn>
+                                        <p:tgtEl>
+                                          <p:spTgt spid="111"/>
+                                        </p:tgtEl>
+                                        <p:attrNameLst>
+                                          <p:attrName>style.visibility</p:attrName>
+                                        </p:attrNameLst>
+                                      </p:cBhvr>
+                                      <p:to>
+                                        <p:strVal val="visible"/>
+                                      </p:to>
+                                    </p:set>
+                                  </p:childTnLst>
+                                </p:cTn>
+                              </p:par>
+                            </p:childTnLst>
+                          </p:cTn>
+                        </p:par>
+                      </p:childTnLst>
+                    </p:cTn>
+                  </p:par>
+                  <p:par>
+                    <p:cTn id="151" fill="hold">
+                      <p:stCondLst>
+                        <p:cond delay="indefinite"/>
+                      </p:stCondLst>
+                      <p:childTnLst>
+                        <p:par>
+                          <p:cTn id="152" fill="hold">
+                            <p:stCondLst>
+                              <p:cond delay="0"/>
+                            </p:stCondLst>
+                            <p:childTnLst>
+                              <p:par>
+                                <p:cTn id="153" presetID="1" presetClass="entr" presetSubtype="0" fill="hold" nodeType="clickEffect">
+                                  <p:stCondLst>
+                                    <p:cond delay="0"/>
+                                  </p:stCondLst>
+                                  <p:childTnLst>
+                                    <p:set>
+                                      <p:cBhvr>
+                                        <p:cTn id="154" dur="1" fill="hold">
+                                          <p:stCondLst>
+                                            <p:cond delay="0"/>
+                                          </p:stCondLst>
+                                        </p:cTn>
+                                        <p:tgtEl>
+                                          <p:spTgt spid="112"/>
+                                        </p:tgtEl>
+                                        <p:attrNameLst>
+                                          <p:attrName>style.visibility</p:attrName>
+                                        </p:attrNameLst>
+                                      </p:cBhvr>
+                                      <p:to>
+                                        <p:strVal val="visible"/>
+                                      </p:to>
+                                    </p:set>
+                                  </p:childTnLst>
+                                </p:cTn>
+                              </p:par>
+                            </p:childTnLst>
+                          </p:cTn>
+                        </p:par>
+                      </p:childTnLst>
+                    </p:cTn>
+                  </p:par>
+                  <p:par>
+                    <p:cTn id="155" fill="hold">
+                      <p:stCondLst>
+                        <p:cond delay="indefinite"/>
+                      </p:stCondLst>
+                      <p:childTnLst>
+                        <p:par>
+                          <p:cTn id="156" fill="hold">
+                            <p:stCondLst>
+                              <p:cond delay="0"/>
+                            </p:stCondLst>
+                            <p:childTnLst>
+                              <p:par>
+                                <p:cTn id="157" presetID="1" presetClass="entr" presetSubtype="0" fill="hold" grpId="0" nodeType="clickEffect">
+                                  <p:stCondLst>
+                                    <p:cond delay="0"/>
+                                  </p:stCondLst>
+                                  <p:childTnLst>
+                                    <p:set>
+                                      <p:cBhvr>
+                                        <p:cTn id="158" dur="1" fill="hold">
+                                          <p:stCondLst>
+                                            <p:cond delay="0"/>
+                                          </p:stCondLst>
+                                        </p:cTn>
+                                        <p:tgtEl>
+                                          <p:spTgt spid="119"/>
                                         </p:tgtEl>
                                         <p:attrNameLst>
                                           <p:attrName>style.visibility</p:attrName>
@@ -31329,8 +32738,18 @@
       <p:bldP spid="116" grpId="0"/>
       <p:bldP spid="117" grpId="0"/>
       <p:bldP spid="121" grpId="0"/>
-      <p:bldP spid="123" grpId="0"/>
-      <p:bldP spid="129" grpId="0"/>
+      <p:bldP spid="39" grpId="0" animBg="1"/>
+      <p:bldP spid="44" grpId="0"/>
+      <p:bldP spid="45" grpId="0"/>
+      <p:bldP spid="47" grpId="0"/>
+      <p:bldP spid="57" grpId="0"/>
+      <p:bldP spid="66" grpId="0"/>
+      <p:bldP spid="74" grpId="0"/>
+      <p:bldP spid="76" grpId="0"/>
+      <p:bldP spid="82" grpId="0"/>
+      <p:bldP spid="109" grpId="0"/>
+      <p:bldP spid="111" grpId="0"/>
+      <p:bldP spid="119" grpId="0"/>
     </p:bldLst>
   </p:timing>
 </p:sld>
@@ -31629,4 +33048,299 @@
     </a:ext>
   </a:extLst>
 </a:theme>
+</file>
+
+<file path=ppt/theme/theme2.xml><?xml version="1.0" encoding="utf-8"?>
+<a:theme xmlns:a="http://schemas.openxmlformats.org/drawingml/2006/main" name="Office">
+  <a:themeElements>
+    <a:clrScheme name="Office">
+      <a:dk1>
+        <a:sysClr val="windowText" lastClr="000000"/>
+      </a:dk1>
+      <a:lt1>
+        <a:sysClr val="window" lastClr="FFFFFF"/>
+      </a:lt1>
+      <a:dk2>
+        <a:srgbClr val="44546A"/>
+      </a:dk2>
+      <a:lt2>
+        <a:srgbClr val="E7E6E6"/>
+      </a:lt2>
+      <a:accent1>
+        <a:srgbClr val="4472C4"/>
+      </a:accent1>
+      <a:accent2>
+        <a:srgbClr val="ED7D31"/>
+      </a:accent2>
+      <a:accent3>
+        <a:srgbClr val="A5A5A5"/>
+      </a:accent3>
+      <a:accent4>
+        <a:srgbClr val="FFC000"/>
+      </a:accent4>
+      <a:accent5>
+        <a:srgbClr val="5B9BD5"/>
+      </a:accent5>
+      <a:accent6>
+        <a:srgbClr val="70AD47"/>
+      </a:accent6>
+      <a:hlink>
+        <a:srgbClr val="0563C1"/>
+      </a:hlink>
+      <a:folHlink>
+        <a:srgbClr val="954F72"/>
+      </a:folHlink>
+    </a:clrScheme>
+    <a:fontScheme name="Office">
+      <a:majorFont>
+        <a:latin typeface="Calibri Light" panose="020F0302020204030204"/>
+        <a:ea typeface=""/>
+        <a:cs typeface=""/>
+        <a:font script="Jpan" typeface="游ゴシック Light"/>
+        <a:font script="Hang" typeface="맑은 고딕"/>
+        <a:font script="Hans" typeface="等线 Light"/>
+        <a:font script="Hant" typeface="新細明體"/>
+        <a:font script="Arab" typeface="Times New Roman"/>
+        <a:font script="Hebr" typeface="Times New Roman"/>
+        <a:font script="Thai" typeface="Angsana New"/>
+        <a:font script="Ethi" typeface="Nyala"/>
+        <a:font script="Beng" typeface="Vrinda"/>
+        <a:font script="Gujr" typeface="Shruti"/>
+        <a:font script="Khmr" typeface="MoolBoran"/>
+        <a:font script="Knda" typeface="Tunga"/>
+        <a:font script="Guru" typeface="Raavi"/>
+        <a:font script="Cans" typeface="Euphemia"/>
+        <a:font script="Cher" typeface="Plantagenet Cherokee"/>
+        <a:font script="Yiii" typeface="Microsoft Yi Baiti"/>
+        <a:font script="Tibt" typeface="Microsoft Himalaya"/>
+        <a:font script="Thaa" typeface="MV Boli"/>
+        <a:font script="Deva" typeface="Mangal"/>
+        <a:font script="Telu" typeface="Gautami"/>
+        <a:font script="Taml" typeface="Latha"/>
+        <a:font script="Syrc" typeface="Estrangelo Edessa"/>
+        <a:font script="Orya" typeface="Kalinga"/>
+        <a:font script="Mlym" typeface="Kartika"/>
+        <a:font script="Laoo" typeface="DokChampa"/>
+        <a:font script="Sinh" typeface="Iskoola Pota"/>
+        <a:font script="Mong" typeface="Mongolian Baiti"/>
+        <a:font script="Viet" typeface="Times New Roman"/>
+        <a:font script="Uigh" typeface="Microsoft Uighur"/>
+        <a:font script="Geor" typeface="Sylfaen"/>
+        <a:font script="Armn" typeface="Arial"/>
+        <a:font script="Bugi" typeface="Leelawadee UI"/>
+        <a:font script="Bopo" typeface="Microsoft JhengHei"/>
+        <a:font script="Java" typeface="Javanese Text"/>
+        <a:font script="Lisu" typeface="Segoe UI"/>
+        <a:font script="Mymr" typeface="Myanmar Text"/>
+        <a:font script="Nkoo" typeface="Ebrima"/>
+        <a:font script="Olck" typeface="Nirmala UI"/>
+        <a:font script="Osma" typeface="Ebrima"/>
+        <a:font script="Phag" typeface="Phagspa"/>
+        <a:font script="Syrn" typeface="Estrangelo Edessa"/>
+        <a:font script="Syrj" typeface="Estrangelo Edessa"/>
+        <a:font script="Syre" typeface="Estrangelo Edessa"/>
+        <a:font script="Sora" typeface="Nirmala UI"/>
+        <a:font script="Tale" typeface="Microsoft Tai Le"/>
+        <a:font script="Talu" typeface="Microsoft New Tai Lue"/>
+        <a:font script="Tfng" typeface="Ebrima"/>
+      </a:majorFont>
+      <a:minorFont>
+        <a:latin typeface="Calibri" panose="020F0502020204030204"/>
+        <a:ea typeface=""/>
+        <a:cs typeface=""/>
+        <a:font script="Jpan" typeface="游ゴシック"/>
+        <a:font script="Hang" typeface="맑은 고딕"/>
+        <a:font script="Hans" typeface="等线"/>
+        <a:font script="Hant" typeface="新細明體"/>
+        <a:font script="Arab" typeface="Arial"/>
+        <a:font script="Hebr" typeface="Arial"/>
+        <a:font script="Thai" typeface="Cordia New"/>
+        <a:font script="Ethi" typeface="Nyala"/>
+        <a:font script="Beng" typeface="Vrinda"/>
+        <a:font script="Gujr" typeface="Shruti"/>
+        <a:font script="Khmr" typeface="DaunPenh"/>
+        <a:font script="Knda" typeface="Tunga"/>
+        <a:font script="Guru" typeface="Raavi"/>
+        <a:font script="Cans" typeface="Euphemia"/>
+        <a:font script="Cher" typeface="Plantagenet Cherokee"/>
+        <a:font script="Yiii" typeface="Microsoft Yi Baiti"/>
+        <a:font script="Tibt" typeface="Microsoft Himalaya"/>
+        <a:font script="Thaa" typeface="MV Boli"/>
+        <a:font script="Deva" typeface="Mangal"/>
+        <a:font script="Telu" typeface="Gautami"/>
+        <a:font script="Taml" typeface="Latha"/>
+        <a:font script="Syrc" typeface="Estrangelo Edessa"/>
+        <a:font script="Orya" typeface="Kalinga"/>
+        <a:font script="Mlym" typeface="Kartika"/>
+        <a:font script="Laoo" typeface="DokChampa"/>
+        <a:font script="Sinh" typeface="Iskoola Pota"/>
+        <a:font script="Mong" typeface="Mongolian Baiti"/>
+        <a:font script="Viet" typeface="Arial"/>
+        <a:font script="Uigh" typeface="Microsoft Uighur"/>
+        <a:font script="Geor" typeface="Sylfaen"/>
+        <a:font script="Armn" typeface="Arial"/>
+        <a:font script="Bugi" typeface="Leelawadee UI"/>
+        <a:font script="Bopo" typeface="Microsoft JhengHei"/>
+        <a:font script="Java" typeface="Javanese Text"/>
+        <a:font script="Lisu" typeface="Segoe UI"/>
+        <a:font script="Mymr" typeface="Myanmar Text"/>
+        <a:font script="Nkoo" typeface="Ebrima"/>
+        <a:font script="Olck" typeface="Nirmala UI"/>
+        <a:font script="Osma" typeface="Ebrima"/>
+        <a:font script="Phag" typeface="Phagspa"/>
+        <a:font script="Syrn" typeface="Estrangelo Edessa"/>
+        <a:font script="Syrj" typeface="Estrangelo Edessa"/>
+        <a:font script="Syre" typeface="Estrangelo Edessa"/>
+        <a:font script="Sora" typeface="Nirmala UI"/>
+        <a:font script="Tale" typeface="Microsoft Tai Le"/>
+        <a:font script="Talu" typeface="Microsoft New Tai Lue"/>
+        <a:font script="Tfng" typeface="Ebrima"/>
+      </a:minorFont>
+    </a:fontScheme>
+    <a:fmtScheme name="Office">
+      <a:fillStyleLst>
+        <a:solidFill>
+          <a:schemeClr val="phClr"/>
+        </a:solidFill>
+        <a:gradFill rotWithShape="1">
+          <a:gsLst>
+            <a:gs pos="0">
+              <a:schemeClr val="phClr">
+                <a:lumMod val="110000"/>
+                <a:satMod val="105000"/>
+                <a:tint val="67000"/>
+              </a:schemeClr>
+            </a:gs>
+            <a:gs pos="50000">
+              <a:schemeClr val="phClr">
+                <a:lumMod val="105000"/>
+                <a:satMod val="103000"/>
+                <a:tint val="73000"/>
+              </a:schemeClr>
+            </a:gs>
+            <a:gs pos="100000">
+              <a:schemeClr val="phClr">
+                <a:lumMod val="105000"/>
+                <a:satMod val="109000"/>
+                <a:tint val="81000"/>
+              </a:schemeClr>
+            </a:gs>
+          </a:gsLst>
+          <a:lin ang="5400000" scaled="0"/>
+        </a:gradFill>
+        <a:gradFill rotWithShape="1">
+          <a:gsLst>
+            <a:gs pos="0">
+              <a:schemeClr val="phClr">
+                <a:satMod val="103000"/>
+                <a:lumMod val="102000"/>
+                <a:tint val="94000"/>
+              </a:schemeClr>
+            </a:gs>
+            <a:gs pos="50000">
+              <a:schemeClr val="phClr">
+                <a:satMod val="110000"/>
+                <a:lumMod val="100000"/>
+                <a:shade val="100000"/>
+              </a:schemeClr>
+            </a:gs>
+            <a:gs pos="100000">
+              <a:schemeClr val="phClr">
+                <a:lumMod val="99000"/>
+                <a:satMod val="120000"/>
+                <a:shade val="78000"/>
+              </a:schemeClr>
+            </a:gs>
+          </a:gsLst>
+          <a:lin ang="5400000" scaled="0"/>
+        </a:gradFill>
+      </a:fillStyleLst>
+      <a:lnStyleLst>
+        <a:ln w="6350" cap="flat" cmpd="sng" algn="ctr">
+          <a:solidFill>
+            <a:schemeClr val="phClr"/>
+          </a:solidFill>
+          <a:prstDash val="solid"/>
+          <a:miter lim="800000"/>
+        </a:ln>
+        <a:ln w="12700" cap="flat" cmpd="sng" algn="ctr">
+          <a:solidFill>
+            <a:schemeClr val="phClr"/>
+          </a:solidFill>
+          <a:prstDash val="solid"/>
+          <a:miter lim="800000"/>
+        </a:ln>
+        <a:ln w="19050" cap="flat" cmpd="sng" algn="ctr">
+          <a:solidFill>
+            <a:schemeClr val="phClr"/>
+          </a:solidFill>
+          <a:prstDash val="solid"/>
+          <a:miter lim="800000"/>
+        </a:ln>
+      </a:lnStyleLst>
+      <a:effectStyleLst>
+        <a:effectStyle>
+          <a:effectLst/>
+        </a:effectStyle>
+        <a:effectStyle>
+          <a:effectLst/>
+        </a:effectStyle>
+        <a:effectStyle>
+          <a:effectLst>
+            <a:outerShdw blurRad="57150" dist="19050" dir="5400000" algn="ctr" rotWithShape="0">
+              <a:srgbClr val="000000">
+                <a:alpha val="63000"/>
+              </a:srgbClr>
+            </a:outerShdw>
+          </a:effectLst>
+        </a:effectStyle>
+      </a:effectStyleLst>
+      <a:bgFillStyleLst>
+        <a:solidFill>
+          <a:schemeClr val="phClr"/>
+        </a:solidFill>
+        <a:solidFill>
+          <a:schemeClr val="phClr">
+            <a:tint val="95000"/>
+            <a:satMod val="170000"/>
+          </a:schemeClr>
+        </a:solidFill>
+        <a:gradFill rotWithShape="1">
+          <a:gsLst>
+            <a:gs pos="0">
+              <a:schemeClr val="phClr">
+                <a:tint val="93000"/>
+                <a:satMod val="150000"/>
+                <a:shade val="98000"/>
+                <a:lumMod val="102000"/>
+              </a:schemeClr>
+            </a:gs>
+            <a:gs pos="50000">
+              <a:schemeClr val="phClr">
+                <a:tint val="98000"/>
+                <a:satMod val="130000"/>
+                <a:shade val="90000"/>
+                <a:lumMod val="103000"/>
+              </a:schemeClr>
+            </a:gs>
+            <a:gs pos="100000">
+              <a:schemeClr val="phClr">
+                <a:shade val="63000"/>
+                <a:satMod val="120000"/>
+              </a:schemeClr>
+            </a:gs>
+          </a:gsLst>
+          <a:lin ang="5400000" scaled="0"/>
+        </a:gradFill>
+      </a:bgFillStyleLst>
+    </a:fmtScheme>
+  </a:themeElements>
+  <a:objectDefaults/>
+  <a:extraClrSchemeLst/>
+  <a:extLst>
+    <a:ext uri="{05A4C25C-085E-4340-85A3-A5531E510DB2}">
+      <thm15:themeFamily xmlns:thm15="http://schemas.microsoft.com/office/thememl/2012/main" name="Office Theme" id="{62F939B6-93AF-4DB8-9C6B-D6C7DFDC589F}" vid="{4A3C46E8-61CC-4603-A589-7422A47A8E4A}"/>
+    </a:ext>
+  </a:extLst>
+</a:theme>
 </file>